--- a/Images/Figures_PPT/ExcHeatPlotMetaPlot.pptx
+++ b/Images/Figures_PPT/ExcHeatPlotMetaPlot.pptx
@@ -23484,7 +23484,7 @@
               <a:avLst/>
             </a:prstGeom>
             <a:solidFill>
-              <a:srgbClr val="FE4A49">
+              <a:srgbClr val="A87142">
                 <a:alpha val="100000"/>
               </a:srgbClr>
             </a:solidFill>
@@ -23589,7 +23589,7 @@
               <a:avLst/>
             </a:prstGeom>
             <a:solidFill>
-              <a:srgbClr val="A87142">
+              <a:srgbClr val="FE4A49">
                 <a:alpha val="100000"/>
               </a:srgbClr>
             </a:solidFill>
@@ -23624,7 +23624,7 @@
               <a:avLst/>
             </a:prstGeom>
             <a:solidFill>
-              <a:srgbClr val="A87142">
+              <a:srgbClr val="FE4A49">
                 <a:alpha val="100000"/>
               </a:srgbClr>
             </a:solidFill>

--- a/Images/Figures_PPT/ExcHeatPlotMetaPlot.pptx
+++ b/Images/Figures_PPT/ExcHeatPlotMetaPlot.pptx
@@ -25912,6 +25912,583 @@
           <p:spPr>
             <a:xfrm>
               <a:off x="8816207" y="3593131"/>
+              <a:ext cx="1109041" cy="1417544"/>
+            </a:xfrm>
+            <a:prstGeom prst="rect">
+              <a:avLst/>
+            </a:prstGeom>
+          </p:spPr>
+          <p:txBody>
+            <a:bodyPr/>
+            <a:lstStyle/>
+            <a:p/>
+          </p:txBody>
+        </p:sp>
+        <p:sp>
+          <p:nvSpPr>
+            <p:cNvPr id="629" name="tx628"/>
+            <p:cNvSpPr/>
+            <p:nvPr/>
+          </p:nvSpPr>
+          <p:spPr>
+            <a:xfrm>
+              <a:off x="8885796" y="3644922"/>
+              <a:ext cx="969863" cy="115589"/>
+            </a:xfrm>
+            <a:prstGeom prst="rect">
+              <a:avLst/>
+            </a:prstGeom>
+            <a:noFill/>
+          </p:spPr>
+          <p:txBody>
+            <a:bodyPr lIns="0" rIns="0" tIns="0" bIns="0" anchorCtr="1" anchor="ctr" wrap="none"/>
+            <a:lstStyle/>
+            <a:p>
+              <a:pPr algn="l" marL="0" marR="0" indent="0">
+                <a:lnSpc>
+                  <a:spcPts val="1000"/>
+                </a:lnSpc>
+                <a:spcBef>
+                  <a:spcPts val="0"/>
+                </a:spcBef>
+                <a:spcAft>
+                  <a:spcPts val="0"/>
+                </a:spcAft>
+              </a:pPr>
+              <a:r>
+                <a:rPr sz="1000">
+                  <a:solidFill>
+                    <a:srgbClr val="000000">
+                      <a:alpha val="100000"/>
+                    </a:srgbClr>
+                  </a:solidFill>
+                  <a:latin typeface="Times New Roman"/>
+                  <a:cs typeface="Times New Roman"/>
+                </a:rPr>
+                <a:t>Metabolic Strategy</a:t>
+              </a:r>
+            </a:p>
+          </p:txBody>
+        </p:sp>
+        <p:sp>
+          <p:nvSpPr>
+            <p:cNvPr id="630" name="rc629"/>
+            <p:cNvSpPr/>
+            <p:nvPr/>
+          </p:nvSpPr>
+          <p:spPr>
+            <a:xfrm>
+              <a:off x="8885796" y="3843806"/>
+              <a:ext cx="219455" cy="219456"/>
+            </a:xfrm>
+            <a:prstGeom prst="rect">
+              <a:avLst/>
+            </a:prstGeom>
+            <a:solidFill>
+              <a:srgbClr val="FFFFFF">
+                <a:alpha val="100000"/>
+              </a:srgbClr>
+            </a:solidFill>
+            <a:ln w="13550" cap="rnd">
+              <a:solidFill>
+                <a:srgbClr val="FFFFFF">
+                  <a:alpha val="100000"/>
+                </a:srgbClr>
+              </a:solidFill>
+              <a:prstDash val="solid"/>
+              <a:round/>
+            </a:ln>
+          </p:spPr>
+          <p:txBody>
+            <a:bodyPr/>
+            <a:lstStyle/>
+            <a:p/>
+          </p:txBody>
+        </p:sp>
+        <p:sp>
+          <p:nvSpPr>
+            <p:cNvPr id="631" name="rc630"/>
+            <p:cNvSpPr/>
+            <p:nvPr/>
+          </p:nvSpPr>
+          <p:spPr>
+            <a:xfrm>
+              <a:off x="8885796" y="4063262"/>
+              <a:ext cx="219455" cy="219455"/>
+            </a:xfrm>
+            <a:prstGeom prst="rect">
+              <a:avLst/>
+            </a:prstGeom>
+            <a:solidFill>
+              <a:srgbClr val="FFFFFF">
+                <a:alpha val="100000"/>
+              </a:srgbClr>
+            </a:solidFill>
+            <a:ln w="13550" cap="rnd">
+              <a:solidFill>
+                <a:srgbClr val="FFFFFF">
+                  <a:alpha val="100000"/>
+                </a:srgbClr>
+              </a:solidFill>
+              <a:prstDash val="solid"/>
+              <a:round/>
+            </a:ln>
+          </p:spPr>
+          <p:txBody>
+            <a:bodyPr/>
+            <a:lstStyle/>
+            <a:p/>
+          </p:txBody>
+        </p:sp>
+        <p:sp>
+          <p:nvSpPr>
+            <p:cNvPr id="632" name="rc631"/>
+            <p:cNvSpPr/>
+            <p:nvPr/>
+          </p:nvSpPr>
+          <p:spPr>
+            <a:xfrm>
+              <a:off x="8887596" y="4065062"/>
+              <a:ext cx="215856" cy="215855"/>
+            </a:xfrm>
+            <a:prstGeom prst="rect">
+              <a:avLst/>
+            </a:prstGeom>
+            <a:solidFill>
+              <a:srgbClr val="A87142">
+                <a:alpha val="100000"/>
+              </a:srgbClr>
+            </a:solidFill>
+            <a:ln w="2710" cap="flat">
+              <a:solidFill>
+                <a:srgbClr val="FFFFFF">
+                  <a:alpha val="100000"/>
+                </a:srgbClr>
+              </a:solidFill>
+              <a:prstDash val="solid"/>
+              <a:miter/>
+            </a:ln>
+          </p:spPr>
+          <p:txBody>
+            <a:bodyPr/>
+            <a:lstStyle/>
+            <a:p/>
+          </p:txBody>
+        </p:sp>
+        <p:sp>
+          <p:nvSpPr>
+            <p:cNvPr id="633" name="rc632"/>
+            <p:cNvSpPr/>
+            <p:nvPr/>
+          </p:nvSpPr>
+          <p:spPr>
+            <a:xfrm>
+              <a:off x="8885796" y="4282718"/>
+              <a:ext cx="219455" cy="219455"/>
+            </a:xfrm>
+            <a:prstGeom prst="rect">
+              <a:avLst/>
+            </a:prstGeom>
+            <a:solidFill>
+              <a:srgbClr val="FFFFFF">
+                <a:alpha val="100000"/>
+              </a:srgbClr>
+            </a:solidFill>
+            <a:ln w="13550" cap="rnd">
+              <a:solidFill>
+                <a:srgbClr val="FFFFFF">
+                  <a:alpha val="100000"/>
+                </a:srgbClr>
+              </a:solidFill>
+              <a:prstDash val="solid"/>
+              <a:round/>
+            </a:ln>
+          </p:spPr>
+          <p:txBody>
+            <a:bodyPr/>
+            <a:lstStyle/>
+            <a:p/>
+          </p:txBody>
+        </p:sp>
+        <p:sp>
+          <p:nvSpPr>
+            <p:cNvPr id="634" name="rc633"/>
+            <p:cNvSpPr/>
+            <p:nvPr/>
+          </p:nvSpPr>
+          <p:spPr>
+            <a:xfrm>
+              <a:off x="8887596" y="4284518"/>
+              <a:ext cx="215856" cy="215855"/>
+            </a:xfrm>
+            <a:prstGeom prst="rect">
+              <a:avLst/>
+            </a:prstGeom>
+            <a:solidFill>
+              <a:srgbClr val="63E3C5">
+                <a:alpha val="100000"/>
+              </a:srgbClr>
+            </a:solidFill>
+            <a:ln w="2710" cap="flat">
+              <a:solidFill>
+                <a:srgbClr val="FFFFFF">
+                  <a:alpha val="100000"/>
+                </a:srgbClr>
+              </a:solidFill>
+              <a:prstDash val="solid"/>
+              <a:miter/>
+            </a:ln>
+          </p:spPr>
+          <p:txBody>
+            <a:bodyPr/>
+            <a:lstStyle/>
+            <a:p/>
+          </p:txBody>
+        </p:sp>
+        <p:sp>
+          <p:nvSpPr>
+            <p:cNvPr id="635" name="rc634"/>
+            <p:cNvSpPr/>
+            <p:nvPr/>
+          </p:nvSpPr>
+          <p:spPr>
+            <a:xfrm>
+              <a:off x="8885796" y="4502174"/>
+              <a:ext cx="219455" cy="219455"/>
+            </a:xfrm>
+            <a:prstGeom prst="rect">
+              <a:avLst/>
+            </a:prstGeom>
+            <a:solidFill>
+              <a:srgbClr val="FFFFFF">
+                <a:alpha val="100000"/>
+              </a:srgbClr>
+            </a:solidFill>
+            <a:ln w="13550" cap="rnd">
+              <a:solidFill>
+                <a:srgbClr val="FFFFFF">
+                  <a:alpha val="100000"/>
+                </a:srgbClr>
+              </a:solidFill>
+              <a:prstDash val="solid"/>
+              <a:round/>
+            </a:ln>
+          </p:spPr>
+          <p:txBody>
+            <a:bodyPr/>
+            <a:lstStyle/>
+            <a:p/>
+          </p:txBody>
+        </p:sp>
+        <p:sp>
+          <p:nvSpPr>
+            <p:cNvPr id="636" name="rc635"/>
+            <p:cNvSpPr/>
+            <p:nvPr/>
+          </p:nvSpPr>
+          <p:spPr>
+            <a:xfrm>
+              <a:off x="8887596" y="4503974"/>
+              <a:ext cx="215856" cy="215855"/>
+            </a:xfrm>
+            <a:prstGeom prst="rect">
+              <a:avLst/>
+            </a:prstGeom>
+            <a:solidFill>
+              <a:srgbClr val="FE4A49">
+                <a:alpha val="100000"/>
+              </a:srgbClr>
+            </a:solidFill>
+            <a:ln w="2710" cap="flat">
+              <a:solidFill>
+                <a:srgbClr val="FFFFFF">
+                  <a:alpha val="100000"/>
+                </a:srgbClr>
+              </a:solidFill>
+              <a:prstDash val="solid"/>
+              <a:miter/>
+            </a:ln>
+          </p:spPr>
+          <p:txBody>
+            <a:bodyPr/>
+            <a:lstStyle/>
+            <a:p/>
+          </p:txBody>
+        </p:sp>
+        <p:sp>
+          <p:nvSpPr>
+            <p:cNvPr id="637" name="rc636"/>
+            <p:cNvSpPr/>
+            <p:nvPr/>
+          </p:nvSpPr>
+          <p:spPr>
+            <a:xfrm>
+              <a:off x="8885796" y="4721630"/>
+              <a:ext cx="219455" cy="219455"/>
+            </a:xfrm>
+            <a:prstGeom prst="rect">
+              <a:avLst/>
+            </a:prstGeom>
+            <a:solidFill>
+              <a:srgbClr val="FFFFFF">
+                <a:alpha val="100000"/>
+              </a:srgbClr>
+            </a:solidFill>
+            <a:ln w="13550" cap="rnd">
+              <a:solidFill>
+                <a:srgbClr val="FFFFFF">
+                  <a:alpha val="100000"/>
+                </a:srgbClr>
+              </a:solidFill>
+              <a:prstDash val="solid"/>
+              <a:round/>
+            </a:ln>
+          </p:spPr>
+          <p:txBody>
+            <a:bodyPr/>
+            <a:lstStyle/>
+            <a:p/>
+          </p:txBody>
+        </p:sp>
+        <p:sp>
+          <p:nvSpPr>
+            <p:cNvPr id="638" name="tx637"/>
+            <p:cNvSpPr/>
+            <p:nvPr/>
+          </p:nvSpPr>
+          <p:spPr>
+            <a:xfrm>
+              <a:off x="9174841" y="3913220"/>
+              <a:ext cx="337551" cy="63437"/>
+            </a:xfrm>
+            <a:prstGeom prst="rect">
+              <a:avLst/>
+            </a:prstGeom>
+            <a:noFill/>
+          </p:spPr>
+          <p:txBody>
+            <a:bodyPr lIns="0" rIns="0" tIns="0" bIns="0" anchorCtr="1" anchor="ctr" wrap="none"/>
+            <a:lstStyle/>
+            <a:p>
+              <a:pPr algn="l" marL="0" marR="0" indent="0">
+                <a:lnSpc>
+                  <a:spcPts val="550"/>
+                </a:lnSpc>
+                <a:spcBef>
+                  <a:spcPts val="0"/>
+                </a:spcBef>
+                <a:spcAft>
+                  <a:spcPts val="0"/>
+                </a:spcAft>
+              </a:pPr>
+              <a:r>
+                <a:rPr sz="550">
+                  <a:solidFill>
+                    <a:srgbClr val="000000">
+                      <a:alpha val="100000"/>
+                    </a:srgbClr>
+                  </a:solidFill>
+                  <a:latin typeface="Times New Roman"/>
+                  <a:cs typeface="Times New Roman"/>
+                </a:rPr>
+                <a:t>Autotrophic</a:t>
+              </a:r>
+            </a:p>
+          </p:txBody>
+        </p:sp>
+        <p:sp>
+          <p:nvSpPr>
+            <p:cNvPr id="639" name="tx638"/>
+            <p:cNvSpPr/>
+            <p:nvPr/>
+          </p:nvSpPr>
+          <p:spPr>
+            <a:xfrm>
+              <a:off x="9174841" y="4132676"/>
+              <a:ext cx="337483" cy="63437"/>
+            </a:xfrm>
+            <a:prstGeom prst="rect">
+              <a:avLst/>
+            </a:prstGeom>
+            <a:noFill/>
+          </p:spPr>
+          <p:txBody>
+            <a:bodyPr lIns="0" rIns="0" tIns="0" bIns="0" anchorCtr="1" anchor="ctr" wrap="none"/>
+            <a:lstStyle/>
+            <a:p>
+              <a:pPr algn="l" marL="0" marR="0" indent="0">
+                <a:lnSpc>
+                  <a:spcPts val="550"/>
+                </a:lnSpc>
+                <a:spcBef>
+                  <a:spcPts val="0"/>
+                </a:spcBef>
+                <a:spcAft>
+                  <a:spcPts val="0"/>
+                </a:spcAft>
+              </a:pPr>
+              <a:r>
+                <a:rPr sz="550">
+                  <a:solidFill>
+                    <a:srgbClr val="000000">
+                      <a:alpha val="100000"/>
+                    </a:srgbClr>
+                  </a:solidFill>
+                  <a:latin typeface="Times New Roman"/>
+                  <a:cs typeface="Times New Roman"/>
+                </a:rPr>
+                <a:t>Heterotroph</a:t>
+              </a:r>
+            </a:p>
+          </p:txBody>
+        </p:sp>
+        <p:sp>
+          <p:nvSpPr>
+            <p:cNvPr id="640" name="tx639"/>
+            <p:cNvSpPr/>
+            <p:nvPr/>
+          </p:nvSpPr>
+          <p:spPr>
+            <a:xfrm>
+              <a:off x="9174841" y="4352132"/>
+              <a:ext cx="298806" cy="63437"/>
+            </a:xfrm>
+            <a:prstGeom prst="rect">
+              <a:avLst/>
+            </a:prstGeom>
+            <a:noFill/>
+          </p:spPr>
+          <p:txBody>
+            <a:bodyPr lIns="0" rIns="0" tIns="0" bIns="0" anchorCtr="1" anchor="ctr" wrap="none"/>
+            <a:lstStyle/>
+            <a:p>
+              <a:pPr algn="l" marL="0" marR="0" indent="0">
+                <a:lnSpc>
+                  <a:spcPts val="550"/>
+                </a:lnSpc>
+                <a:spcBef>
+                  <a:spcPts val="0"/>
+                </a:spcBef>
+                <a:spcAft>
+                  <a:spcPts val="0"/>
+                </a:spcAft>
+              </a:pPr>
+              <a:r>
+                <a:rPr sz="550">
+                  <a:solidFill>
+                    <a:srgbClr val="000000">
+                      <a:alpha val="100000"/>
+                    </a:srgbClr>
+                  </a:solidFill>
+                  <a:latin typeface="Times New Roman"/>
+                  <a:cs typeface="Times New Roman"/>
+                </a:rPr>
+                <a:t>Mixotroph</a:t>
+              </a:r>
+            </a:p>
+          </p:txBody>
+        </p:sp>
+        <p:sp>
+          <p:nvSpPr>
+            <p:cNvPr id="641" name="tx640"/>
+            <p:cNvSpPr/>
+            <p:nvPr/>
+          </p:nvSpPr>
+          <p:spPr>
+            <a:xfrm>
+              <a:off x="9174841" y="4585572"/>
+              <a:ext cx="221112" cy="49454"/>
+            </a:xfrm>
+            <a:prstGeom prst="rect">
+              <a:avLst/>
+            </a:prstGeom>
+            <a:noFill/>
+          </p:spPr>
+          <p:txBody>
+            <a:bodyPr lIns="0" rIns="0" tIns="0" bIns="0" anchorCtr="1" anchor="ctr" wrap="none"/>
+            <a:lstStyle/>
+            <a:p>
+              <a:pPr algn="l" marL="0" marR="0" indent="0">
+                <a:lnSpc>
+                  <a:spcPts val="550"/>
+                </a:lnSpc>
+                <a:spcBef>
+                  <a:spcPts val="0"/>
+                </a:spcBef>
+                <a:spcAft>
+                  <a:spcPts val="0"/>
+                </a:spcAft>
+              </a:pPr>
+              <a:r>
+                <a:rPr sz="550">
+                  <a:solidFill>
+                    <a:srgbClr val="000000">
+                      <a:alpha val="100000"/>
+                    </a:srgbClr>
+                  </a:solidFill>
+                  <a:latin typeface="Times New Roman"/>
+                  <a:cs typeface="Times New Roman"/>
+                </a:rPr>
+                <a:t>Parasite</a:t>
+              </a:r>
+            </a:p>
+          </p:txBody>
+        </p:sp>
+        <p:sp>
+          <p:nvSpPr>
+            <p:cNvPr id="642" name="tx641"/>
+            <p:cNvSpPr/>
+            <p:nvPr/>
+          </p:nvSpPr>
+          <p:spPr>
+            <a:xfrm>
+              <a:off x="9174841" y="4790908"/>
+              <a:ext cx="422954" cy="63574"/>
+            </a:xfrm>
+            <a:prstGeom prst="rect">
+              <a:avLst/>
+            </a:prstGeom>
+            <a:noFill/>
+          </p:spPr>
+          <p:txBody>
+            <a:bodyPr lIns="0" rIns="0" tIns="0" bIns="0" anchorCtr="1" anchor="ctr" wrap="none"/>
+            <a:lstStyle/>
+            <a:p>
+              <a:pPr algn="l" marL="0" marR="0" indent="0">
+                <a:lnSpc>
+                  <a:spcPts val="550"/>
+                </a:lnSpc>
+                <a:spcBef>
+                  <a:spcPts val="0"/>
+                </a:spcBef>
+                <a:spcAft>
+                  <a:spcPts val="0"/>
+                </a:spcAft>
+              </a:pPr>
+              <a:r>
+                <a:rPr sz="550">
+                  <a:solidFill>
+                    <a:srgbClr val="000000">
+                      <a:alpha val="100000"/>
+                    </a:srgbClr>
+                  </a:solidFill>
+                  <a:latin typeface="Times New Roman"/>
+                  <a:cs typeface="Times New Roman"/>
+                </a:rPr>
+                <a:t>Endosymbiotic</a:t>
+              </a:r>
+            </a:p>
+          </p:txBody>
+        </p:sp>
+        <p:sp>
+          <p:nvSpPr>
+            <p:cNvPr id="643" name="rc642"/>
+            <p:cNvSpPr/>
+            <p:nvPr/>
+          </p:nvSpPr>
+          <p:spPr>
+            <a:xfrm>
+              <a:off x="8816207" y="5017875"/>
               <a:ext cx="939935" cy="1417544"/>
             </a:xfrm>
             <a:prstGeom prst="rect">
@@ -25926,13 +26503,13 @@
         </p:sp>
         <p:sp>
           <p:nvSpPr>
-            <p:cNvPr id="629" name="tx628"/>
-            <p:cNvSpPr/>
-            <p:nvPr/>
-          </p:nvSpPr>
-          <p:spPr>
-            <a:xfrm>
-              <a:off x="8885796" y="3672580"/>
+            <p:cNvPr id="644" name="tx643"/>
+            <p:cNvSpPr/>
+            <p:nvPr/>
+          </p:nvSpPr>
+          <p:spPr>
+            <a:xfrm>
+              <a:off x="8885796" y="5097324"/>
               <a:ext cx="800757" cy="87932"/>
             </a:xfrm>
             <a:prstGeom prst="rect">
@@ -25972,14 +26549,14 @@
         </p:sp>
         <p:sp>
           <p:nvSpPr>
-            <p:cNvPr id="630" name="rc629"/>
-            <p:cNvSpPr/>
-            <p:nvPr/>
-          </p:nvSpPr>
-          <p:spPr>
-            <a:xfrm>
-              <a:off x="8885796" y="3843806"/>
-              <a:ext cx="219455" cy="219456"/>
+            <p:cNvPr id="645" name="rc644"/>
+            <p:cNvSpPr/>
+            <p:nvPr/>
+          </p:nvSpPr>
+          <p:spPr>
+            <a:xfrm>
+              <a:off x="8885796" y="5268550"/>
+              <a:ext cx="219455" cy="219455"/>
             </a:xfrm>
             <a:prstGeom prst="rect">
               <a:avLst/>
@@ -26007,14 +26584,14 @@
         </p:sp>
         <p:sp>
           <p:nvSpPr>
-            <p:cNvPr id="631" name="rc630"/>
-            <p:cNvSpPr/>
-            <p:nvPr/>
-          </p:nvSpPr>
-          <p:spPr>
-            <a:xfrm>
-              <a:off x="8887596" y="3845606"/>
-              <a:ext cx="215856" cy="215856"/>
+            <p:cNvPr id="646" name="rc645"/>
+            <p:cNvSpPr/>
+            <p:nvPr/>
+          </p:nvSpPr>
+          <p:spPr>
+            <a:xfrm>
+              <a:off x="8887596" y="5270350"/>
+              <a:ext cx="215856" cy="215855"/>
             </a:xfrm>
             <a:prstGeom prst="rect">
               <a:avLst/>
@@ -26042,13 +26619,13 @@
         </p:sp>
         <p:sp>
           <p:nvSpPr>
-            <p:cNvPr id="632" name="rc631"/>
-            <p:cNvSpPr/>
-            <p:nvPr/>
-          </p:nvSpPr>
-          <p:spPr>
-            <a:xfrm>
-              <a:off x="8885796" y="4063262"/>
+            <p:cNvPr id="647" name="rc646"/>
+            <p:cNvSpPr/>
+            <p:nvPr/>
+          </p:nvSpPr>
+          <p:spPr>
+            <a:xfrm>
+              <a:off x="8885796" y="5488006"/>
               <a:ext cx="219455" cy="219455"/>
             </a:xfrm>
             <a:prstGeom prst="rect">
@@ -26077,13 +26654,13 @@
         </p:sp>
         <p:sp>
           <p:nvSpPr>
-            <p:cNvPr id="633" name="rc632"/>
-            <p:cNvSpPr/>
-            <p:nvPr/>
-          </p:nvSpPr>
-          <p:spPr>
-            <a:xfrm>
-              <a:off x="8887596" y="4065062"/>
+            <p:cNvPr id="648" name="rc647"/>
+            <p:cNvSpPr/>
+            <p:nvPr/>
+          </p:nvSpPr>
+          <p:spPr>
+            <a:xfrm>
+              <a:off x="8887596" y="5489806"/>
               <a:ext cx="215856" cy="215855"/>
             </a:xfrm>
             <a:prstGeom prst="rect">
@@ -26112,13 +26689,13 @@
         </p:sp>
         <p:sp>
           <p:nvSpPr>
-            <p:cNvPr id="634" name="rc633"/>
-            <p:cNvSpPr/>
-            <p:nvPr/>
-          </p:nvSpPr>
-          <p:spPr>
-            <a:xfrm>
-              <a:off x="8885796" y="4282718"/>
+            <p:cNvPr id="649" name="rc648"/>
+            <p:cNvSpPr/>
+            <p:nvPr/>
+          </p:nvSpPr>
+          <p:spPr>
+            <a:xfrm>
+              <a:off x="8885796" y="5707462"/>
               <a:ext cx="219455" cy="219455"/>
             </a:xfrm>
             <a:prstGeom prst="rect">
@@ -26147,13 +26724,13 @@
         </p:sp>
         <p:sp>
           <p:nvSpPr>
-            <p:cNvPr id="635" name="rc634"/>
-            <p:cNvSpPr/>
-            <p:nvPr/>
-          </p:nvSpPr>
-          <p:spPr>
-            <a:xfrm>
-              <a:off x="8887596" y="4284518"/>
+            <p:cNvPr id="650" name="rc649"/>
+            <p:cNvSpPr/>
+            <p:nvPr/>
+          </p:nvSpPr>
+          <p:spPr>
+            <a:xfrm>
+              <a:off x="8887596" y="5709262"/>
               <a:ext cx="215856" cy="215855"/>
             </a:xfrm>
             <a:prstGeom prst="rect">
@@ -26182,13 +26759,13 @@
         </p:sp>
         <p:sp>
           <p:nvSpPr>
-            <p:cNvPr id="636" name="rc635"/>
-            <p:cNvSpPr/>
-            <p:nvPr/>
-          </p:nvSpPr>
-          <p:spPr>
-            <a:xfrm>
-              <a:off x="8885796" y="4502174"/>
+            <p:cNvPr id="651" name="rc650"/>
+            <p:cNvSpPr/>
+            <p:nvPr/>
+          </p:nvSpPr>
+          <p:spPr>
+            <a:xfrm>
+              <a:off x="8885796" y="5926918"/>
               <a:ext cx="219455" cy="219455"/>
             </a:xfrm>
             <a:prstGeom prst="rect">
@@ -26217,13 +26794,13 @@
         </p:sp>
         <p:sp>
           <p:nvSpPr>
-            <p:cNvPr id="637" name="rc636"/>
-            <p:cNvSpPr/>
-            <p:nvPr/>
-          </p:nvSpPr>
-          <p:spPr>
-            <a:xfrm>
-              <a:off x="8885796" y="4721630"/>
+            <p:cNvPr id="652" name="rc651"/>
+            <p:cNvSpPr/>
+            <p:nvPr/>
+          </p:nvSpPr>
+          <p:spPr>
+            <a:xfrm>
+              <a:off x="8885796" y="6146374"/>
               <a:ext cx="219455" cy="219455"/>
             </a:xfrm>
             <a:prstGeom prst="rect">
@@ -26252,13 +26829,13 @@
         </p:sp>
         <p:sp>
           <p:nvSpPr>
-            <p:cNvPr id="638" name="rc637"/>
-            <p:cNvSpPr/>
-            <p:nvPr/>
-          </p:nvSpPr>
-          <p:spPr>
-            <a:xfrm>
-              <a:off x="8887596" y="4723430"/>
+            <p:cNvPr id="653" name="rc652"/>
+            <p:cNvSpPr/>
+            <p:nvPr/>
+          </p:nvSpPr>
+          <p:spPr>
+            <a:xfrm>
+              <a:off x="8887596" y="6148174"/>
               <a:ext cx="215856" cy="215855"/>
             </a:xfrm>
             <a:prstGeom prst="rect">
@@ -26287,13 +26864,13 @@
         </p:sp>
         <p:sp>
           <p:nvSpPr>
-            <p:cNvPr id="639" name="tx638"/>
-            <p:cNvSpPr/>
-            <p:nvPr/>
-          </p:nvSpPr>
-          <p:spPr>
-            <a:xfrm>
-              <a:off x="9174841" y="3930410"/>
+            <p:cNvPr id="654" name="tx653"/>
+            <p:cNvSpPr/>
+            <p:nvPr/>
+          </p:nvSpPr>
+          <p:spPr>
+            <a:xfrm>
+              <a:off x="9174841" y="5355154"/>
               <a:ext cx="50443" cy="46248"/>
             </a:xfrm>
             <a:prstGeom prst="rect">
@@ -26333,13 +26910,13 @@
         </p:sp>
         <p:sp>
           <p:nvSpPr>
-            <p:cNvPr id="640" name="tx639"/>
-            <p:cNvSpPr/>
-            <p:nvPr/>
-          </p:nvSpPr>
-          <p:spPr>
-            <a:xfrm>
-              <a:off x="9174841" y="4149866"/>
+            <p:cNvPr id="655" name="tx654"/>
+            <p:cNvSpPr/>
+            <p:nvPr/>
+          </p:nvSpPr>
+          <p:spPr>
+            <a:xfrm>
+              <a:off x="9174841" y="5574610"/>
               <a:ext cx="62107" cy="46248"/>
             </a:xfrm>
             <a:prstGeom prst="rect">
@@ -26379,13 +26956,13 @@
         </p:sp>
         <p:sp>
           <p:nvSpPr>
-            <p:cNvPr id="641" name="tx640"/>
-            <p:cNvSpPr/>
-            <p:nvPr/>
-          </p:nvSpPr>
-          <p:spPr>
-            <a:xfrm>
-              <a:off x="9174841" y="4369322"/>
+            <p:cNvPr id="656" name="tx655"/>
+            <p:cNvSpPr/>
+            <p:nvPr/>
+          </p:nvSpPr>
+          <p:spPr>
+            <a:xfrm>
+              <a:off x="9174841" y="5794066"/>
               <a:ext cx="42667" cy="46248"/>
             </a:xfrm>
             <a:prstGeom prst="rect">
@@ -26425,13 +27002,13 @@
         </p:sp>
         <p:sp>
           <p:nvSpPr>
-            <p:cNvPr id="642" name="tx641"/>
-            <p:cNvSpPr/>
-            <p:nvPr/>
-          </p:nvSpPr>
-          <p:spPr>
-            <a:xfrm>
-              <a:off x="9174841" y="4588778"/>
+            <p:cNvPr id="657" name="tx656"/>
+            <p:cNvSpPr/>
+            <p:nvPr/>
+          </p:nvSpPr>
+          <p:spPr>
+            <a:xfrm>
+              <a:off x="9174841" y="6013522"/>
               <a:ext cx="38847" cy="46248"/>
             </a:xfrm>
             <a:prstGeom prst="rect">
@@ -26471,13 +27048,13 @@
         </p:sp>
         <p:sp>
           <p:nvSpPr>
-            <p:cNvPr id="643" name="tx642"/>
-            <p:cNvSpPr/>
-            <p:nvPr/>
-          </p:nvSpPr>
-          <p:spPr>
-            <a:xfrm>
-              <a:off x="9174841" y="4806426"/>
+            <p:cNvPr id="658" name="tx657"/>
+            <p:cNvSpPr/>
+            <p:nvPr/>
+          </p:nvSpPr>
+          <p:spPr>
+            <a:xfrm>
+              <a:off x="9174841" y="6231170"/>
               <a:ext cx="100886" cy="48055"/>
             </a:xfrm>
             <a:prstGeom prst="rect">
@@ -26511,583 +27088,6 @@
                   <a:cs typeface="Times New Roman"/>
                 </a:rPr>
                 <a:t>NA</a:t>
-              </a:r>
-            </a:p>
-          </p:txBody>
-        </p:sp>
-        <p:sp>
-          <p:nvSpPr>
-            <p:cNvPr id="644" name="rc643"/>
-            <p:cNvSpPr/>
-            <p:nvPr/>
-          </p:nvSpPr>
-          <p:spPr>
-            <a:xfrm>
-              <a:off x="8816207" y="5017875"/>
-              <a:ext cx="1109041" cy="1417544"/>
-            </a:xfrm>
-            <a:prstGeom prst="rect">
-              <a:avLst/>
-            </a:prstGeom>
-          </p:spPr>
-          <p:txBody>
-            <a:bodyPr/>
-            <a:lstStyle/>
-            <a:p/>
-          </p:txBody>
-        </p:sp>
-        <p:sp>
-          <p:nvSpPr>
-            <p:cNvPr id="645" name="tx644"/>
-            <p:cNvSpPr/>
-            <p:nvPr/>
-          </p:nvSpPr>
-          <p:spPr>
-            <a:xfrm>
-              <a:off x="8885796" y="5069667"/>
-              <a:ext cx="969863" cy="115589"/>
-            </a:xfrm>
-            <a:prstGeom prst="rect">
-              <a:avLst/>
-            </a:prstGeom>
-            <a:noFill/>
-          </p:spPr>
-          <p:txBody>
-            <a:bodyPr lIns="0" rIns="0" tIns="0" bIns="0" anchorCtr="1" anchor="ctr" wrap="none"/>
-            <a:lstStyle/>
-            <a:p>
-              <a:pPr algn="l" marL="0" marR="0" indent="0">
-                <a:lnSpc>
-                  <a:spcPts val="1000"/>
-                </a:lnSpc>
-                <a:spcBef>
-                  <a:spcPts val="0"/>
-                </a:spcBef>
-                <a:spcAft>
-                  <a:spcPts val="0"/>
-                </a:spcAft>
-              </a:pPr>
-              <a:r>
-                <a:rPr sz="1000">
-                  <a:solidFill>
-                    <a:srgbClr val="000000">
-                      <a:alpha val="100000"/>
-                    </a:srgbClr>
-                  </a:solidFill>
-                  <a:latin typeface="Times New Roman"/>
-                  <a:cs typeface="Times New Roman"/>
-                </a:rPr>
-                <a:t>Metabolic Strategy</a:t>
-              </a:r>
-            </a:p>
-          </p:txBody>
-        </p:sp>
-        <p:sp>
-          <p:nvSpPr>
-            <p:cNvPr id="646" name="rc645"/>
-            <p:cNvSpPr/>
-            <p:nvPr/>
-          </p:nvSpPr>
-          <p:spPr>
-            <a:xfrm>
-              <a:off x="8885796" y="5268550"/>
-              <a:ext cx="219455" cy="219455"/>
-            </a:xfrm>
-            <a:prstGeom prst="rect">
-              <a:avLst/>
-            </a:prstGeom>
-            <a:solidFill>
-              <a:srgbClr val="FFFFFF">
-                <a:alpha val="100000"/>
-              </a:srgbClr>
-            </a:solidFill>
-            <a:ln w="13550" cap="rnd">
-              <a:solidFill>
-                <a:srgbClr val="FFFFFF">
-                  <a:alpha val="100000"/>
-                </a:srgbClr>
-              </a:solidFill>
-              <a:prstDash val="solid"/>
-              <a:round/>
-            </a:ln>
-          </p:spPr>
-          <p:txBody>
-            <a:bodyPr/>
-            <a:lstStyle/>
-            <a:p/>
-          </p:txBody>
-        </p:sp>
-        <p:sp>
-          <p:nvSpPr>
-            <p:cNvPr id="647" name="rc646"/>
-            <p:cNvSpPr/>
-            <p:nvPr/>
-          </p:nvSpPr>
-          <p:spPr>
-            <a:xfrm>
-              <a:off x="8885796" y="5488006"/>
-              <a:ext cx="219455" cy="219455"/>
-            </a:xfrm>
-            <a:prstGeom prst="rect">
-              <a:avLst/>
-            </a:prstGeom>
-            <a:solidFill>
-              <a:srgbClr val="FFFFFF">
-                <a:alpha val="100000"/>
-              </a:srgbClr>
-            </a:solidFill>
-            <a:ln w="13550" cap="rnd">
-              <a:solidFill>
-                <a:srgbClr val="FFFFFF">
-                  <a:alpha val="100000"/>
-                </a:srgbClr>
-              </a:solidFill>
-              <a:prstDash val="solid"/>
-              <a:round/>
-            </a:ln>
-          </p:spPr>
-          <p:txBody>
-            <a:bodyPr/>
-            <a:lstStyle/>
-            <a:p/>
-          </p:txBody>
-        </p:sp>
-        <p:sp>
-          <p:nvSpPr>
-            <p:cNvPr id="648" name="rc647"/>
-            <p:cNvSpPr/>
-            <p:nvPr/>
-          </p:nvSpPr>
-          <p:spPr>
-            <a:xfrm>
-              <a:off x="8887596" y="5489806"/>
-              <a:ext cx="215856" cy="215855"/>
-            </a:xfrm>
-            <a:prstGeom prst="rect">
-              <a:avLst/>
-            </a:prstGeom>
-            <a:solidFill>
-              <a:srgbClr val="A87142">
-                <a:alpha val="100000"/>
-              </a:srgbClr>
-            </a:solidFill>
-            <a:ln w="2710" cap="flat">
-              <a:solidFill>
-                <a:srgbClr val="FFFFFF">
-                  <a:alpha val="100000"/>
-                </a:srgbClr>
-              </a:solidFill>
-              <a:prstDash val="solid"/>
-              <a:miter/>
-            </a:ln>
-          </p:spPr>
-          <p:txBody>
-            <a:bodyPr/>
-            <a:lstStyle/>
-            <a:p/>
-          </p:txBody>
-        </p:sp>
-        <p:sp>
-          <p:nvSpPr>
-            <p:cNvPr id="649" name="rc648"/>
-            <p:cNvSpPr/>
-            <p:nvPr/>
-          </p:nvSpPr>
-          <p:spPr>
-            <a:xfrm>
-              <a:off x="8885796" y="5707462"/>
-              <a:ext cx="219455" cy="219455"/>
-            </a:xfrm>
-            <a:prstGeom prst="rect">
-              <a:avLst/>
-            </a:prstGeom>
-            <a:solidFill>
-              <a:srgbClr val="FFFFFF">
-                <a:alpha val="100000"/>
-              </a:srgbClr>
-            </a:solidFill>
-            <a:ln w="13550" cap="rnd">
-              <a:solidFill>
-                <a:srgbClr val="FFFFFF">
-                  <a:alpha val="100000"/>
-                </a:srgbClr>
-              </a:solidFill>
-              <a:prstDash val="solid"/>
-              <a:round/>
-            </a:ln>
-          </p:spPr>
-          <p:txBody>
-            <a:bodyPr/>
-            <a:lstStyle/>
-            <a:p/>
-          </p:txBody>
-        </p:sp>
-        <p:sp>
-          <p:nvSpPr>
-            <p:cNvPr id="650" name="rc649"/>
-            <p:cNvSpPr/>
-            <p:nvPr/>
-          </p:nvSpPr>
-          <p:spPr>
-            <a:xfrm>
-              <a:off x="8887596" y="5709262"/>
-              <a:ext cx="215856" cy="215855"/>
-            </a:xfrm>
-            <a:prstGeom prst="rect">
-              <a:avLst/>
-            </a:prstGeom>
-            <a:solidFill>
-              <a:srgbClr val="63E3C5">
-                <a:alpha val="100000"/>
-              </a:srgbClr>
-            </a:solidFill>
-            <a:ln w="2710" cap="flat">
-              <a:solidFill>
-                <a:srgbClr val="FFFFFF">
-                  <a:alpha val="100000"/>
-                </a:srgbClr>
-              </a:solidFill>
-              <a:prstDash val="solid"/>
-              <a:miter/>
-            </a:ln>
-          </p:spPr>
-          <p:txBody>
-            <a:bodyPr/>
-            <a:lstStyle/>
-            <a:p/>
-          </p:txBody>
-        </p:sp>
-        <p:sp>
-          <p:nvSpPr>
-            <p:cNvPr id="651" name="rc650"/>
-            <p:cNvSpPr/>
-            <p:nvPr/>
-          </p:nvSpPr>
-          <p:spPr>
-            <a:xfrm>
-              <a:off x="8885796" y="5926918"/>
-              <a:ext cx="219455" cy="219455"/>
-            </a:xfrm>
-            <a:prstGeom prst="rect">
-              <a:avLst/>
-            </a:prstGeom>
-            <a:solidFill>
-              <a:srgbClr val="FFFFFF">
-                <a:alpha val="100000"/>
-              </a:srgbClr>
-            </a:solidFill>
-            <a:ln w="13550" cap="rnd">
-              <a:solidFill>
-                <a:srgbClr val="FFFFFF">
-                  <a:alpha val="100000"/>
-                </a:srgbClr>
-              </a:solidFill>
-              <a:prstDash val="solid"/>
-              <a:round/>
-            </a:ln>
-          </p:spPr>
-          <p:txBody>
-            <a:bodyPr/>
-            <a:lstStyle/>
-            <a:p/>
-          </p:txBody>
-        </p:sp>
-        <p:sp>
-          <p:nvSpPr>
-            <p:cNvPr id="652" name="rc651"/>
-            <p:cNvSpPr/>
-            <p:nvPr/>
-          </p:nvSpPr>
-          <p:spPr>
-            <a:xfrm>
-              <a:off x="8887596" y="5928718"/>
-              <a:ext cx="215856" cy="215855"/>
-            </a:xfrm>
-            <a:prstGeom prst="rect">
-              <a:avLst/>
-            </a:prstGeom>
-            <a:solidFill>
-              <a:srgbClr val="FE4A49">
-                <a:alpha val="100000"/>
-              </a:srgbClr>
-            </a:solidFill>
-            <a:ln w="2710" cap="flat">
-              <a:solidFill>
-                <a:srgbClr val="FFFFFF">
-                  <a:alpha val="100000"/>
-                </a:srgbClr>
-              </a:solidFill>
-              <a:prstDash val="solid"/>
-              <a:miter/>
-            </a:ln>
-          </p:spPr>
-          <p:txBody>
-            <a:bodyPr/>
-            <a:lstStyle/>
-            <a:p/>
-          </p:txBody>
-        </p:sp>
-        <p:sp>
-          <p:nvSpPr>
-            <p:cNvPr id="653" name="rc652"/>
-            <p:cNvSpPr/>
-            <p:nvPr/>
-          </p:nvSpPr>
-          <p:spPr>
-            <a:xfrm>
-              <a:off x="8885796" y="6146374"/>
-              <a:ext cx="219455" cy="219455"/>
-            </a:xfrm>
-            <a:prstGeom prst="rect">
-              <a:avLst/>
-            </a:prstGeom>
-            <a:solidFill>
-              <a:srgbClr val="FFFFFF">
-                <a:alpha val="100000"/>
-              </a:srgbClr>
-            </a:solidFill>
-            <a:ln w="13550" cap="rnd">
-              <a:solidFill>
-                <a:srgbClr val="FFFFFF">
-                  <a:alpha val="100000"/>
-                </a:srgbClr>
-              </a:solidFill>
-              <a:prstDash val="solid"/>
-              <a:round/>
-            </a:ln>
-          </p:spPr>
-          <p:txBody>
-            <a:bodyPr/>
-            <a:lstStyle/>
-            <a:p/>
-          </p:txBody>
-        </p:sp>
-        <p:sp>
-          <p:nvSpPr>
-            <p:cNvPr id="654" name="tx653"/>
-            <p:cNvSpPr/>
-            <p:nvPr/>
-          </p:nvSpPr>
-          <p:spPr>
-            <a:xfrm>
-              <a:off x="9174841" y="5337964"/>
-              <a:ext cx="337551" cy="63437"/>
-            </a:xfrm>
-            <a:prstGeom prst="rect">
-              <a:avLst/>
-            </a:prstGeom>
-            <a:noFill/>
-          </p:spPr>
-          <p:txBody>
-            <a:bodyPr lIns="0" rIns="0" tIns="0" bIns="0" anchorCtr="1" anchor="ctr" wrap="none"/>
-            <a:lstStyle/>
-            <a:p>
-              <a:pPr algn="l" marL="0" marR="0" indent="0">
-                <a:lnSpc>
-                  <a:spcPts val="550"/>
-                </a:lnSpc>
-                <a:spcBef>
-                  <a:spcPts val="0"/>
-                </a:spcBef>
-                <a:spcAft>
-                  <a:spcPts val="0"/>
-                </a:spcAft>
-              </a:pPr>
-              <a:r>
-                <a:rPr sz="550">
-                  <a:solidFill>
-                    <a:srgbClr val="000000">
-                      <a:alpha val="100000"/>
-                    </a:srgbClr>
-                  </a:solidFill>
-                  <a:latin typeface="Times New Roman"/>
-                  <a:cs typeface="Times New Roman"/>
-                </a:rPr>
-                <a:t>Autotrophic</a:t>
-              </a:r>
-            </a:p>
-          </p:txBody>
-        </p:sp>
-        <p:sp>
-          <p:nvSpPr>
-            <p:cNvPr id="655" name="tx654"/>
-            <p:cNvSpPr/>
-            <p:nvPr/>
-          </p:nvSpPr>
-          <p:spPr>
-            <a:xfrm>
-              <a:off x="9174841" y="5557420"/>
-              <a:ext cx="337483" cy="63437"/>
-            </a:xfrm>
-            <a:prstGeom prst="rect">
-              <a:avLst/>
-            </a:prstGeom>
-            <a:noFill/>
-          </p:spPr>
-          <p:txBody>
-            <a:bodyPr lIns="0" rIns="0" tIns="0" bIns="0" anchorCtr="1" anchor="ctr" wrap="none"/>
-            <a:lstStyle/>
-            <a:p>
-              <a:pPr algn="l" marL="0" marR="0" indent="0">
-                <a:lnSpc>
-                  <a:spcPts val="550"/>
-                </a:lnSpc>
-                <a:spcBef>
-                  <a:spcPts val="0"/>
-                </a:spcBef>
-                <a:spcAft>
-                  <a:spcPts val="0"/>
-                </a:spcAft>
-              </a:pPr>
-              <a:r>
-                <a:rPr sz="550">
-                  <a:solidFill>
-                    <a:srgbClr val="000000">
-                      <a:alpha val="100000"/>
-                    </a:srgbClr>
-                  </a:solidFill>
-                  <a:latin typeface="Times New Roman"/>
-                  <a:cs typeface="Times New Roman"/>
-                </a:rPr>
-                <a:t>Heterotroph</a:t>
-              </a:r>
-            </a:p>
-          </p:txBody>
-        </p:sp>
-        <p:sp>
-          <p:nvSpPr>
-            <p:cNvPr id="656" name="tx655"/>
-            <p:cNvSpPr/>
-            <p:nvPr/>
-          </p:nvSpPr>
-          <p:spPr>
-            <a:xfrm>
-              <a:off x="9174841" y="5776876"/>
-              <a:ext cx="298806" cy="63437"/>
-            </a:xfrm>
-            <a:prstGeom prst="rect">
-              <a:avLst/>
-            </a:prstGeom>
-            <a:noFill/>
-          </p:spPr>
-          <p:txBody>
-            <a:bodyPr lIns="0" rIns="0" tIns="0" bIns="0" anchorCtr="1" anchor="ctr" wrap="none"/>
-            <a:lstStyle/>
-            <a:p>
-              <a:pPr algn="l" marL="0" marR="0" indent="0">
-                <a:lnSpc>
-                  <a:spcPts val="550"/>
-                </a:lnSpc>
-                <a:spcBef>
-                  <a:spcPts val="0"/>
-                </a:spcBef>
-                <a:spcAft>
-                  <a:spcPts val="0"/>
-                </a:spcAft>
-              </a:pPr>
-              <a:r>
-                <a:rPr sz="550">
-                  <a:solidFill>
-                    <a:srgbClr val="000000">
-                      <a:alpha val="100000"/>
-                    </a:srgbClr>
-                  </a:solidFill>
-                  <a:latin typeface="Times New Roman"/>
-                  <a:cs typeface="Times New Roman"/>
-                </a:rPr>
-                <a:t>Mixotroph</a:t>
-              </a:r>
-            </a:p>
-          </p:txBody>
-        </p:sp>
-        <p:sp>
-          <p:nvSpPr>
-            <p:cNvPr id="657" name="tx656"/>
-            <p:cNvSpPr/>
-            <p:nvPr/>
-          </p:nvSpPr>
-          <p:spPr>
-            <a:xfrm>
-              <a:off x="9174841" y="6010316"/>
-              <a:ext cx="221112" cy="49454"/>
-            </a:xfrm>
-            <a:prstGeom prst="rect">
-              <a:avLst/>
-            </a:prstGeom>
-            <a:noFill/>
-          </p:spPr>
-          <p:txBody>
-            <a:bodyPr lIns="0" rIns="0" tIns="0" bIns="0" anchorCtr="1" anchor="ctr" wrap="none"/>
-            <a:lstStyle/>
-            <a:p>
-              <a:pPr algn="l" marL="0" marR="0" indent="0">
-                <a:lnSpc>
-                  <a:spcPts val="550"/>
-                </a:lnSpc>
-                <a:spcBef>
-                  <a:spcPts val="0"/>
-                </a:spcBef>
-                <a:spcAft>
-                  <a:spcPts val="0"/>
-                </a:spcAft>
-              </a:pPr>
-              <a:r>
-                <a:rPr sz="550">
-                  <a:solidFill>
-                    <a:srgbClr val="000000">
-                      <a:alpha val="100000"/>
-                    </a:srgbClr>
-                  </a:solidFill>
-                  <a:latin typeface="Times New Roman"/>
-                  <a:cs typeface="Times New Roman"/>
-                </a:rPr>
-                <a:t>Parasite</a:t>
-              </a:r>
-            </a:p>
-          </p:txBody>
-        </p:sp>
-        <p:sp>
-          <p:nvSpPr>
-            <p:cNvPr id="658" name="tx657"/>
-            <p:cNvSpPr/>
-            <p:nvPr/>
-          </p:nvSpPr>
-          <p:spPr>
-            <a:xfrm>
-              <a:off x="9174841" y="6215652"/>
-              <a:ext cx="403547" cy="63574"/>
-            </a:xfrm>
-            <a:prstGeom prst="rect">
-              <a:avLst/>
-            </a:prstGeom>
-            <a:noFill/>
-          </p:spPr>
-          <p:txBody>
-            <a:bodyPr lIns="0" rIns="0" tIns="0" bIns="0" anchorCtr="1" anchor="ctr" wrap="none"/>
-            <a:lstStyle/>
-            <a:p>
-              <a:pPr algn="l" marL="0" marR="0" indent="0">
-                <a:lnSpc>
-                  <a:spcPts val="550"/>
-                </a:lnSpc>
-                <a:spcBef>
-                  <a:spcPts val="0"/>
-                </a:spcBef>
-                <a:spcAft>
-                  <a:spcPts val="0"/>
-                </a:spcAft>
-              </a:pPr>
-              <a:r>
-                <a:rPr sz="550">
-                  <a:solidFill>
-                    <a:srgbClr val="000000">
-                      <a:alpha val="100000"/>
-                    </a:srgbClr>
-                  </a:solidFill>
-                  <a:latin typeface="Times New Roman"/>
-                  <a:cs typeface="Times New Roman"/>
-                </a:rPr>
-                <a:t>Endosymbiote</a:t>
               </a:r>
             </a:p>
           </p:txBody>

--- a/Images/Figures_PPT/ExcHeatPlotMetaPlot.pptx
+++ b/Images/Figures_PPT/ExcHeatPlotMetaPlot.pptx
@@ -23302,8 +23302,8 @@
           </p:nvSpPr>
           <p:spPr>
             <a:xfrm>
-              <a:off x="7161994" y="7103078"/>
-              <a:ext cx="356013" cy="107737"/>
+              <a:off x="7233196" y="7103078"/>
+              <a:ext cx="498418" cy="107737"/>
             </a:xfrm>
             <a:prstGeom prst="rect">
               <a:avLst/>
@@ -23337,8 +23337,8 @@
           </p:nvSpPr>
           <p:spPr>
             <a:xfrm>
-              <a:off x="7161994" y="6995341"/>
-              <a:ext cx="356013" cy="107737"/>
+              <a:off x="7233196" y="6995341"/>
+              <a:ext cx="498418" cy="107737"/>
             </a:xfrm>
             <a:prstGeom prst="rect">
               <a:avLst/>
@@ -23372,8 +23372,8 @@
           </p:nvSpPr>
           <p:spPr>
             <a:xfrm>
-              <a:off x="7161994" y="6887603"/>
-              <a:ext cx="356013" cy="107737"/>
+              <a:off x="7233196" y="6887603"/>
+              <a:ext cx="498418" cy="107737"/>
             </a:xfrm>
             <a:prstGeom prst="rect">
               <a:avLst/>
@@ -23407,8 +23407,8 @@
           </p:nvSpPr>
           <p:spPr>
             <a:xfrm>
-              <a:off x="7161994" y="6779866"/>
-              <a:ext cx="356013" cy="107737"/>
+              <a:off x="7233196" y="6779866"/>
+              <a:ext cx="498418" cy="107737"/>
             </a:xfrm>
             <a:prstGeom prst="rect">
               <a:avLst/>
@@ -23442,8 +23442,8 @@
           </p:nvSpPr>
           <p:spPr>
             <a:xfrm>
-              <a:off x="7161994" y="6672128"/>
-              <a:ext cx="356013" cy="107737"/>
+              <a:off x="7233196" y="6672128"/>
+              <a:ext cx="498418" cy="107737"/>
             </a:xfrm>
             <a:prstGeom prst="rect">
               <a:avLst/>
@@ -23477,8 +23477,8 @@
           </p:nvSpPr>
           <p:spPr>
             <a:xfrm>
-              <a:off x="7161994" y="6564391"/>
-              <a:ext cx="356013" cy="107737"/>
+              <a:off x="7233196" y="6564391"/>
+              <a:ext cx="498418" cy="107737"/>
             </a:xfrm>
             <a:prstGeom prst="rect">
               <a:avLst/>
@@ -23512,8 +23512,8 @@
           </p:nvSpPr>
           <p:spPr>
             <a:xfrm>
-              <a:off x="7161994" y="6456653"/>
-              <a:ext cx="356013" cy="107737"/>
+              <a:off x="7233196" y="6456653"/>
+              <a:ext cx="498418" cy="107737"/>
             </a:xfrm>
             <a:prstGeom prst="rect">
               <a:avLst/>
@@ -23547,8 +23547,8 @@
           </p:nvSpPr>
           <p:spPr>
             <a:xfrm>
-              <a:off x="7161994" y="6348916"/>
-              <a:ext cx="356013" cy="107737"/>
+              <a:off x="7233196" y="6348916"/>
+              <a:ext cx="498418" cy="107737"/>
             </a:xfrm>
             <a:prstGeom prst="rect">
               <a:avLst/>
@@ -23582,8 +23582,8 @@
           </p:nvSpPr>
           <p:spPr>
             <a:xfrm>
-              <a:off x="7161994" y="6241178"/>
-              <a:ext cx="356013" cy="107737"/>
+              <a:off x="7233196" y="6241178"/>
+              <a:ext cx="498418" cy="107737"/>
             </a:xfrm>
             <a:prstGeom prst="rect">
               <a:avLst/>
@@ -23617,8 +23617,8 @@
           </p:nvSpPr>
           <p:spPr>
             <a:xfrm>
-              <a:off x="7161994" y="6133441"/>
-              <a:ext cx="356013" cy="107737"/>
+              <a:off x="7233196" y="6133441"/>
+              <a:ext cx="498418" cy="107737"/>
             </a:xfrm>
             <a:prstGeom prst="rect">
               <a:avLst/>
@@ -23652,8 +23652,8 @@
           </p:nvSpPr>
           <p:spPr>
             <a:xfrm>
-              <a:off x="7161994" y="6025703"/>
-              <a:ext cx="356013" cy="107737"/>
+              <a:off x="7233196" y="6025703"/>
+              <a:ext cx="498418" cy="107737"/>
             </a:xfrm>
             <a:prstGeom prst="rect">
               <a:avLst/>
@@ -23687,8 +23687,8 @@
           </p:nvSpPr>
           <p:spPr>
             <a:xfrm>
-              <a:off x="7161994" y="5917966"/>
-              <a:ext cx="356013" cy="107737"/>
+              <a:off x="7233196" y="5917966"/>
+              <a:ext cx="498418" cy="107737"/>
             </a:xfrm>
             <a:prstGeom prst="rect">
               <a:avLst/>
@@ -23722,8 +23722,8 @@
           </p:nvSpPr>
           <p:spPr>
             <a:xfrm>
-              <a:off x="7161994" y="5810228"/>
-              <a:ext cx="356013" cy="107737"/>
+              <a:off x="7233196" y="5810228"/>
+              <a:ext cx="498418" cy="107737"/>
             </a:xfrm>
             <a:prstGeom prst="rect">
               <a:avLst/>
@@ -23757,8 +23757,8 @@
           </p:nvSpPr>
           <p:spPr>
             <a:xfrm>
-              <a:off x="7161994" y="5702491"/>
-              <a:ext cx="356013" cy="107737"/>
+              <a:off x="7233196" y="5702491"/>
+              <a:ext cx="498418" cy="107737"/>
             </a:xfrm>
             <a:prstGeom prst="rect">
               <a:avLst/>
@@ -23792,8 +23792,8 @@
           </p:nvSpPr>
           <p:spPr>
             <a:xfrm>
-              <a:off x="7161994" y="5594753"/>
-              <a:ext cx="356013" cy="107737"/>
+              <a:off x="7233196" y="5594753"/>
+              <a:ext cx="498418" cy="107737"/>
             </a:xfrm>
             <a:prstGeom prst="rect">
               <a:avLst/>
@@ -23827,8 +23827,8 @@
           </p:nvSpPr>
           <p:spPr>
             <a:xfrm>
-              <a:off x="7161994" y="5487016"/>
-              <a:ext cx="356013" cy="107737"/>
+              <a:off x="7233196" y="5487016"/>
+              <a:ext cx="498418" cy="107737"/>
             </a:xfrm>
             <a:prstGeom prst="rect">
               <a:avLst/>
@@ -23862,8 +23862,8 @@
           </p:nvSpPr>
           <p:spPr>
             <a:xfrm>
-              <a:off x="7161994" y="5379278"/>
-              <a:ext cx="356013" cy="107737"/>
+              <a:off x="7233196" y="5379278"/>
+              <a:ext cx="498418" cy="107737"/>
             </a:xfrm>
             <a:prstGeom prst="rect">
               <a:avLst/>
@@ -23897,8 +23897,8 @@
           </p:nvSpPr>
           <p:spPr>
             <a:xfrm>
-              <a:off x="7161994" y="5271540"/>
-              <a:ext cx="356013" cy="107737"/>
+              <a:off x="7233196" y="5271540"/>
+              <a:ext cx="498418" cy="107737"/>
             </a:xfrm>
             <a:prstGeom prst="rect">
               <a:avLst/>
@@ -23932,8 +23932,8 @@
           </p:nvSpPr>
           <p:spPr>
             <a:xfrm>
-              <a:off x="7161994" y="5163803"/>
-              <a:ext cx="356013" cy="107737"/>
+              <a:off x="7233196" y="5163803"/>
+              <a:ext cx="498418" cy="107737"/>
             </a:xfrm>
             <a:prstGeom prst="rect">
               <a:avLst/>
@@ -23967,8 +23967,8 @@
           </p:nvSpPr>
           <p:spPr>
             <a:xfrm>
-              <a:off x="7161994" y="5056065"/>
-              <a:ext cx="356013" cy="107737"/>
+              <a:off x="7233196" y="5056065"/>
+              <a:ext cx="498418" cy="107737"/>
             </a:xfrm>
             <a:prstGeom prst="rect">
               <a:avLst/>
@@ -24002,8 +24002,8 @@
           </p:nvSpPr>
           <p:spPr>
             <a:xfrm>
-              <a:off x="7161994" y="4948328"/>
-              <a:ext cx="356013" cy="107737"/>
+              <a:off x="7233196" y="4948328"/>
+              <a:ext cx="498418" cy="107737"/>
             </a:xfrm>
             <a:prstGeom prst="rect">
               <a:avLst/>
@@ -24037,8 +24037,8 @@
           </p:nvSpPr>
           <p:spPr>
             <a:xfrm>
-              <a:off x="7161994" y="4840590"/>
-              <a:ext cx="356013" cy="107737"/>
+              <a:off x="7233196" y="4840590"/>
+              <a:ext cx="498418" cy="107737"/>
             </a:xfrm>
             <a:prstGeom prst="rect">
               <a:avLst/>
@@ -24072,8 +24072,8 @@
           </p:nvSpPr>
           <p:spPr>
             <a:xfrm>
-              <a:off x="7161994" y="4732853"/>
-              <a:ext cx="356013" cy="107737"/>
+              <a:off x="7233196" y="4732853"/>
+              <a:ext cx="498418" cy="107737"/>
             </a:xfrm>
             <a:prstGeom prst="rect">
               <a:avLst/>
@@ -24107,8 +24107,8 @@
           </p:nvSpPr>
           <p:spPr>
             <a:xfrm>
-              <a:off x="7161994" y="4625115"/>
-              <a:ext cx="356013" cy="107737"/>
+              <a:off x="7233196" y="4625115"/>
+              <a:ext cx="498418" cy="107737"/>
             </a:xfrm>
             <a:prstGeom prst="rect">
               <a:avLst/>
@@ -24142,8 +24142,8 @@
           </p:nvSpPr>
           <p:spPr>
             <a:xfrm>
-              <a:off x="7161994" y="4517378"/>
-              <a:ext cx="356013" cy="107737"/>
+              <a:off x="7233196" y="4517378"/>
+              <a:ext cx="498418" cy="107737"/>
             </a:xfrm>
             <a:prstGeom prst="rect">
               <a:avLst/>
@@ -24177,8 +24177,8 @@
           </p:nvSpPr>
           <p:spPr>
             <a:xfrm>
-              <a:off x="7161994" y="4409640"/>
-              <a:ext cx="356013" cy="107737"/>
+              <a:off x="7233196" y="4409640"/>
+              <a:ext cx="498418" cy="107737"/>
             </a:xfrm>
             <a:prstGeom prst="rect">
               <a:avLst/>
@@ -24212,8 +24212,8 @@
           </p:nvSpPr>
           <p:spPr>
             <a:xfrm>
-              <a:off x="7161994" y="4301903"/>
-              <a:ext cx="356013" cy="107737"/>
+              <a:off x="7233196" y="4301903"/>
+              <a:ext cx="498418" cy="107737"/>
             </a:xfrm>
             <a:prstGeom prst="rect">
               <a:avLst/>
@@ -24247,8 +24247,8 @@
           </p:nvSpPr>
           <p:spPr>
             <a:xfrm>
-              <a:off x="7161994" y="4194165"/>
-              <a:ext cx="356013" cy="107737"/>
+              <a:off x="7233196" y="4194165"/>
+              <a:ext cx="498418" cy="107737"/>
             </a:xfrm>
             <a:prstGeom prst="rect">
               <a:avLst/>
@@ -24282,8 +24282,8 @@
           </p:nvSpPr>
           <p:spPr>
             <a:xfrm>
-              <a:off x="7161994" y="4086428"/>
-              <a:ext cx="356013" cy="107737"/>
+              <a:off x="7233196" y="4086428"/>
+              <a:ext cx="498418" cy="107737"/>
             </a:xfrm>
             <a:prstGeom prst="rect">
               <a:avLst/>
@@ -24317,8 +24317,8 @@
           </p:nvSpPr>
           <p:spPr>
             <a:xfrm>
-              <a:off x="7161994" y="3978690"/>
-              <a:ext cx="356013" cy="107737"/>
+              <a:off x="7233196" y="3978690"/>
+              <a:ext cx="498418" cy="107737"/>
             </a:xfrm>
             <a:prstGeom prst="rect">
               <a:avLst/>
@@ -24352,8 +24352,8 @@
           </p:nvSpPr>
           <p:spPr>
             <a:xfrm>
-              <a:off x="7161994" y="3870953"/>
-              <a:ext cx="356013" cy="107737"/>
+              <a:off x="7233196" y="3870953"/>
+              <a:ext cx="498418" cy="107737"/>
             </a:xfrm>
             <a:prstGeom prst="rect">
               <a:avLst/>
@@ -24387,8 +24387,8 @@
           </p:nvSpPr>
           <p:spPr>
             <a:xfrm>
-              <a:off x="7161994" y="3763215"/>
-              <a:ext cx="356013" cy="107737"/>
+              <a:off x="7233196" y="3763215"/>
+              <a:ext cx="498418" cy="107737"/>
             </a:xfrm>
             <a:prstGeom prst="rect">
               <a:avLst/>
@@ -24422,8 +24422,8 @@
           </p:nvSpPr>
           <p:spPr>
             <a:xfrm>
-              <a:off x="7161994" y="3655478"/>
-              <a:ext cx="356013" cy="107737"/>
+              <a:off x="7233196" y="3655478"/>
+              <a:ext cx="498418" cy="107737"/>
             </a:xfrm>
             <a:prstGeom prst="rect">
               <a:avLst/>
@@ -24457,8 +24457,8 @@
           </p:nvSpPr>
           <p:spPr>
             <a:xfrm>
-              <a:off x="7161994" y="3547740"/>
-              <a:ext cx="356013" cy="107737"/>
+              <a:off x="7233196" y="3547740"/>
+              <a:ext cx="498418" cy="107737"/>
             </a:xfrm>
             <a:prstGeom prst="rect">
               <a:avLst/>
@@ -24492,8 +24492,8 @@
           </p:nvSpPr>
           <p:spPr>
             <a:xfrm>
-              <a:off x="7161994" y="3440003"/>
-              <a:ext cx="356013" cy="107737"/>
+              <a:off x="7233196" y="3440003"/>
+              <a:ext cx="498418" cy="107737"/>
             </a:xfrm>
             <a:prstGeom prst="rect">
               <a:avLst/>
@@ -24527,8 +24527,8 @@
           </p:nvSpPr>
           <p:spPr>
             <a:xfrm>
-              <a:off x="7161994" y="3332265"/>
-              <a:ext cx="356013" cy="107737"/>
+              <a:off x="7233196" y="3332265"/>
+              <a:ext cx="498418" cy="107737"/>
             </a:xfrm>
             <a:prstGeom prst="rect">
               <a:avLst/>
@@ -24562,8 +24562,8 @@
           </p:nvSpPr>
           <p:spPr>
             <a:xfrm>
-              <a:off x="7161994" y="3224527"/>
-              <a:ext cx="356013" cy="107737"/>
+              <a:off x="7233196" y="3224527"/>
+              <a:ext cx="498418" cy="107737"/>
             </a:xfrm>
             <a:prstGeom prst="rect">
               <a:avLst/>
@@ -24597,8 +24597,8 @@
           </p:nvSpPr>
           <p:spPr>
             <a:xfrm>
-              <a:off x="7161994" y="3116790"/>
-              <a:ext cx="356013" cy="107737"/>
+              <a:off x="7233196" y="3116790"/>
+              <a:ext cx="498418" cy="107737"/>
             </a:xfrm>
             <a:prstGeom prst="rect">
               <a:avLst/>
@@ -24632,8 +24632,8 @@
           </p:nvSpPr>
           <p:spPr>
             <a:xfrm>
-              <a:off x="7161994" y="3009052"/>
-              <a:ext cx="356013" cy="107737"/>
+              <a:off x="7233196" y="3009052"/>
+              <a:ext cx="498418" cy="107737"/>
             </a:xfrm>
             <a:prstGeom prst="rect">
               <a:avLst/>
@@ -24667,8 +24667,8 @@
           </p:nvSpPr>
           <p:spPr>
             <a:xfrm>
-              <a:off x="7161994" y="2901315"/>
-              <a:ext cx="356013" cy="107737"/>
+              <a:off x="7233196" y="2901315"/>
+              <a:ext cx="498418" cy="107737"/>
             </a:xfrm>
             <a:prstGeom prst="rect">
               <a:avLst/>
@@ -24702,8 +24702,8 @@
           </p:nvSpPr>
           <p:spPr>
             <a:xfrm>
-              <a:off x="7161994" y="2793577"/>
-              <a:ext cx="356013" cy="107737"/>
+              <a:off x="7233196" y="2793577"/>
+              <a:ext cx="498418" cy="107737"/>
             </a:xfrm>
             <a:prstGeom prst="rect">
               <a:avLst/>
@@ -24737,8 +24737,8 @@
           </p:nvSpPr>
           <p:spPr>
             <a:xfrm>
-              <a:off x="7161994" y="2685840"/>
-              <a:ext cx="356013" cy="107737"/>
+              <a:off x="7233196" y="2685840"/>
+              <a:ext cx="498418" cy="107737"/>
             </a:xfrm>
             <a:prstGeom prst="rect">
               <a:avLst/>
@@ -24772,8 +24772,8 @@
           </p:nvSpPr>
           <p:spPr>
             <a:xfrm>
-              <a:off x="7161994" y="2578102"/>
-              <a:ext cx="356013" cy="107737"/>
+              <a:off x="7233196" y="2578102"/>
+              <a:ext cx="498418" cy="107737"/>
             </a:xfrm>
             <a:prstGeom prst="rect">
               <a:avLst/>
@@ -24807,8 +24807,8 @@
           </p:nvSpPr>
           <p:spPr>
             <a:xfrm>
-              <a:off x="7161994" y="2470365"/>
-              <a:ext cx="356013" cy="107737"/>
+              <a:off x="7233196" y="2470365"/>
+              <a:ext cx="498418" cy="107737"/>
             </a:xfrm>
             <a:prstGeom prst="rect">
               <a:avLst/>
@@ -24842,8 +24842,8 @@
           </p:nvSpPr>
           <p:spPr>
             <a:xfrm>
-              <a:off x="7161994" y="2362627"/>
-              <a:ext cx="356013" cy="107737"/>
+              <a:off x="7233196" y="2362627"/>
+              <a:ext cx="498418" cy="107737"/>
             </a:xfrm>
             <a:prstGeom prst="rect">
               <a:avLst/>
@@ -24877,8 +24877,8 @@
           </p:nvSpPr>
           <p:spPr>
             <a:xfrm>
-              <a:off x="7161994" y="2254890"/>
-              <a:ext cx="356013" cy="107737"/>
+              <a:off x="7233196" y="2254890"/>
+              <a:ext cx="498418" cy="107737"/>
             </a:xfrm>
             <a:prstGeom prst="rect">
               <a:avLst/>
@@ -24912,8 +24912,8 @@
           </p:nvSpPr>
           <p:spPr>
             <a:xfrm>
-              <a:off x="7161994" y="2147152"/>
-              <a:ext cx="356013" cy="107737"/>
+              <a:off x="7233196" y="2147152"/>
+              <a:ext cx="498418" cy="107737"/>
             </a:xfrm>
             <a:prstGeom prst="rect">
               <a:avLst/>
@@ -24947,8 +24947,8 @@
           </p:nvSpPr>
           <p:spPr>
             <a:xfrm>
-              <a:off x="7161994" y="2039415"/>
-              <a:ext cx="356013" cy="107737"/>
+              <a:off x="7233196" y="2039415"/>
+              <a:ext cx="498418" cy="107737"/>
             </a:xfrm>
             <a:prstGeom prst="rect">
               <a:avLst/>
@@ -24982,8 +24982,8 @@
           </p:nvSpPr>
           <p:spPr>
             <a:xfrm>
-              <a:off x="7161994" y="1931677"/>
-              <a:ext cx="356013" cy="107737"/>
+              <a:off x="7233196" y="1931677"/>
+              <a:ext cx="498418" cy="107737"/>
             </a:xfrm>
             <a:prstGeom prst="rect">
               <a:avLst/>
@@ -25017,8 +25017,8 @@
           </p:nvSpPr>
           <p:spPr>
             <a:xfrm>
-              <a:off x="7161994" y="1823940"/>
-              <a:ext cx="356013" cy="107737"/>
+              <a:off x="7233196" y="1823940"/>
+              <a:ext cx="498418" cy="107737"/>
             </a:xfrm>
             <a:prstGeom prst="rect">
               <a:avLst/>
@@ -25052,8 +25052,8 @@
           </p:nvSpPr>
           <p:spPr>
             <a:xfrm>
-              <a:off x="7161994" y="1716202"/>
-              <a:ext cx="356013" cy="107737"/>
+              <a:off x="7233196" y="1716202"/>
+              <a:ext cx="498418" cy="107737"/>
             </a:xfrm>
             <a:prstGeom prst="rect">
               <a:avLst/>
@@ -25087,8 +25087,8 @@
           </p:nvSpPr>
           <p:spPr>
             <a:xfrm>
-              <a:off x="7161994" y="1608465"/>
-              <a:ext cx="356013" cy="107737"/>
+              <a:off x="7233196" y="1608465"/>
+              <a:ext cx="498418" cy="107737"/>
             </a:xfrm>
             <a:prstGeom prst="rect">
               <a:avLst/>
@@ -25122,8 +25122,8 @@
           </p:nvSpPr>
           <p:spPr>
             <a:xfrm>
-              <a:off x="7161994" y="1500727"/>
-              <a:ext cx="356013" cy="107737"/>
+              <a:off x="7233196" y="1500727"/>
+              <a:ext cx="498418" cy="107737"/>
             </a:xfrm>
             <a:prstGeom prst="rect">
               <a:avLst/>
@@ -25157,8 +25157,8 @@
           </p:nvSpPr>
           <p:spPr>
             <a:xfrm>
-              <a:off x="7161994" y="1392990"/>
-              <a:ext cx="356013" cy="107737"/>
+              <a:off x="7233196" y="1392990"/>
+              <a:ext cx="498418" cy="107737"/>
             </a:xfrm>
             <a:prstGeom prst="rect">
               <a:avLst/>

--- a/Images/Figures_PPT/ExcHeatPlotMetaPlot.pptx
+++ b/Images/Figures_PPT/ExcHeatPlotMetaPlot.pptx
@@ -25192,7 +25192,7 @@
           </p:nvSpPr>
           <p:spPr>
             <a:xfrm>
-              <a:off x="8816207" y="2168386"/>
+              <a:off x="8816207" y="1948930"/>
               <a:ext cx="1172603" cy="1417544"/>
             </a:xfrm>
             <a:prstGeom prst="rect">
@@ -25213,7 +25213,7 @@
           </p:nvSpPr>
           <p:spPr>
             <a:xfrm>
-              <a:off x="8885796" y="2220426"/>
+              <a:off x="8885796" y="2000970"/>
               <a:ext cx="1033425" cy="115341"/>
             </a:xfrm>
             <a:prstGeom prst="rect">
@@ -25265,7 +25265,7 @@
           </p:blipFill>
           <p:spPr>
             <a:xfrm>
-              <a:off x="8885796" y="2419062"/>
+              <a:off x="8885796" y="2199606"/>
               <a:ext cx="219455" cy="1097280"/>
             </a:xfrm>
             <a:prstGeom prst="rect">
@@ -25281,7 +25281,7 @@
           </p:nvSpPr>
           <p:spPr>
             <a:xfrm>
-              <a:off x="9061361" y="3498616"/>
+              <a:off x="9061361" y="3279160"/>
               <a:ext cx="43891" cy="0"/>
             </a:xfrm>
             <a:custGeom>
@@ -25321,7 +25321,7 @@
           </p:nvSpPr>
           <p:spPr>
             <a:xfrm>
-              <a:off x="9061361" y="3229185"/>
+              <a:off x="9061361" y="3009729"/>
               <a:ext cx="43891" cy="0"/>
             </a:xfrm>
             <a:custGeom>
@@ -25361,7 +25361,7 @@
           </p:nvSpPr>
           <p:spPr>
             <a:xfrm>
-              <a:off x="9061361" y="2959753"/>
+              <a:off x="9061361" y="2740297"/>
               <a:ext cx="43891" cy="0"/>
             </a:xfrm>
             <a:custGeom>
@@ -25401,7 +25401,7 @@
           </p:nvSpPr>
           <p:spPr>
             <a:xfrm>
-              <a:off x="9061361" y="2690322"/>
+              <a:off x="9061361" y="2470866"/>
               <a:ext cx="43891" cy="0"/>
             </a:xfrm>
             <a:custGeom>
@@ -25441,7 +25441,7 @@
           </p:nvSpPr>
           <p:spPr>
             <a:xfrm>
-              <a:off x="9061361" y="2420890"/>
+              <a:off x="9061361" y="2201434"/>
               <a:ext cx="43891" cy="0"/>
             </a:xfrm>
             <a:custGeom>
@@ -25481,7 +25481,7 @@
           </p:nvSpPr>
           <p:spPr>
             <a:xfrm>
-              <a:off x="8885796" y="3498616"/>
+              <a:off x="8885796" y="3279160"/>
               <a:ext cx="43891" cy="0"/>
             </a:xfrm>
             <a:custGeom>
@@ -25521,7 +25521,7 @@
           </p:nvSpPr>
           <p:spPr>
             <a:xfrm>
-              <a:off x="8885796" y="3229185"/>
+              <a:off x="8885796" y="3009729"/>
               <a:ext cx="43891" cy="0"/>
             </a:xfrm>
             <a:custGeom>
@@ -25561,7 +25561,7 @@
           </p:nvSpPr>
           <p:spPr>
             <a:xfrm>
-              <a:off x="8885796" y="2959753"/>
+              <a:off x="8885796" y="2740297"/>
               <a:ext cx="43891" cy="0"/>
             </a:xfrm>
             <a:custGeom>
@@ -25601,7 +25601,7 @@
           </p:nvSpPr>
           <p:spPr>
             <a:xfrm>
-              <a:off x="8885796" y="2690322"/>
+              <a:off x="8885796" y="2470866"/>
               <a:ext cx="43891" cy="0"/>
             </a:xfrm>
             <a:custGeom>
@@ -25641,7 +25641,7 @@
           </p:nvSpPr>
           <p:spPr>
             <a:xfrm>
-              <a:off x="8885796" y="2420890"/>
+              <a:off x="8885796" y="2201434"/>
               <a:ext cx="43891" cy="0"/>
             </a:xfrm>
             <a:custGeom>
@@ -25681,7 +25681,7 @@
           </p:nvSpPr>
           <p:spPr>
             <a:xfrm>
-              <a:off x="9174841" y="3473719"/>
+              <a:off x="9174841" y="3254263"/>
               <a:ext cx="69850" cy="48021"/>
             </a:xfrm>
             <a:prstGeom prst="rect">
@@ -25727,7 +25727,7 @@
           </p:nvSpPr>
           <p:spPr>
             <a:xfrm>
-              <a:off x="9174841" y="3204287"/>
+              <a:off x="9174841" y="2984831"/>
               <a:ext cx="69850" cy="48021"/>
             </a:xfrm>
             <a:prstGeom prst="rect">
@@ -25773,7 +25773,7 @@
           </p:nvSpPr>
           <p:spPr>
             <a:xfrm>
-              <a:off x="9174841" y="2934856"/>
+              <a:off x="9174841" y="2715400"/>
               <a:ext cx="69850" cy="48021"/>
             </a:xfrm>
             <a:prstGeom prst="rect">
@@ -25819,7 +25819,7 @@
           </p:nvSpPr>
           <p:spPr>
             <a:xfrm>
-              <a:off x="9174841" y="2665424"/>
+              <a:off x="9174841" y="2445968"/>
               <a:ext cx="69850" cy="48021"/>
             </a:xfrm>
             <a:prstGeom prst="rect">
@@ -25865,7 +25865,7 @@
           </p:nvSpPr>
           <p:spPr>
             <a:xfrm>
-              <a:off x="9174841" y="2395993"/>
+              <a:off x="9174841" y="2176537"/>
               <a:ext cx="104775" cy="48021"/>
             </a:xfrm>
             <a:prstGeom prst="rect">
@@ -25911,8 +25911,8 @@
           </p:nvSpPr>
           <p:spPr>
             <a:xfrm>
-              <a:off x="8816207" y="3593131"/>
-              <a:ext cx="1109041" cy="1417544"/>
+              <a:off x="8816207" y="3373675"/>
+              <a:ext cx="939935" cy="1417544"/>
             </a:xfrm>
             <a:prstGeom prst="rect">
               <a:avLst/>
@@ -25932,7 +25932,619 @@
           </p:nvSpPr>
           <p:spPr>
             <a:xfrm>
-              <a:off x="8885796" y="3644922"/>
+              <a:off x="8885796" y="3453124"/>
+              <a:ext cx="800757" cy="87932"/>
+            </a:xfrm>
+            <a:prstGeom prst="rect">
+              <a:avLst/>
+            </a:prstGeom>
+            <a:noFill/>
+          </p:spPr>
+          <p:txBody>
+            <a:bodyPr lIns="0" rIns="0" tIns="0" bIns="0" anchorCtr="1" anchor="ctr" wrap="none"/>
+            <a:lstStyle/>
+            <a:p>
+              <a:pPr algn="l" marL="0" marR="0" indent="0">
+                <a:lnSpc>
+                  <a:spcPts val="1000"/>
+                </a:lnSpc>
+                <a:spcBef>
+                  <a:spcPts val="0"/>
+                </a:spcBef>
+                <a:spcAft>
+                  <a:spcPts val="0"/>
+                </a:spcAft>
+              </a:pPr>
+              <a:r>
+                <a:rPr sz="1000">
+                  <a:solidFill>
+                    <a:srgbClr val="000000">
+                      <a:alpha val="100000"/>
+                    </a:srgbClr>
+                  </a:solidFill>
+                  <a:latin typeface="Times New Roman"/>
+                  <a:cs typeface="Times New Roman"/>
+                </a:rPr>
+                <a:t>HMMER Score</a:t>
+              </a:r>
+            </a:p>
+          </p:txBody>
+        </p:sp>
+        <p:sp>
+          <p:nvSpPr>
+            <p:cNvPr id="630" name="rc629"/>
+            <p:cNvSpPr/>
+            <p:nvPr/>
+          </p:nvSpPr>
+          <p:spPr>
+            <a:xfrm>
+              <a:off x="8885796" y="3624350"/>
+              <a:ext cx="219455" cy="219455"/>
+            </a:xfrm>
+            <a:prstGeom prst="rect">
+              <a:avLst/>
+            </a:prstGeom>
+            <a:solidFill>
+              <a:srgbClr val="FFFFFF">
+                <a:alpha val="100000"/>
+              </a:srgbClr>
+            </a:solidFill>
+            <a:ln w="13550" cap="rnd">
+              <a:solidFill>
+                <a:srgbClr val="FFFFFF">
+                  <a:alpha val="100000"/>
+                </a:srgbClr>
+              </a:solidFill>
+              <a:prstDash val="solid"/>
+              <a:round/>
+            </a:ln>
+          </p:spPr>
+          <p:txBody>
+            <a:bodyPr/>
+            <a:lstStyle/>
+            <a:p/>
+          </p:txBody>
+        </p:sp>
+        <p:sp>
+          <p:nvSpPr>
+            <p:cNvPr id="631" name="rc630"/>
+            <p:cNvSpPr/>
+            <p:nvPr/>
+          </p:nvSpPr>
+          <p:spPr>
+            <a:xfrm>
+              <a:off x="8887596" y="3626150"/>
+              <a:ext cx="215856" cy="215856"/>
+            </a:xfrm>
+            <a:prstGeom prst="rect">
+              <a:avLst/>
+            </a:prstGeom>
+            <a:solidFill>
+              <a:srgbClr val="AE5A41">
+                <a:alpha val="100000"/>
+              </a:srgbClr>
+            </a:solidFill>
+            <a:ln w="2710" cap="flat">
+              <a:solidFill>
+                <a:srgbClr val="FFFFFF">
+                  <a:alpha val="100000"/>
+                </a:srgbClr>
+              </a:solidFill>
+              <a:prstDash val="solid"/>
+              <a:miter/>
+            </a:ln>
+          </p:spPr>
+          <p:txBody>
+            <a:bodyPr/>
+            <a:lstStyle/>
+            <a:p/>
+          </p:txBody>
+        </p:sp>
+        <p:sp>
+          <p:nvSpPr>
+            <p:cNvPr id="632" name="rc631"/>
+            <p:cNvSpPr/>
+            <p:nvPr/>
+          </p:nvSpPr>
+          <p:spPr>
+            <a:xfrm>
+              <a:off x="8885796" y="3843806"/>
+              <a:ext cx="219455" cy="219456"/>
+            </a:xfrm>
+            <a:prstGeom prst="rect">
+              <a:avLst/>
+            </a:prstGeom>
+            <a:solidFill>
+              <a:srgbClr val="FFFFFF">
+                <a:alpha val="100000"/>
+              </a:srgbClr>
+            </a:solidFill>
+            <a:ln w="13550" cap="rnd">
+              <a:solidFill>
+                <a:srgbClr val="FFFFFF">
+                  <a:alpha val="100000"/>
+                </a:srgbClr>
+              </a:solidFill>
+              <a:prstDash val="solid"/>
+              <a:round/>
+            </a:ln>
+          </p:spPr>
+          <p:txBody>
+            <a:bodyPr/>
+            <a:lstStyle/>
+            <a:p/>
+          </p:txBody>
+        </p:sp>
+        <p:sp>
+          <p:nvSpPr>
+            <p:cNvPr id="633" name="rc632"/>
+            <p:cNvSpPr/>
+            <p:nvPr/>
+          </p:nvSpPr>
+          <p:spPr>
+            <a:xfrm>
+              <a:off x="8887596" y="3845606"/>
+              <a:ext cx="215856" cy="215856"/>
+            </a:xfrm>
+            <a:prstGeom prst="rect">
+              <a:avLst/>
+            </a:prstGeom>
+            <a:solidFill>
+              <a:srgbClr val="559E83">
+                <a:alpha val="100000"/>
+              </a:srgbClr>
+            </a:solidFill>
+            <a:ln w="2710" cap="flat">
+              <a:solidFill>
+                <a:srgbClr val="FFFFFF">
+                  <a:alpha val="100000"/>
+                </a:srgbClr>
+              </a:solidFill>
+              <a:prstDash val="solid"/>
+              <a:miter/>
+            </a:ln>
+          </p:spPr>
+          <p:txBody>
+            <a:bodyPr/>
+            <a:lstStyle/>
+            <a:p/>
+          </p:txBody>
+        </p:sp>
+        <p:sp>
+          <p:nvSpPr>
+            <p:cNvPr id="634" name="rc633"/>
+            <p:cNvSpPr/>
+            <p:nvPr/>
+          </p:nvSpPr>
+          <p:spPr>
+            <a:xfrm>
+              <a:off x="8885796" y="4063262"/>
+              <a:ext cx="219455" cy="219455"/>
+            </a:xfrm>
+            <a:prstGeom prst="rect">
+              <a:avLst/>
+            </a:prstGeom>
+            <a:solidFill>
+              <a:srgbClr val="FFFFFF">
+                <a:alpha val="100000"/>
+              </a:srgbClr>
+            </a:solidFill>
+            <a:ln w="13550" cap="rnd">
+              <a:solidFill>
+                <a:srgbClr val="FFFFFF">
+                  <a:alpha val="100000"/>
+                </a:srgbClr>
+              </a:solidFill>
+              <a:prstDash val="solid"/>
+              <a:round/>
+            </a:ln>
+          </p:spPr>
+          <p:txBody>
+            <a:bodyPr/>
+            <a:lstStyle/>
+            <a:p/>
+          </p:txBody>
+        </p:sp>
+        <p:sp>
+          <p:nvSpPr>
+            <p:cNvPr id="635" name="rc634"/>
+            <p:cNvSpPr/>
+            <p:nvPr/>
+          </p:nvSpPr>
+          <p:spPr>
+            <a:xfrm>
+              <a:off x="8887596" y="4065062"/>
+              <a:ext cx="215856" cy="215855"/>
+            </a:xfrm>
+            <a:prstGeom prst="rect">
+              <a:avLst/>
+            </a:prstGeom>
+            <a:solidFill>
+              <a:srgbClr val="B2D4AD">
+                <a:alpha val="100000"/>
+              </a:srgbClr>
+            </a:solidFill>
+            <a:ln w="2710" cap="flat">
+              <a:solidFill>
+                <a:srgbClr val="FFFFFF">
+                  <a:alpha val="100000"/>
+                </a:srgbClr>
+              </a:solidFill>
+              <a:prstDash val="solid"/>
+              <a:miter/>
+            </a:ln>
+          </p:spPr>
+          <p:txBody>
+            <a:bodyPr/>
+            <a:lstStyle/>
+            <a:p/>
+          </p:txBody>
+        </p:sp>
+        <p:sp>
+          <p:nvSpPr>
+            <p:cNvPr id="636" name="rc635"/>
+            <p:cNvSpPr/>
+            <p:nvPr/>
+          </p:nvSpPr>
+          <p:spPr>
+            <a:xfrm>
+              <a:off x="8885796" y="4282718"/>
+              <a:ext cx="219455" cy="219455"/>
+            </a:xfrm>
+            <a:prstGeom prst="rect">
+              <a:avLst/>
+            </a:prstGeom>
+            <a:solidFill>
+              <a:srgbClr val="FFFFFF">
+                <a:alpha val="100000"/>
+              </a:srgbClr>
+            </a:solidFill>
+            <a:ln w="13550" cap="rnd">
+              <a:solidFill>
+                <a:srgbClr val="FFFFFF">
+                  <a:alpha val="100000"/>
+                </a:srgbClr>
+              </a:solidFill>
+              <a:prstDash val="solid"/>
+              <a:round/>
+            </a:ln>
+          </p:spPr>
+          <p:txBody>
+            <a:bodyPr/>
+            <a:lstStyle/>
+            <a:p/>
+          </p:txBody>
+        </p:sp>
+        <p:sp>
+          <p:nvSpPr>
+            <p:cNvPr id="637" name="rc636"/>
+            <p:cNvSpPr/>
+            <p:nvPr/>
+          </p:nvSpPr>
+          <p:spPr>
+            <a:xfrm>
+              <a:off x="8885796" y="4502174"/>
+              <a:ext cx="219455" cy="219455"/>
+            </a:xfrm>
+            <a:prstGeom prst="rect">
+              <a:avLst/>
+            </a:prstGeom>
+            <a:solidFill>
+              <a:srgbClr val="FFFFFF">
+                <a:alpha val="100000"/>
+              </a:srgbClr>
+            </a:solidFill>
+            <a:ln w="13550" cap="rnd">
+              <a:solidFill>
+                <a:srgbClr val="FFFFFF">
+                  <a:alpha val="100000"/>
+                </a:srgbClr>
+              </a:solidFill>
+              <a:prstDash val="solid"/>
+              <a:round/>
+            </a:ln>
+          </p:spPr>
+          <p:txBody>
+            <a:bodyPr/>
+            <a:lstStyle/>
+            <a:p/>
+          </p:txBody>
+        </p:sp>
+        <p:sp>
+          <p:nvSpPr>
+            <p:cNvPr id="638" name="rc637"/>
+            <p:cNvSpPr/>
+            <p:nvPr/>
+          </p:nvSpPr>
+          <p:spPr>
+            <a:xfrm>
+              <a:off x="8887596" y="4503974"/>
+              <a:ext cx="215856" cy="215855"/>
+            </a:xfrm>
+            <a:prstGeom prst="rect">
+              <a:avLst/>
+            </a:prstGeom>
+            <a:solidFill>
+              <a:srgbClr val="FFFFFF">
+                <a:alpha val="100000"/>
+              </a:srgbClr>
+            </a:solidFill>
+            <a:ln w="2710" cap="flat">
+              <a:solidFill>
+                <a:srgbClr val="FFFFFF">
+                  <a:alpha val="100000"/>
+                </a:srgbClr>
+              </a:solidFill>
+              <a:prstDash val="solid"/>
+              <a:miter/>
+            </a:ln>
+          </p:spPr>
+          <p:txBody>
+            <a:bodyPr/>
+            <a:lstStyle/>
+            <a:p/>
+          </p:txBody>
+        </p:sp>
+        <p:sp>
+          <p:nvSpPr>
+            <p:cNvPr id="639" name="tx638"/>
+            <p:cNvSpPr/>
+            <p:nvPr/>
+          </p:nvSpPr>
+          <p:spPr>
+            <a:xfrm>
+              <a:off x="9174841" y="3710954"/>
+              <a:ext cx="50443" cy="46248"/>
+            </a:xfrm>
+            <a:prstGeom prst="rect">
+              <a:avLst/>
+            </a:prstGeom>
+            <a:noFill/>
+          </p:spPr>
+          <p:txBody>
+            <a:bodyPr lIns="0" rIns="0" tIns="0" bIns="0" anchorCtr="1" anchor="ctr" wrap="none"/>
+            <a:lstStyle/>
+            <a:p>
+              <a:pPr algn="l" marL="0" marR="0" indent="0">
+                <a:lnSpc>
+                  <a:spcPts val="550"/>
+                </a:lnSpc>
+                <a:spcBef>
+                  <a:spcPts val="0"/>
+                </a:spcBef>
+                <a:spcAft>
+                  <a:spcPts val="0"/>
+                </a:spcAft>
+              </a:pPr>
+              <a:r>
+                <a:rPr sz="550">
+                  <a:solidFill>
+                    <a:srgbClr val="000000">
+                      <a:alpha val="100000"/>
+                    </a:srgbClr>
+                  </a:solidFill>
+                  <a:latin typeface="Times New Roman"/>
+                  <a:cs typeface="Times New Roman"/>
+                </a:rPr>
+                <a:t>H</a:t>
+              </a:r>
+            </a:p>
+          </p:txBody>
+        </p:sp>
+        <p:sp>
+          <p:nvSpPr>
+            <p:cNvPr id="640" name="tx639"/>
+            <p:cNvSpPr/>
+            <p:nvPr/>
+          </p:nvSpPr>
+          <p:spPr>
+            <a:xfrm>
+              <a:off x="9174841" y="3930410"/>
+              <a:ext cx="62107" cy="46248"/>
+            </a:xfrm>
+            <a:prstGeom prst="rect">
+              <a:avLst/>
+            </a:prstGeom>
+            <a:noFill/>
+          </p:spPr>
+          <p:txBody>
+            <a:bodyPr lIns="0" rIns="0" tIns="0" bIns="0" anchorCtr="1" anchor="ctr" wrap="none"/>
+            <a:lstStyle/>
+            <a:p>
+              <a:pPr algn="l" marL="0" marR="0" indent="0">
+                <a:lnSpc>
+                  <a:spcPts val="550"/>
+                </a:lnSpc>
+                <a:spcBef>
+                  <a:spcPts val="0"/>
+                </a:spcBef>
+                <a:spcAft>
+                  <a:spcPts val="0"/>
+                </a:spcAft>
+              </a:pPr>
+              <a:r>
+                <a:rPr sz="550">
+                  <a:solidFill>
+                    <a:srgbClr val="000000">
+                      <a:alpha val="100000"/>
+                    </a:srgbClr>
+                  </a:solidFill>
+                  <a:latin typeface="Times New Roman"/>
+                  <a:cs typeface="Times New Roman"/>
+                </a:rPr>
+                <a:t>M</a:t>
+              </a:r>
+            </a:p>
+          </p:txBody>
+        </p:sp>
+        <p:sp>
+          <p:nvSpPr>
+            <p:cNvPr id="641" name="tx640"/>
+            <p:cNvSpPr/>
+            <p:nvPr/>
+          </p:nvSpPr>
+          <p:spPr>
+            <a:xfrm>
+              <a:off x="9174841" y="4149866"/>
+              <a:ext cx="42667" cy="46248"/>
+            </a:xfrm>
+            <a:prstGeom prst="rect">
+              <a:avLst/>
+            </a:prstGeom>
+            <a:noFill/>
+          </p:spPr>
+          <p:txBody>
+            <a:bodyPr lIns="0" rIns="0" tIns="0" bIns="0" anchorCtr="1" anchor="ctr" wrap="none"/>
+            <a:lstStyle/>
+            <a:p>
+              <a:pPr algn="l" marL="0" marR="0" indent="0">
+                <a:lnSpc>
+                  <a:spcPts val="550"/>
+                </a:lnSpc>
+                <a:spcBef>
+                  <a:spcPts val="0"/>
+                </a:spcBef>
+                <a:spcAft>
+                  <a:spcPts val="0"/>
+                </a:spcAft>
+              </a:pPr>
+              <a:r>
+                <a:rPr sz="550">
+                  <a:solidFill>
+                    <a:srgbClr val="000000">
+                      <a:alpha val="100000"/>
+                    </a:srgbClr>
+                  </a:solidFill>
+                  <a:latin typeface="Times New Roman"/>
+                  <a:cs typeface="Times New Roman"/>
+                </a:rPr>
+                <a:t>L</a:t>
+              </a:r>
+            </a:p>
+          </p:txBody>
+        </p:sp>
+        <p:sp>
+          <p:nvSpPr>
+            <p:cNvPr id="642" name="tx641"/>
+            <p:cNvSpPr/>
+            <p:nvPr/>
+          </p:nvSpPr>
+          <p:spPr>
+            <a:xfrm>
+              <a:off x="9174841" y="4369322"/>
+              <a:ext cx="38847" cy="46248"/>
+            </a:xfrm>
+            <a:prstGeom prst="rect">
+              <a:avLst/>
+            </a:prstGeom>
+            <a:noFill/>
+          </p:spPr>
+          <p:txBody>
+            <a:bodyPr lIns="0" rIns="0" tIns="0" bIns="0" anchorCtr="1" anchor="ctr" wrap="none"/>
+            <a:lstStyle/>
+            <a:p>
+              <a:pPr algn="l" marL="0" marR="0" indent="0">
+                <a:lnSpc>
+                  <a:spcPts val="550"/>
+                </a:lnSpc>
+                <a:spcBef>
+                  <a:spcPts val="0"/>
+                </a:spcBef>
+                <a:spcAft>
+                  <a:spcPts val="0"/>
+                </a:spcAft>
+              </a:pPr>
+              <a:r>
+                <a:rPr sz="550">
+                  <a:solidFill>
+                    <a:srgbClr val="000000">
+                      <a:alpha val="100000"/>
+                    </a:srgbClr>
+                  </a:solidFill>
+                  <a:latin typeface="Times New Roman"/>
+                  <a:cs typeface="Times New Roman"/>
+                </a:rPr>
+                <a:t>P</a:t>
+              </a:r>
+            </a:p>
+          </p:txBody>
+        </p:sp>
+        <p:sp>
+          <p:nvSpPr>
+            <p:cNvPr id="643" name="tx642"/>
+            <p:cNvSpPr/>
+            <p:nvPr/>
+          </p:nvSpPr>
+          <p:spPr>
+            <a:xfrm>
+              <a:off x="9174841" y="4586970"/>
+              <a:ext cx="100886" cy="48055"/>
+            </a:xfrm>
+            <a:prstGeom prst="rect">
+              <a:avLst/>
+            </a:prstGeom>
+            <a:noFill/>
+          </p:spPr>
+          <p:txBody>
+            <a:bodyPr lIns="0" rIns="0" tIns="0" bIns="0" anchorCtr="1" anchor="ctr" wrap="none"/>
+            <a:lstStyle/>
+            <a:p>
+              <a:pPr algn="l" marL="0" marR="0" indent="0">
+                <a:lnSpc>
+                  <a:spcPts val="550"/>
+                </a:lnSpc>
+                <a:spcBef>
+                  <a:spcPts val="0"/>
+                </a:spcBef>
+                <a:spcAft>
+                  <a:spcPts val="0"/>
+                </a:spcAft>
+              </a:pPr>
+              <a:r>
+                <a:rPr sz="550">
+                  <a:solidFill>
+                    <a:srgbClr val="000000">
+                      <a:alpha val="100000"/>
+                    </a:srgbClr>
+                  </a:solidFill>
+                  <a:latin typeface="Times New Roman"/>
+                  <a:cs typeface="Times New Roman"/>
+                </a:rPr>
+                <a:t>NA</a:t>
+              </a:r>
+            </a:p>
+          </p:txBody>
+        </p:sp>
+        <p:sp>
+          <p:nvSpPr>
+            <p:cNvPr id="644" name="rc643"/>
+            <p:cNvSpPr/>
+            <p:nvPr/>
+          </p:nvSpPr>
+          <p:spPr>
+            <a:xfrm>
+              <a:off x="8816207" y="4798419"/>
+              <a:ext cx="1109041" cy="1856456"/>
+            </a:xfrm>
+            <a:prstGeom prst="rect">
+              <a:avLst/>
+            </a:prstGeom>
+          </p:spPr>
+          <p:txBody>
+            <a:bodyPr/>
+            <a:lstStyle/>
+            <a:p/>
+          </p:txBody>
+        </p:sp>
+        <p:sp>
+          <p:nvSpPr>
+            <p:cNvPr id="645" name="tx644"/>
+            <p:cNvSpPr/>
+            <p:nvPr/>
+          </p:nvSpPr>
+          <p:spPr>
+            <a:xfrm>
+              <a:off x="8885796" y="4850211"/>
               <a:ext cx="969863" cy="115589"/>
             </a:xfrm>
             <a:prstGeom prst="rect">
@@ -25972,13 +26584,328 @@
         </p:sp>
         <p:sp>
           <p:nvSpPr>
-            <p:cNvPr id="630" name="rc629"/>
-            <p:cNvSpPr/>
-            <p:nvPr/>
-          </p:nvSpPr>
-          <p:spPr>
-            <a:xfrm>
-              <a:off x="8885796" y="3843806"/>
+            <p:cNvPr id="646" name="rc645"/>
+            <p:cNvSpPr/>
+            <p:nvPr/>
+          </p:nvSpPr>
+          <p:spPr>
+            <a:xfrm>
+              <a:off x="8885796" y="5049094"/>
+              <a:ext cx="219455" cy="219455"/>
+            </a:xfrm>
+            <a:prstGeom prst="rect">
+              <a:avLst/>
+            </a:prstGeom>
+            <a:solidFill>
+              <a:srgbClr val="FFFFFF">
+                <a:alpha val="100000"/>
+              </a:srgbClr>
+            </a:solidFill>
+            <a:ln w="13550" cap="rnd">
+              <a:solidFill>
+                <a:srgbClr val="FFFFFF">
+                  <a:alpha val="100000"/>
+                </a:srgbClr>
+              </a:solidFill>
+              <a:prstDash val="solid"/>
+              <a:round/>
+            </a:ln>
+          </p:spPr>
+          <p:txBody>
+            <a:bodyPr/>
+            <a:lstStyle/>
+            <a:p/>
+          </p:txBody>
+        </p:sp>
+        <p:sp>
+          <p:nvSpPr>
+            <p:cNvPr id="647" name="rc646"/>
+            <p:cNvSpPr/>
+            <p:nvPr/>
+          </p:nvSpPr>
+          <p:spPr>
+            <a:xfrm>
+              <a:off x="8885796" y="5268550"/>
+              <a:ext cx="219455" cy="219455"/>
+            </a:xfrm>
+            <a:prstGeom prst="rect">
+              <a:avLst/>
+            </a:prstGeom>
+            <a:solidFill>
+              <a:srgbClr val="FFFFFF">
+                <a:alpha val="100000"/>
+              </a:srgbClr>
+            </a:solidFill>
+            <a:ln w="13550" cap="rnd">
+              <a:solidFill>
+                <a:srgbClr val="FFFFFF">
+                  <a:alpha val="100000"/>
+                </a:srgbClr>
+              </a:solidFill>
+              <a:prstDash val="solid"/>
+              <a:round/>
+            </a:ln>
+          </p:spPr>
+          <p:txBody>
+            <a:bodyPr/>
+            <a:lstStyle/>
+            <a:p/>
+          </p:txBody>
+        </p:sp>
+        <p:sp>
+          <p:nvSpPr>
+            <p:cNvPr id="648" name="rc647"/>
+            <p:cNvSpPr/>
+            <p:nvPr/>
+          </p:nvSpPr>
+          <p:spPr>
+            <a:xfrm>
+              <a:off x="8887596" y="5270350"/>
+              <a:ext cx="215856" cy="215855"/>
+            </a:xfrm>
+            <a:prstGeom prst="rect">
+              <a:avLst/>
+            </a:prstGeom>
+            <a:solidFill>
+              <a:srgbClr val="A87142">
+                <a:alpha val="100000"/>
+              </a:srgbClr>
+            </a:solidFill>
+            <a:ln w="2710" cap="flat">
+              <a:solidFill>
+                <a:srgbClr val="FFFFFF">
+                  <a:alpha val="100000"/>
+                </a:srgbClr>
+              </a:solidFill>
+              <a:prstDash val="solid"/>
+              <a:miter/>
+            </a:ln>
+          </p:spPr>
+          <p:txBody>
+            <a:bodyPr/>
+            <a:lstStyle/>
+            <a:p/>
+          </p:txBody>
+        </p:sp>
+        <p:sp>
+          <p:nvSpPr>
+            <p:cNvPr id="649" name="rc648"/>
+            <p:cNvSpPr/>
+            <p:nvPr/>
+          </p:nvSpPr>
+          <p:spPr>
+            <a:xfrm>
+              <a:off x="8885796" y="5488006"/>
+              <a:ext cx="219455" cy="219455"/>
+            </a:xfrm>
+            <a:prstGeom prst="rect">
+              <a:avLst/>
+            </a:prstGeom>
+            <a:solidFill>
+              <a:srgbClr val="FFFFFF">
+                <a:alpha val="100000"/>
+              </a:srgbClr>
+            </a:solidFill>
+            <a:ln w="13550" cap="rnd">
+              <a:solidFill>
+                <a:srgbClr val="FFFFFF">
+                  <a:alpha val="100000"/>
+                </a:srgbClr>
+              </a:solidFill>
+              <a:prstDash val="solid"/>
+              <a:round/>
+            </a:ln>
+          </p:spPr>
+          <p:txBody>
+            <a:bodyPr/>
+            <a:lstStyle/>
+            <a:p/>
+          </p:txBody>
+        </p:sp>
+        <p:sp>
+          <p:nvSpPr>
+            <p:cNvPr id="650" name="rc649"/>
+            <p:cNvSpPr/>
+            <p:nvPr/>
+          </p:nvSpPr>
+          <p:spPr>
+            <a:xfrm>
+              <a:off x="8887596" y="5489806"/>
+              <a:ext cx="215856" cy="215855"/>
+            </a:xfrm>
+            <a:prstGeom prst="rect">
+              <a:avLst/>
+            </a:prstGeom>
+            <a:solidFill>
+              <a:srgbClr val="63E3C5">
+                <a:alpha val="100000"/>
+              </a:srgbClr>
+            </a:solidFill>
+            <a:ln w="2710" cap="flat">
+              <a:solidFill>
+                <a:srgbClr val="FFFFFF">
+                  <a:alpha val="100000"/>
+                </a:srgbClr>
+              </a:solidFill>
+              <a:prstDash val="solid"/>
+              <a:miter/>
+            </a:ln>
+          </p:spPr>
+          <p:txBody>
+            <a:bodyPr/>
+            <a:lstStyle/>
+            <a:p/>
+          </p:txBody>
+        </p:sp>
+        <p:sp>
+          <p:nvSpPr>
+            <p:cNvPr id="651" name="rc650"/>
+            <p:cNvSpPr/>
+            <p:nvPr/>
+          </p:nvSpPr>
+          <p:spPr>
+            <a:xfrm>
+              <a:off x="8885796" y="5707462"/>
+              <a:ext cx="219455" cy="219455"/>
+            </a:xfrm>
+            <a:prstGeom prst="rect">
+              <a:avLst/>
+            </a:prstGeom>
+            <a:solidFill>
+              <a:srgbClr val="FFFFFF">
+                <a:alpha val="100000"/>
+              </a:srgbClr>
+            </a:solidFill>
+            <a:ln w="13550" cap="rnd">
+              <a:solidFill>
+                <a:srgbClr val="FFFFFF">
+                  <a:alpha val="100000"/>
+                </a:srgbClr>
+              </a:solidFill>
+              <a:prstDash val="solid"/>
+              <a:round/>
+            </a:ln>
+          </p:spPr>
+          <p:txBody>
+            <a:bodyPr/>
+            <a:lstStyle/>
+            <a:p/>
+          </p:txBody>
+        </p:sp>
+        <p:sp>
+          <p:nvSpPr>
+            <p:cNvPr id="652" name="rc651"/>
+            <p:cNvSpPr/>
+            <p:nvPr/>
+          </p:nvSpPr>
+          <p:spPr>
+            <a:xfrm>
+              <a:off x="8885796" y="5926918"/>
+              <a:ext cx="219455" cy="219455"/>
+            </a:xfrm>
+            <a:prstGeom prst="rect">
+              <a:avLst/>
+            </a:prstGeom>
+            <a:solidFill>
+              <a:srgbClr val="FFFFFF">
+                <a:alpha val="100000"/>
+              </a:srgbClr>
+            </a:solidFill>
+            <a:ln w="13550" cap="rnd">
+              <a:solidFill>
+                <a:srgbClr val="FFFFFF">
+                  <a:alpha val="100000"/>
+                </a:srgbClr>
+              </a:solidFill>
+              <a:prstDash val="solid"/>
+              <a:round/>
+            </a:ln>
+          </p:spPr>
+          <p:txBody>
+            <a:bodyPr/>
+            <a:lstStyle/>
+            <a:p/>
+          </p:txBody>
+        </p:sp>
+        <p:sp>
+          <p:nvSpPr>
+            <p:cNvPr id="653" name="rc652"/>
+            <p:cNvSpPr/>
+            <p:nvPr/>
+          </p:nvSpPr>
+          <p:spPr>
+            <a:xfrm>
+              <a:off x="8887596" y="5928718"/>
+              <a:ext cx="215856" cy="215855"/>
+            </a:xfrm>
+            <a:prstGeom prst="rect">
+              <a:avLst/>
+            </a:prstGeom>
+            <a:solidFill>
+              <a:srgbClr val="FE4A49">
+                <a:alpha val="100000"/>
+              </a:srgbClr>
+            </a:solidFill>
+            <a:ln w="2710" cap="flat">
+              <a:solidFill>
+                <a:srgbClr val="FFFFFF">
+                  <a:alpha val="100000"/>
+                </a:srgbClr>
+              </a:solidFill>
+              <a:prstDash val="solid"/>
+              <a:miter/>
+            </a:ln>
+          </p:spPr>
+          <p:txBody>
+            <a:bodyPr/>
+            <a:lstStyle/>
+            <a:p/>
+          </p:txBody>
+        </p:sp>
+        <p:sp>
+          <p:nvSpPr>
+            <p:cNvPr id="654" name="rc653"/>
+            <p:cNvSpPr/>
+            <p:nvPr/>
+          </p:nvSpPr>
+          <p:spPr>
+            <a:xfrm>
+              <a:off x="8885796" y="6146374"/>
+              <a:ext cx="219455" cy="219455"/>
+            </a:xfrm>
+            <a:prstGeom prst="rect">
+              <a:avLst/>
+            </a:prstGeom>
+            <a:solidFill>
+              <a:srgbClr val="FFFFFF">
+                <a:alpha val="100000"/>
+              </a:srgbClr>
+            </a:solidFill>
+            <a:ln w="13550" cap="rnd">
+              <a:solidFill>
+                <a:srgbClr val="FFFFFF">
+                  <a:alpha val="100000"/>
+                </a:srgbClr>
+              </a:solidFill>
+              <a:prstDash val="solid"/>
+              <a:round/>
+            </a:ln>
+          </p:spPr>
+          <p:txBody>
+            <a:bodyPr/>
+            <a:lstStyle/>
+            <a:p/>
+          </p:txBody>
+        </p:sp>
+        <p:sp>
+          <p:nvSpPr>
+            <p:cNvPr id="655" name="rc654"/>
+            <p:cNvSpPr/>
+            <p:nvPr/>
+          </p:nvSpPr>
+          <p:spPr>
+            <a:xfrm>
+              <a:off x="8885796" y="6365830"/>
               <a:ext cx="219455" cy="219456"/>
             </a:xfrm>
             <a:prstGeom prst="rect">
@@ -26007,258 +26934,13 @@
         </p:sp>
         <p:sp>
           <p:nvSpPr>
-            <p:cNvPr id="631" name="rc630"/>
-            <p:cNvSpPr/>
-            <p:nvPr/>
-          </p:nvSpPr>
-          <p:spPr>
-            <a:xfrm>
-              <a:off x="8885796" y="4063262"/>
-              <a:ext cx="219455" cy="219455"/>
-            </a:xfrm>
-            <a:prstGeom prst="rect">
-              <a:avLst/>
-            </a:prstGeom>
-            <a:solidFill>
-              <a:srgbClr val="FFFFFF">
-                <a:alpha val="100000"/>
-              </a:srgbClr>
-            </a:solidFill>
-            <a:ln w="13550" cap="rnd">
-              <a:solidFill>
-                <a:srgbClr val="FFFFFF">
-                  <a:alpha val="100000"/>
-                </a:srgbClr>
-              </a:solidFill>
-              <a:prstDash val="solid"/>
-              <a:round/>
-            </a:ln>
-          </p:spPr>
-          <p:txBody>
-            <a:bodyPr/>
-            <a:lstStyle/>
-            <a:p/>
-          </p:txBody>
-        </p:sp>
-        <p:sp>
-          <p:nvSpPr>
-            <p:cNvPr id="632" name="rc631"/>
-            <p:cNvSpPr/>
-            <p:nvPr/>
-          </p:nvSpPr>
-          <p:spPr>
-            <a:xfrm>
-              <a:off x="8887596" y="4065062"/>
-              <a:ext cx="215856" cy="215855"/>
-            </a:xfrm>
-            <a:prstGeom prst="rect">
-              <a:avLst/>
-            </a:prstGeom>
-            <a:solidFill>
-              <a:srgbClr val="A87142">
-                <a:alpha val="100000"/>
-              </a:srgbClr>
-            </a:solidFill>
-            <a:ln w="2710" cap="flat">
-              <a:solidFill>
-                <a:srgbClr val="FFFFFF">
-                  <a:alpha val="100000"/>
-                </a:srgbClr>
-              </a:solidFill>
-              <a:prstDash val="solid"/>
-              <a:miter/>
-            </a:ln>
-          </p:spPr>
-          <p:txBody>
-            <a:bodyPr/>
-            <a:lstStyle/>
-            <a:p/>
-          </p:txBody>
-        </p:sp>
-        <p:sp>
-          <p:nvSpPr>
-            <p:cNvPr id="633" name="rc632"/>
-            <p:cNvSpPr/>
-            <p:nvPr/>
-          </p:nvSpPr>
-          <p:spPr>
-            <a:xfrm>
-              <a:off x="8885796" y="4282718"/>
-              <a:ext cx="219455" cy="219455"/>
-            </a:xfrm>
-            <a:prstGeom prst="rect">
-              <a:avLst/>
-            </a:prstGeom>
-            <a:solidFill>
-              <a:srgbClr val="FFFFFF">
-                <a:alpha val="100000"/>
-              </a:srgbClr>
-            </a:solidFill>
-            <a:ln w="13550" cap="rnd">
-              <a:solidFill>
-                <a:srgbClr val="FFFFFF">
-                  <a:alpha val="100000"/>
-                </a:srgbClr>
-              </a:solidFill>
-              <a:prstDash val="solid"/>
-              <a:round/>
-            </a:ln>
-          </p:spPr>
-          <p:txBody>
-            <a:bodyPr/>
-            <a:lstStyle/>
-            <a:p/>
-          </p:txBody>
-        </p:sp>
-        <p:sp>
-          <p:nvSpPr>
-            <p:cNvPr id="634" name="rc633"/>
-            <p:cNvSpPr/>
-            <p:nvPr/>
-          </p:nvSpPr>
-          <p:spPr>
-            <a:xfrm>
-              <a:off x="8887596" y="4284518"/>
-              <a:ext cx="215856" cy="215855"/>
-            </a:xfrm>
-            <a:prstGeom prst="rect">
-              <a:avLst/>
-            </a:prstGeom>
-            <a:solidFill>
-              <a:srgbClr val="63E3C5">
-                <a:alpha val="100000"/>
-              </a:srgbClr>
-            </a:solidFill>
-            <a:ln w="2710" cap="flat">
-              <a:solidFill>
-                <a:srgbClr val="FFFFFF">
-                  <a:alpha val="100000"/>
-                </a:srgbClr>
-              </a:solidFill>
-              <a:prstDash val="solid"/>
-              <a:miter/>
-            </a:ln>
-          </p:spPr>
-          <p:txBody>
-            <a:bodyPr/>
-            <a:lstStyle/>
-            <a:p/>
-          </p:txBody>
-        </p:sp>
-        <p:sp>
-          <p:nvSpPr>
-            <p:cNvPr id="635" name="rc634"/>
-            <p:cNvSpPr/>
-            <p:nvPr/>
-          </p:nvSpPr>
-          <p:spPr>
-            <a:xfrm>
-              <a:off x="8885796" y="4502174"/>
-              <a:ext cx="219455" cy="219455"/>
-            </a:xfrm>
-            <a:prstGeom prst="rect">
-              <a:avLst/>
-            </a:prstGeom>
-            <a:solidFill>
-              <a:srgbClr val="FFFFFF">
-                <a:alpha val="100000"/>
-              </a:srgbClr>
-            </a:solidFill>
-            <a:ln w="13550" cap="rnd">
-              <a:solidFill>
-                <a:srgbClr val="FFFFFF">
-                  <a:alpha val="100000"/>
-                </a:srgbClr>
-              </a:solidFill>
-              <a:prstDash val="solid"/>
-              <a:round/>
-            </a:ln>
-          </p:spPr>
-          <p:txBody>
-            <a:bodyPr/>
-            <a:lstStyle/>
-            <a:p/>
-          </p:txBody>
-        </p:sp>
-        <p:sp>
-          <p:nvSpPr>
-            <p:cNvPr id="636" name="rc635"/>
-            <p:cNvSpPr/>
-            <p:nvPr/>
-          </p:nvSpPr>
-          <p:spPr>
-            <a:xfrm>
-              <a:off x="8887596" y="4503974"/>
-              <a:ext cx="215856" cy="215855"/>
-            </a:xfrm>
-            <a:prstGeom prst="rect">
-              <a:avLst/>
-            </a:prstGeom>
-            <a:solidFill>
-              <a:srgbClr val="FE4A49">
-                <a:alpha val="100000"/>
-              </a:srgbClr>
-            </a:solidFill>
-            <a:ln w="2710" cap="flat">
-              <a:solidFill>
-                <a:srgbClr val="FFFFFF">
-                  <a:alpha val="100000"/>
-                </a:srgbClr>
-              </a:solidFill>
-              <a:prstDash val="solid"/>
-              <a:miter/>
-            </a:ln>
-          </p:spPr>
-          <p:txBody>
-            <a:bodyPr/>
-            <a:lstStyle/>
-            <a:p/>
-          </p:txBody>
-        </p:sp>
-        <p:sp>
-          <p:nvSpPr>
-            <p:cNvPr id="637" name="rc636"/>
-            <p:cNvSpPr/>
-            <p:nvPr/>
-          </p:nvSpPr>
-          <p:spPr>
-            <a:xfrm>
-              <a:off x="8885796" y="4721630"/>
-              <a:ext cx="219455" cy="219455"/>
-            </a:xfrm>
-            <a:prstGeom prst="rect">
-              <a:avLst/>
-            </a:prstGeom>
-            <a:solidFill>
-              <a:srgbClr val="FFFFFF">
-                <a:alpha val="100000"/>
-              </a:srgbClr>
-            </a:solidFill>
-            <a:ln w="13550" cap="rnd">
-              <a:solidFill>
-                <a:srgbClr val="FFFFFF">
-                  <a:alpha val="100000"/>
-                </a:srgbClr>
-              </a:solidFill>
-              <a:prstDash val="solid"/>
-              <a:round/>
-            </a:ln>
-          </p:spPr>
-          <p:txBody>
-            <a:bodyPr/>
-            <a:lstStyle/>
-            <a:p/>
-          </p:txBody>
-        </p:sp>
-        <p:sp>
-          <p:nvSpPr>
-            <p:cNvPr id="638" name="tx637"/>
-            <p:cNvSpPr/>
-            <p:nvPr/>
-          </p:nvSpPr>
-          <p:spPr>
-            <a:xfrm>
-              <a:off x="9174841" y="3913220"/>
+            <p:cNvPr id="656" name="tx655"/>
+            <p:cNvSpPr/>
+            <p:nvPr/>
+          </p:nvSpPr>
+          <p:spPr>
+            <a:xfrm>
+              <a:off x="9174841" y="5118508"/>
               <a:ext cx="337551" cy="63437"/>
             </a:xfrm>
             <a:prstGeom prst="rect">
@@ -26298,13 +26980,13 @@
         </p:sp>
         <p:sp>
           <p:nvSpPr>
-            <p:cNvPr id="639" name="tx638"/>
-            <p:cNvSpPr/>
-            <p:nvPr/>
-          </p:nvSpPr>
-          <p:spPr>
-            <a:xfrm>
-              <a:off x="9174841" y="4132676"/>
+            <p:cNvPr id="657" name="tx656"/>
+            <p:cNvSpPr/>
+            <p:nvPr/>
+          </p:nvSpPr>
+          <p:spPr>
+            <a:xfrm>
+              <a:off x="9174841" y="5337964"/>
               <a:ext cx="337483" cy="63437"/>
             </a:xfrm>
             <a:prstGeom prst="rect">
@@ -26344,13 +27026,13 @@
         </p:sp>
         <p:sp>
           <p:nvSpPr>
-            <p:cNvPr id="640" name="tx639"/>
-            <p:cNvSpPr/>
-            <p:nvPr/>
-          </p:nvSpPr>
-          <p:spPr>
-            <a:xfrm>
-              <a:off x="9174841" y="4352132"/>
+            <p:cNvPr id="658" name="tx657"/>
+            <p:cNvSpPr/>
+            <p:nvPr/>
+          </p:nvSpPr>
+          <p:spPr>
+            <a:xfrm>
+              <a:off x="9174841" y="5557420"/>
               <a:ext cx="298806" cy="63437"/>
             </a:xfrm>
             <a:prstGeom prst="rect">
@@ -26390,14 +27072,14 @@
         </p:sp>
         <p:sp>
           <p:nvSpPr>
-            <p:cNvPr id="641" name="tx640"/>
-            <p:cNvSpPr/>
-            <p:nvPr/>
-          </p:nvSpPr>
-          <p:spPr>
-            <a:xfrm>
-              <a:off x="9174841" y="4585572"/>
-              <a:ext cx="221112" cy="49454"/>
+            <p:cNvPr id="659" name="tx658"/>
+            <p:cNvSpPr/>
+            <p:nvPr/>
+          </p:nvSpPr>
+          <p:spPr>
+            <a:xfrm>
+              <a:off x="9174841" y="5790860"/>
+              <a:ext cx="428752" cy="49454"/>
             </a:xfrm>
             <a:prstGeom prst="rect">
               <a:avLst/>
@@ -26429,20 +27111,112 @@
                   <a:latin typeface="Times New Roman"/>
                   <a:cs typeface="Times New Roman"/>
                 </a:rPr>
-                <a:t>Parasite</a:t>
+                <a:t>Plastid Parasite</a:t>
               </a:r>
             </a:p>
           </p:txBody>
         </p:sp>
         <p:sp>
           <p:nvSpPr>
-            <p:cNvPr id="642" name="tx641"/>
-            <p:cNvSpPr/>
-            <p:nvPr/>
-          </p:nvSpPr>
-          <p:spPr>
-            <a:xfrm>
-              <a:off x="9174841" y="4790908"/>
+            <p:cNvPr id="660" name="tx659"/>
+            <p:cNvSpPr/>
+            <p:nvPr/>
+          </p:nvSpPr>
+          <p:spPr>
+            <a:xfrm>
+              <a:off x="9174841" y="6010316"/>
+              <a:ext cx="572306" cy="49454"/>
+            </a:xfrm>
+            <a:prstGeom prst="rect">
+              <a:avLst/>
+            </a:prstGeom>
+            <a:noFill/>
+          </p:spPr>
+          <p:txBody>
+            <a:bodyPr lIns="0" rIns="0" tIns="0" bIns="0" anchorCtr="1" anchor="ctr" wrap="none"/>
+            <a:lstStyle/>
+            <a:p>
+              <a:pPr algn="l" marL="0" marR="0" indent="0">
+                <a:lnSpc>
+                  <a:spcPts val="550"/>
+                </a:lnSpc>
+                <a:spcBef>
+                  <a:spcPts val="0"/>
+                </a:spcBef>
+                <a:spcAft>
+                  <a:spcPts val="0"/>
+                </a:spcAft>
+              </a:pPr>
+              <a:r>
+                <a:rPr sz="550">
+                  <a:solidFill>
+                    <a:srgbClr val="000000">
+                      <a:alpha val="100000"/>
+                    </a:srgbClr>
+                  </a:solidFill>
+                  <a:latin typeface="Times New Roman"/>
+                  <a:cs typeface="Times New Roman"/>
+                </a:rPr>
+                <a:t>Non-Plastid Parasite</a:t>
+              </a:r>
+            </a:p>
+          </p:txBody>
+        </p:sp>
+        <p:sp>
+          <p:nvSpPr>
+            <p:cNvPr id="661" name="tx660"/>
+            <p:cNvSpPr/>
+            <p:nvPr/>
+          </p:nvSpPr>
+          <p:spPr>
+            <a:xfrm>
+              <a:off x="9174841" y="6215652"/>
+              <a:ext cx="591610" cy="63574"/>
+            </a:xfrm>
+            <a:prstGeom prst="rect">
+              <a:avLst/>
+            </a:prstGeom>
+            <a:noFill/>
+          </p:spPr>
+          <p:txBody>
+            <a:bodyPr lIns="0" rIns="0" tIns="0" bIns="0" anchorCtr="1" anchor="ctr" wrap="none"/>
+            <a:lstStyle/>
+            <a:p>
+              <a:pPr algn="l" marL="0" marR="0" indent="0">
+                <a:lnSpc>
+                  <a:spcPts val="550"/>
+                </a:lnSpc>
+                <a:spcBef>
+                  <a:spcPts val="0"/>
+                </a:spcBef>
+                <a:spcAft>
+                  <a:spcPts val="0"/>
+                </a:spcAft>
+              </a:pPr>
+              <a:r>
+                <a:rPr sz="550">
+                  <a:solidFill>
+                    <a:srgbClr val="000000">
+                      <a:alpha val="100000"/>
+                    </a:srgbClr>
+                  </a:solidFill>
+                  <a:latin typeface="Times New Roman"/>
+                  <a:cs typeface="Times New Roman"/>
+                </a:rPr>
+                <a:t>Streptophyta parasite</a:t>
+              </a:r>
+            </a:p>
+          </p:txBody>
+        </p:sp>
+        <p:sp>
+          <p:nvSpPr>
+            <p:cNvPr id="662" name="tx661"/>
+            <p:cNvSpPr/>
+            <p:nvPr/>
+          </p:nvSpPr>
+          <p:spPr>
+            <a:xfrm>
+              <a:off x="9174841" y="6435108"/>
               <a:ext cx="422954" cy="63574"/>
             </a:xfrm>
             <a:prstGeom prst="rect">
@@ -26482,619 +27256,7 @@
         </p:sp>
         <p:sp>
           <p:nvSpPr>
-            <p:cNvPr id="643" name="rc642"/>
-            <p:cNvSpPr/>
-            <p:nvPr/>
-          </p:nvSpPr>
-          <p:spPr>
-            <a:xfrm>
-              <a:off x="8816207" y="5017875"/>
-              <a:ext cx="939935" cy="1417544"/>
-            </a:xfrm>
-            <a:prstGeom prst="rect">
-              <a:avLst/>
-            </a:prstGeom>
-          </p:spPr>
-          <p:txBody>
-            <a:bodyPr/>
-            <a:lstStyle/>
-            <a:p/>
-          </p:txBody>
-        </p:sp>
-        <p:sp>
-          <p:nvSpPr>
-            <p:cNvPr id="644" name="tx643"/>
-            <p:cNvSpPr/>
-            <p:nvPr/>
-          </p:nvSpPr>
-          <p:spPr>
-            <a:xfrm>
-              <a:off x="8885796" y="5097324"/>
-              <a:ext cx="800757" cy="87932"/>
-            </a:xfrm>
-            <a:prstGeom prst="rect">
-              <a:avLst/>
-            </a:prstGeom>
-            <a:noFill/>
-          </p:spPr>
-          <p:txBody>
-            <a:bodyPr lIns="0" rIns="0" tIns="0" bIns="0" anchorCtr="1" anchor="ctr" wrap="none"/>
-            <a:lstStyle/>
-            <a:p>
-              <a:pPr algn="l" marL="0" marR="0" indent="0">
-                <a:lnSpc>
-                  <a:spcPts val="1000"/>
-                </a:lnSpc>
-                <a:spcBef>
-                  <a:spcPts val="0"/>
-                </a:spcBef>
-                <a:spcAft>
-                  <a:spcPts val="0"/>
-                </a:spcAft>
-              </a:pPr>
-              <a:r>
-                <a:rPr sz="1000">
-                  <a:solidFill>
-                    <a:srgbClr val="000000">
-                      <a:alpha val="100000"/>
-                    </a:srgbClr>
-                  </a:solidFill>
-                  <a:latin typeface="Times New Roman"/>
-                  <a:cs typeface="Times New Roman"/>
-                </a:rPr>
-                <a:t>HMMER Score</a:t>
-              </a:r>
-            </a:p>
-          </p:txBody>
-        </p:sp>
-        <p:sp>
-          <p:nvSpPr>
-            <p:cNvPr id="645" name="rc644"/>
-            <p:cNvSpPr/>
-            <p:nvPr/>
-          </p:nvSpPr>
-          <p:spPr>
-            <a:xfrm>
-              <a:off x="8885796" y="5268550"/>
-              <a:ext cx="219455" cy="219455"/>
-            </a:xfrm>
-            <a:prstGeom prst="rect">
-              <a:avLst/>
-            </a:prstGeom>
-            <a:solidFill>
-              <a:srgbClr val="FFFFFF">
-                <a:alpha val="100000"/>
-              </a:srgbClr>
-            </a:solidFill>
-            <a:ln w="13550" cap="rnd">
-              <a:solidFill>
-                <a:srgbClr val="FFFFFF">
-                  <a:alpha val="100000"/>
-                </a:srgbClr>
-              </a:solidFill>
-              <a:prstDash val="solid"/>
-              <a:round/>
-            </a:ln>
-          </p:spPr>
-          <p:txBody>
-            <a:bodyPr/>
-            <a:lstStyle/>
-            <a:p/>
-          </p:txBody>
-        </p:sp>
-        <p:sp>
-          <p:nvSpPr>
-            <p:cNvPr id="646" name="rc645"/>
-            <p:cNvSpPr/>
-            <p:nvPr/>
-          </p:nvSpPr>
-          <p:spPr>
-            <a:xfrm>
-              <a:off x="8887596" y="5270350"/>
-              <a:ext cx="215856" cy="215855"/>
-            </a:xfrm>
-            <a:prstGeom prst="rect">
-              <a:avLst/>
-            </a:prstGeom>
-            <a:solidFill>
-              <a:srgbClr val="AE5A41">
-                <a:alpha val="100000"/>
-              </a:srgbClr>
-            </a:solidFill>
-            <a:ln w="2710" cap="flat">
-              <a:solidFill>
-                <a:srgbClr val="FFFFFF">
-                  <a:alpha val="100000"/>
-                </a:srgbClr>
-              </a:solidFill>
-              <a:prstDash val="solid"/>
-              <a:miter/>
-            </a:ln>
-          </p:spPr>
-          <p:txBody>
-            <a:bodyPr/>
-            <a:lstStyle/>
-            <a:p/>
-          </p:txBody>
-        </p:sp>
-        <p:sp>
-          <p:nvSpPr>
-            <p:cNvPr id="647" name="rc646"/>
-            <p:cNvSpPr/>
-            <p:nvPr/>
-          </p:nvSpPr>
-          <p:spPr>
-            <a:xfrm>
-              <a:off x="8885796" y="5488006"/>
-              <a:ext cx="219455" cy="219455"/>
-            </a:xfrm>
-            <a:prstGeom prst="rect">
-              <a:avLst/>
-            </a:prstGeom>
-            <a:solidFill>
-              <a:srgbClr val="FFFFFF">
-                <a:alpha val="100000"/>
-              </a:srgbClr>
-            </a:solidFill>
-            <a:ln w="13550" cap="rnd">
-              <a:solidFill>
-                <a:srgbClr val="FFFFFF">
-                  <a:alpha val="100000"/>
-                </a:srgbClr>
-              </a:solidFill>
-              <a:prstDash val="solid"/>
-              <a:round/>
-            </a:ln>
-          </p:spPr>
-          <p:txBody>
-            <a:bodyPr/>
-            <a:lstStyle/>
-            <a:p/>
-          </p:txBody>
-        </p:sp>
-        <p:sp>
-          <p:nvSpPr>
-            <p:cNvPr id="648" name="rc647"/>
-            <p:cNvSpPr/>
-            <p:nvPr/>
-          </p:nvSpPr>
-          <p:spPr>
-            <a:xfrm>
-              <a:off x="8887596" y="5489806"/>
-              <a:ext cx="215856" cy="215855"/>
-            </a:xfrm>
-            <a:prstGeom prst="rect">
-              <a:avLst/>
-            </a:prstGeom>
-            <a:solidFill>
-              <a:srgbClr val="559E83">
-                <a:alpha val="100000"/>
-              </a:srgbClr>
-            </a:solidFill>
-            <a:ln w="2710" cap="flat">
-              <a:solidFill>
-                <a:srgbClr val="FFFFFF">
-                  <a:alpha val="100000"/>
-                </a:srgbClr>
-              </a:solidFill>
-              <a:prstDash val="solid"/>
-              <a:miter/>
-            </a:ln>
-          </p:spPr>
-          <p:txBody>
-            <a:bodyPr/>
-            <a:lstStyle/>
-            <a:p/>
-          </p:txBody>
-        </p:sp>
-        <p:sp>
-          <p:nvSpPr>
-            <p:cNvPr id="649" name="rc648"/>
-            <p:cNvSpPr/>
-            <p:nvPr/>
-          </p:nvSpPr>
-          <p:spPr>
-            <a:xfrm>
-              <a:off x="8885796" y="5707462"/>
-              <a:ext cx="219455" cy="219455"/>
-            </a:xfrm>
-            <a:prstGeom prst="rect">
-              <a:avLst/>
-            </a:prstGeom>
-            <a:solidFill>
-              <a:srgbClr val="FFFFFF">
-                <a:alpha val="100000"/>
-              </a:srgbClr>
-            </a:solidFill>
-            <a:ln w="13550" cap="rnd">
-              <a:solidFill>
-                <a:srgbClr val="FFFFFF">
-                  <a:alpha val="100000"/>
-                </a:srgbClr>
-              </a:solidFill>
-              <a:prstDash val="solid"/>
-              <a:round/>
-            </a:ln>
-          </p:spPr>
-          <p:txBody>
-            <a:bodyPr/>
-            <a:lstStyle/>
-            <a:p/>
-          </p:txBody>
-        </p:sp>
-        <p:sp>
-          <p:nvSpPr>
-            <p:cNvPr id="650" name="rc649"/>
-            <p:cNvSpPr/>
-            <p:nvPr/>
-          </p:nvSpPr>
-          <p:spPr>
-            <a:xfrm>
-              <a:off x="8887596" y="5709262"/>
-              <a:ext cx="215856" cy="215855"/>
-            </a:xfrm>
-            <a:prstGeom prst="rect">
-              <a:avLst/>
-            </a:prstGeom>
-            <a:solidFill>
-              <a:srgbClr val="B2D4AD">
-                <a:alpha val="100000"/>
-              </a:srgbClr>
-            </a:solidFill>
-            <a:ln w="2710" cap="flat">
-              <a:solidFill>
-                <a:srgbClr val="FFFFFF">
-                  <a:alpha val="100000"/>
-                </a:srgbClr>
-              </a:solidFill>
-              <a:prstDash val="solid"/>
-              <a:miter/>
-            </a:ln>
-          </p:spPr>
-          <p:txBody>
-            <a:bodyPr/>
-            <a:lstStyle/>
-            <a:p/>
-          </p:txBody>
-        </p:sp>
-        <p:sp>
-          <p:nvSpPr>
-            <p:cNvPr id="651" name="rc650"/>
-            <p:cNvSpPr/>
-            <p:nvPr/>
-          </p:nvSpPr>
-          <p:spPr>
-            <a:xfrm>
-              <a:off x="8885796" y="5926918"/>
-              <a:ext cx="219455" cy="219455"/>
-            </a:xfrm>
-            <a:prstGeom prst="rect">
-              <a:avLst/>
-            </a:prstGeom>
-            <a:solidFill>
-              <a:srgbClr val="FFFFFF">
-                <a:alpha val="100000"/>
-              </a:srgbClr>
-            </a:solidFill>
-            <a:ln w="13550" cap="rnd">
-              <a:solidFill>
-                <a:srgbClr val="FFFFFF">
-                  <a:alpha val="100000"/>
-                </a:srgbClr>
-              </a:solidFill>
-              <a:prstDash val="solid"/>
-              <a:round/>
-            </a:ln>
-          </p:spPr>
-          <p:txBody>
-            <a:bodyPr/>
-            <a:lstStyle/>
-            <a:p/>
-          </p:txBody>
-        </p:sp>
-        <p:sp>
-          <p:nvSpPr>
-            <p:cNvPr id="652" name="rc651"/>
-            <p:cNvSpPr/>
-            <p:nvPr/>
-          </p:nvSpPr>
-          <p:spPr>
-            <a:xfrm>
-              <a:off x="8885796" y="6146374"/>
-              <a:ext cx="219455" cy="219455"/>
-            </a:xfrm>
-            <a:prstGeom prst="rect">
-              <a:avLst/>
-            </a:prstGeom>
-            <a:solidFill>
-              <a:srgbClr val="FFFFFF">
-                <a:alpha val="100000"/>
-              </a:srgbClr>
-            </a:solidFill>
-            <a:ln w="13550" cap="rnd">
-              <a:solidFill>
-                <a:srgbClr val="FFFFFF">
-                  <a:alpha val="100000"/>
-                </a:srgbClr>
-              </a:solidFill>
-              <a:prstDash val="solid"/>
-              <a:round/>
-            </a:ln>
-          </p:spPr>
-          <p:txBody>
-            <a:bodyPr/>
-            <a:lstStyle/>
-            <a:p/>
-          </p:txBody>
-        </p:sp>
-        <p:sp>
-          <p:nvSpPr>
-            <p:cNvPr id="653" name="rc652"/>
-            <p:cNvSpPr/>
-            <p:nvPr/>
-          </p:nvSpPr>
-          <p:spPr>
-            <a:xfrm>
-              <a:off x="8887596" y="6148174"/>
-              <a:ext cx="215856" cy="215855"/>
-            </a:xfrm>
-            <a:prstGeom prst="rect">
-              <a:avLst/>
-            </a:prstGeom>
-            <a:solidFill>
-              <a:srgbClr val="FFFFFF">
-                <a:alpha val="100000"/>
-              </a:srgbClr>
-            </a:solidFill>
-            <a:ln w="2710" cap="flat">
-              <a:solidFill>
-                <a:srgbClr val="FFFFFF">
-                  <a:alpha val="100000"/>
-                </a:srgbClr>
-              </a:solidFill>
-              <a:prstDash val="solid"/>
-              <a:miter/>
-            </a:ln>
-          </p:spPr>
-          <p:txBody>
-            <a:bodyPr/>
-            <a:lstStyle/>
-            <a:p/>
-          </p:txBody>
-        </p:sp>
-        <p:sp>
-          <p:nvSpPr>
-            <p:cNvPr id="654" name="tx653"/>
-            <p:cNvSpPr/>
-            <p:nvPr/>
-          </p:nvSpPr>
-          <p:spPr>
-            <a:xfrm>
-              <a:off x="9174841" y="5355154"/>
-              <a:ext cx="50443" cy="46248"/>
-            </a:xfrm>
-            <a:prstGeom prst="rect">
-              <a:avLst/>
-            </a:prstGeom>
-            <a:noFill/>
-          </p:spPr>
-          <p:txBody>
-            <a:bodyPr lIns="0" rIns="0" tIns="0" bIns="0" anchorCtr="1" anchor="ctr" wrap="none"/>
-            <a:lstStyle/>
-            <a:p>
-              <a:pPr algn="l" marL="0" marR="0" indent="0">
-                <a:lnSpc>
-                  <a:spcPts val="550"/>
-                </a:lnSpc>
-                <a:spcBef>
-                  <a:spcPts val="0"/>
-                </a:spcBef>
-                <a:spcAft>
-                  <a:spcPts val="0"/>
-                </a:spcAft>
-              </a:pPr>
-              <a:r>
-                <a:rPr sz="550">
-                  <a:solidFill>
-                    <a:srgbClr val="000000">
-                      <a:alpha val="100000"/>
-                    </a:srgbClr>
-                  </a:solidFill>
-                  <a:latin typeface="Times New Roman"/>
-                  <a:cs typeface="Times New Roman"/>
-                </a:rPr>
-                <a:t>H</a:t>
-              </a:r>
-            </a:p>
-          </p:txBody>
-        </p:sp>
-        <p:sp>
-          <p:nvSpPr>
-            <p:cNvPr id="655" name="tx654"/>
-            <p:cNvSpPr/>
-            <p:nvPr/>
-          </p:nvSpPr>
-          <p:spPr>
-            <a:xfrm>
-              <a:off x="9174841" y="5574610"/>
-              <a:ext cx="62107" cy="46248"/>
-            </a:xfrm>
-            <a:prstGeom prst="rect">
-              <a:avLst/>
-            </a:prstGeom>
-            <a:noFill/>
-          </p:spPr>
-          <p:txBody>
-            <a:bodyPr lIns="0" rIns="0" tIns="0" bIns="0" anchorCtr="1" anchor="ctr" wrap="none"/>
-            <a:lstStyle/>
-            <a:p>
-              <a:pPr algn="l" marL="0" marR="0" indent="0">
-                <a:lnSpc>
-                  <a:spcPts val="550"/>
-                </a:lnSpc>
-                <a:spcBef>
-                  <a:spcPts val="0"/>
-                </a:spcBef>
-                <a:spcAft>
-                  <a:spcPts val="0"/>
-                </a:spcAft>
-              </a:pPr>
-              <a:r>
-                <a:rPr sz="550">
-                  <a:solidFill>
-                    <a:srgbClr val="000000">
-                      <a:alpha val="100000"/>
-                    </a:srgbClr>
-                  </a:solidFill>
-                  <a:latin typeface="Times New Roman"/>
-                  <a:cs typeface="Times New Roman"/>
-                </a:rPr>
-                <a:t>M</a:t>
-              </a:r>
-            </a:p>
-          </p:txBody>
-        </p:sp>
-        <p:sp>
-          <p:nvSpPr>
-            <p:cNvPr id="656" name="tx655"/>
-            <p:cNvSpPr/>
-            <p:nvPr/>
-          </p:nvSpPr>
-          <p:spPr>
-            <a:xfrm>
-              <a:off x="9174841" y="5794066"/>
-              <a:ext cx="42667" cy="46248"/>
-            </a:xfrm>
-            <a:prstGeom prst="rect">
-              <a:avLst/>
-            </a:prstGeom>
-            <a:noFill/>
-          </p:spPr>
-          <p:txBody>
-            <a:bodyPr lIns="0" rIns="0" tIns="0" bIns="0" anchorCtr="1" anchor="ctr" wrap="none"/>
-            <a:lstStyle/>
-            <a:p>
-              <a:pPr algn="l" marL="0" marR="0" indent="0">
-                <a:lnSpc>
-                  <a:spcPts val="550"/>
-                </a:lnSpc>
-                <a:spcBef>
-                  <a:spcPts val="0"/>
-                </a:spcBef>
-                <a:spcAft>
-                  <a:spcPts val="0"/>
-                </a:spcAft>
-              </a:pPr>
-              <a:r>
-                <a:rPr sz="550">
-                  <a:solidFill>
-                    <a:srgbClr val="000000">
-                      <a:alpha val="100000"/>
-                    </a:srgbClr>
-                  </a:solidFill>
-                  <a:latin typeface="Times New Roman"/>
-                  <a:cs typeface="Times New Roman"/>
-                </a:rPr>
-                <a:t>L</a:t>
-              </a:r>
-            </a:p>
-          </p:txBody>
-        </p:sp>
-        <p:sp>
-          <p:nvSpPr>
-            <p:cNvPr id="657" name="tx656"/>
-            <p:cNvSpPr/>
-            <p:nvPr/>
-          </p:nvSpPr>
-          <p:spPr>
-            <a:xfrm>
-              <a:off x="9174841" y="6013522"/>
-              <a:ext cx="38847" cy="46248"/>
-            </a:xfrm>
-            <a:prstGeom prst="rect">
-              <a:avLst/>
-            </a:prstGeom>
-            <a:noFill/>
-          </p:spPr>
-          <p:txBody>
-            <a:bodyPr lIns="0" rIns="0" tIns="0" bIns="0" anchorCtr="1" anchor="ctr" wrap="none"/>
-            <a:lstStyle/>
-            <a:p>
-              <a:pPr algn="l" marL="0" marR="0" indent="0">
-                <a:lnSpc>
-                  <a:spcPts val="550"/>
-                </a:lnSpc>
-                <a:spcBef>
-                  <a:spcPts val="0"/>
-                </a:spcBef>
-                <a:spcAft>
-                  <a:spcPts val="0"/>
-                </a:spcAft>
-              </a:pPr>
-              <a:r>
-                <a:rPr sz="550">
-                  <a:solidFill>
-                    <a:srgbClr val="000000">
-                      <a:alpha val="100000"/>
-                    </a:srgbClr>
-                  </a:solidFill>
-                  <a:latin typeface="Times New Roman"/>
-                  <a:cs typeface="Times New Roman"/>
-                </a:rPr>
-                <a:t>P</a:t>
-              </a:r>
-            </a:p>
-          </p:txBody>
-        </p:sp>
-        <p:sp>
-          <p:nvSpPr>
-            <p:cNvPr id="658" name="tx657"/>
-            <p:cNvSpPr/>
-            <p:nvPr/>
-          </p:nvSpPr>
-          <p:spPr>
-            <a:xfrm>
-              <a:off x="9174841" y="6231170"/>
-              <a:ext cx="100886" cy="48055"/>
-            </a:xfrm>
-            <a:prstGeom prst="rect">
-              <a:avLst/>
-            </a:prstGeom>
-            <a:noFill/>
-          </p:spPr>
-          <p:txBody>
-            <a:bodyPr lIns="0" rIns="0" tIns="0" bIns="0" anchorCtr="1" anchor="ctr" wrap="none"/>
-            <a:lstStyle/>
-            <a:p>
-              <a:pPr algn="l" marL="0" marR="0" indent="0">
-                <a:lnSpc>
-                  <a:spcPts val="550"/>
-                </a:lnSpc>
-                <a:spcBef>
-                  <a:spcPts val="0"/>
-                </a:spcBef>
-                <a:spcAft>
-                  <a:spcPts val="0"/>
-                </a:spcAft>
-              </a:pPr>
-              <a:r>
-                <a:rPr sz="550">
-                  <a:solidFill>
-                    <a:srgbClr val="000000">
-                      <a:alpha val="100000"/>
-                    </a:srgbClr>
-                  </a:solidFill>
-                  <a:latin typeface="Times New Roman"/>
-                  <a:cs typeface="Times New Roman"/>
-                </a:rPr>
-                <a:t>NA</a:t>
-              </a:r>
-            </a:p>
-          </p:txBody>
-        </p:sp>
-        <p:sp>
-          <p:nvSpPr>
-            <p:cNvPr id="659" name="tx658"/>
+            <p:cNvPr id="663" name="tx662"/>
             <p:cNvSpPr/>
             <p:nvPr/>
           </p:nvSpPr>
@@ -27140,7 +27302,7 @@
         </p:sp>
         <p:sp>
           <p:nvSpPr>
-            <p:cNvPr id="660" name="tx659"/>
+            <p:cNvPr id="664" name="tx663"/>
             <p:cNvSpPr/>
             <p:nvPr/>
           </p:nvSpPr>

--- a/Images/Figures_PPT/ExcHeatPlotMetaPlot.pptx
+++ b/Images/Figures_PPT/ExcHeatPlotMetaPlot.pptx
@@ -12920,7 +12920,7 @@
               <a:avLst/>
             </a:prstGeom>
             <a:solidFill>
-              <a:srgbClr val="FFFFFF">
+              <a:srgbClr val="DBC795">
                 <a:alpha val="100000"/>
               </a:srgbClr>
             </a:solidFill>
@@ -26223,6 +26223,41 @@
           </p:nvSpPr>
           <p:spPr>
             <a:xfrm>
+              <a:off x="8887596" y="4284518"/>
+              <a:ext cx="215856" cy="215855"/>
+            </a:xfrm>
+            <a:prstGeom prst="rect">
+              <a:avLst/>
+            </a:prstGeom>
+            <a:solidFill>
+              <a:srgbClr val="DBC795">
+                <a:alpha val="100000"/>
+              </a:srgbClr>
+            </a:solidFill>
+            <a:ln w="2710" cap="flat">
+              <a:solidFill>
+                <a:srgbClr val="FFFFFF">
+                  <a:alpha val="100000"/>
+                </a:srgbClr>
+              </a:solidFill>
+              <a:prstDash val="solid"/>
+              <a:miter/>
+            </a:ln>
+          </p:spPr>
+          <p:txBody>
+            <a:bodyPr/>
+            <a:lstStyle/>
+            <a:p/>
+          </p:txBody>
+        </p:sp>
+        <p:sp>
+          <p:nvSpPr>
+            <p:cNvPr id="638" name="rc637"/>
+            <p:cNvSpPr/>
+            <p:nvPr/>
+          </p:nvSpPr>
+          <p:spPr>
+            <a:xfrm>
               <a:off x="8885796" y="4502174"/>
               <a:ext cx="219455" cy="219455"/>
             </a:xfrm>
@@ -26252,7 +26287,7 @@
         </p:sp>
         <p:sp>
           <p:nvSpPr>
-            <p:cNvPr id="638" name="rc637"/>
+            <p:cNvPr id="639" name="rc638"/>
             <p:cNvSpPr/>
             <p:nvPr/>
           </p:nvSpPr>
@@ -26287,7 +26322,7 @@
         </p:sp>
         <p:sp>
           <p:nvSpPr>
-            <p:cNvPr id="639" name="tx638"/>
+            <p:cNvPr id="640" name="tx639"/>
             <p:cNvSpPr/>
             <p:nvPr/>
           </p:nvSpPr>
@@ -26333,7 +26368,7 @@
         </p:sp>
         <p:sp>
           <p:nvSpPr>
-            <p:cNvPr id="640" name="tx639"/>
+            <p:cNvPr id="641" name="tx640"/>
             <p:cNvSpPr/>
             <p:nvPr/>
           </p:nvSpPr>
@@ -26379,7 +26414,7 @@
         </p:sp>
         <p:sp>
           <p:nvSpPr>
-            <p:cNvPr id="641" name="tx640"/>
+            <p:cNvPr id="642" name="tx641"/>
             <p:cNvSpPr/>
             <p:nvPr/>
           </p:nvSpPr>
@@ -26425,7 +26460,7 @@
         </p:sp>
         <p:sp>
           <p:nvSpPr>
-            <p:cNvPr id="642" name="tx641"/>
+            <p:cNvPr id="643" name="tx642"/>
             <p:cNvSpPr/>
             <p:nvPr/>
           </p:nvSpPr>
@@ -26471,7 +26506,7 @@
         </p:sp>
         <p:sp>
           <p:nvSpPr>
-            <p:cNvPr id="643" name="tx642"/>
+            <p:cNvPr id="644" name="tx643"/>
             <p:cNvSpPr/>
             <p:nvPr/>
           </p:nvSpPr>
@@ -26517,7 +26552,7 @@
         </p:sp>
         <p:sp>
           <p:nvSpPr>
-            <p:cNvPr id="644" name="rc643"/>
+            <p:cNvPr id="645" name="rc644"/>
             <p:cNvSpPr/>
             <p:nvPr/>
           </p:nvSpPr>
@@ -26538,7 +26573,7 @@
         </p:sp>
         <p:sp>
           <p:nvSpPr>
-            <p:cNvPr id="645" name="tx644"/>
+            <p:cNvPr id="646" name="tx645"/>
             <p:cNvSpPr/>
             <p:nvPr/>
           </p:nvSpPr>
@@ -26584,7 +26619,7 @@
         </p:sp>
         <p:sp>
           <p:nvSpPr>
-            <p:cNvPr id="646" name="rc645"/>
+            <p:cNvPr id="647" name="rc646"/>
             <p:cNvSpPr/>
             <p:nvPr/>
           </p:nvSpPr>
@@ -26619,7 +26654,7 @@
         </p:sp>
         <p:sp>
           <p:nvSpPr>
-            <p:cNvPr id="647" name="rc646"/>
+            <p:cNvPr id="648" name="rc647"/>
             <p:cNvSpPr/>
             <p:nvPr/>
           </p:nvSpPr>
@@ -26654,7 +26689,7 @@
         </p:sp>
         <p:sp>
           <p:nvSpPr>
-            <p:cNvPr id="648" name="rc647"/>
+            <p:cNvPr id="649" name="rc648"/>
             <p:cNvSpPr/>
             <p:nvPr/>
           </p:nvSpPr>
@@ -26689,7 +26724,7 @@
         </p:sp>
         <p:sp>
           <p:nvSpPr>
-            <p:cNvPr id="649" name="rc648"/>
+            <p:cNvPr id="650" name="rc649"/>
             <p:cNvSpPr/>
             <p:nvPr/>
           </p:nvSpPr>
@@ -26724,7 +26759,7 @@
         </p:sp>
         <p:sp>
           <p:nvSpPr>
-            <p:cNvPr id="650" name="rc649"/>
+            <p:cNvPr id="651" name="rc650"/>
             <p:cNvSpPr/>
             <p:nvPr/>
           </p:nvSpPr>
@@ -26759,7 +26794,7 @@
         </p:sp>
         <p:sp>
           <p:nvSpPr>
-            <p:cNvPr id="651" name="rc650"/>
+            <p:cNvPr id="652" name="rc651"/>
             <p:cNvSpPr/>
             <p:nvPr/>
           </p:nvSpPr>
@@ -26794,7 +26829,7 @@
         </p:sp>
         <p:sp>
           <p:nvSpPr>
-            <p:cNvPr id="652" name="rc651"/>
+            <p:cNvPr id="653" name="rc652"/>
             <p:cNvSpPr/>
             <p:nvPr/>
           </p:nvSpPr>
@@ -26829,7 +26864,7 @@
         </p:sp>
         <p:sp>
           <p:nvSpPr>
-            <p:cNvPr id="653" name="rc652"/>
+            <p:cNvPr id="654" name="rc653"/>
             <p:cNvSpPr/>
             <p:nvPr/>
           </p:nvSpPr>
@@ -26864,7 +26899,7 @@
         </p:sp>
         <p:sp>
           <p:nvSpPr>
-            <p:cNvPr id="654" name="rc653"/>
+            <p:cNvPr id="655" name="rc654"/>
             <p:cNvSpPr/>
             <p:nvPr/>
           </p:nvSpPr>
@@ -26899,7 +26934,7 @@
         </p:sp>
         <p:sp>
           <p:nvSpPr>
-            <p:cNvPr id="655" name="rc654"/>
+            <p:cNvPr id="656" name="rc655"/>
             <p:cNvSpPr/>
             <p:nvPr/>
           </p:nvSpPr>
@@ -26934,7 +26969,7 @@
         </p:sp>
         <p:sp>
           <p:nvSpPr>
-            <p:cNvPr id="656" name="tx655"/>
+            <p:cNvPr id="657" name="tx656"/>
             <p:cNvSpPr/>
             <p:nvPr/>
           </p:nvSpPr>
@@ -26980,7 +27015,7 @@
         </p:sp>
         <p:sp>
           <p:nvSpPr>
-            <p:cNvPr id="657" name="tx656"/>
+            <p:cNvPr id="658" name="tx657"/>
             <p:cNvSpPr/>
             <p:nvPr/>
           </p:nvSpPr>
@@ -27026,7 +27061,7 @@
         </p:sp>
         <p:sp>
           <p:nvSpPr>
-            <p:cNvPr id="658" name="tx657"/>
+            <p:cNvPr id="659" name="tx658"/>
             <p:cNvSpPr/>
             <p:nvPr/>
           </p:nvSpPr>
@@ -27072,7 +27107,7 @@
         </p:sp>
         <p:sp>
           <p:nvSpPr>
-            <p:cNvPr id="659" name="tx658"/>
+            <p:cNvPr id="660" name="tx659"/>
             <p:cNvSpPr/>
             <p:nvPr/>
           </p:nvSpPr>
@@ -27118,7 +27153,7 @@
         </p:sp>
         <p:sp>
           <p:nvSpPr>
-            <p:cNvPr id="660" name="tx659"/>
+            <p:cNvPr id="661" name="tx660"/>
             <p:cNvSpPr/>
             <p:nvPr/>
           </p:nvSpPr>
@@ -27164,7 +27199,7 @@
         </p:sp>
         <p:sp>
           <p:nvSpPr>
-            <p:cNvPr id="661" name="tx660"/>
+            <p:cNvPr id="662" name="tx661"/>
             <p:cNvSpPr/>
             <p:nvPr/>
           </p:nvSpPr>
@@ -27210,7 +27245,7 @@
         </p:sp>
         <p:sp>
           <p:nvSpPr>
-            <p:cNvPr id="662" name="tx661"/>
+            <p:cNvPr id="663" name="tx662"/>
             <p:cNvSpPr/>
             <p:nvPr/>
           </p:nvSpPr>
@@ -27256,7 +27291,7 @@
         </p:sp>
         <p:sp>
           <p:nvSpPr>
-            <p:cNvPr id="663" name="tx662"/>
+            <p:cNvPr id="664" name="tx663"/>
             <p:cNvSpPr/>
             <p:nvPr/>
           </p:nvSpPr>
@@ -27302,7 +27337,7 @@
         </p:sp>
         <p:sp>
           <p:nvSpPr>
-            <p:cNvPr id="664" name="tx663"/>
+            <p:cNvPr id="665" name="tx664"/>
             <p:cNvSpPr/>
             <p:nvPr/>
           </p:nvSpPr>

--- a/Images/Figures_PPT/ExcHeatPlotMetaPlot.pptx
+++ b/Images/Figures_PPT/ExcHeatPlotMetaPlot.pptx
@@ -25192,7 +25192,59 @@
           </p:nvSpPr>
           <p:spPr>
             <a:xfrm>
-              <a:off x="8816207" y="1948930"/>
+              <a:off x="2474483" y="5702491"/>
+              <a:ext cx="949369" cy="1508325"/>
+            </a:xfrm>
+            <a:prstGeom prst="rect">
+              <a:avLst/>
+            </a:prstGeom>
+            <a:solidFill>
+              <a:srgbClr val="0000FF">
+                <a:alpha val="20000"/>
+              </a:srgbClr>
+            </a:solidFill>
+          </p:spPr>
+          <p:txBody>
+            <a:bodyPr/>
+            <a:lstStyle/>
+            <a:p/>
+          </p:txBody>
+        </p:sp>
+        <p:sp>
+          <p:nvSpPr>
+            <p:cNvPr id="611" name="rc610"/>
+            <p:cNvSpPr/>
+            <p:nvPr/>
+          </p:nvSpPr>
+          <p:spPr>
+            <a:xfrm>
+              <a:off x="1841570" y="1392990"/>
+              <a:ext cx="1582282" cy="4309501"/>
+            </a:xfrm>
+            <a:prstGeom prst="rect">
+              <a:avLst/>
+            </a:prstGeom>
+            <a:solidFill>
+              <a:srgbClr val="00FFFF">
+                <a:alpha val="20000"/>
+              </a:srgbClr>
+            </a:solidFill>
+          </p:spPr>
+          <p:txBody>
+            <a:bodyPr/>
+            <a:lstStyle/>
+            <a:p/>
+          </p:txBody>
+        </p:sp>
+        <p:sp>
+          <p:nvSpPr>
+            <p:cNvPr id="612" name="rc611"/>
+            <p:cNvSpPr/>
+            <p:nvPr/>
+          </p:nvSpPr>
+          <p:spPr>
+            <a:xfrm>
+              <a:off x="8816207" y="2004654"/>
               <a:ext cx="1172603" cy="1417544"/>
             </a:xfrm>
             <a:prstGeom prst="rect">
@@ -25207,13 +25259,13 @@
         </p:sp>
         <p:sp>
           <p:nvSpPr>
-            <p:cNvPr id="611" name="tx610"/>
-            <p:cNvSpPr/>
-            <p:nvPr/>
-          </p:nvSpPr>
-          <p:spPr>
-            <a:xfrm>
-              <a:off x="8885796" y="2000970"/>
+            <p:cNvPr id="613" name="tx612"/>
+            <p:cNvSpPr/>
+            <p:nvPr/>
+          </p:nvSpPr>
+          <p:spPr>
+            <a:xfrm>
+              <a:off x="8885796" y="2056694"/>
               <a:ext cx="1033425" cy="115341"/>
             </a:xfrm>
             <a:prstGeom prst="rect">
@@ -25253,7 +25305,7 @@
         </p:sp>
         <p:pic>
           <p:nvPicPr>
-            <p:cNvPr id="612" name="pic611"/>
+            <p:cNvPr id="614" name="pic613"/>
             <p:cNvPicPr/>
             <p:nvPr/>
           </p:nvPicPr>
@@ -25265,7 +25317,7 @@
           </p:blipFill>
           <p:spPr>
             <a:xfrm>
-              <a:off x="8885796" y="2199606"/>
+              <a:off x="8885796" y="2255330"/>
               <a:ext cx="219455" cy="1097280"/>
             </a:xfrm>
             <a:prstGeom prst="rect">
@@ -25275,13 +25327,13 @@
         </p:pic>
         <p:sp>
           <p:nvSpPr>
-            <p:cNvPr id="613" name="pl612"/>
-            <p:cNvSpPr/>
-            <p:nvPr/>
-          </p:nvSpPr>
-          <p:spPr>
-            <a:xfrm>
-              <a:off x="9061361" y="3279160"/>
+            <p:cNvPr id="615" name="pl614"/>
+            <p:cNvSpPr/>
+            <p:nvPr/>
+          </p:nvSpPr>
+          <p:spPr>
+            <a:xfrm>
+              <a:off x="9061361" y="3334884"/>
               <a:ext cx="43891" cy="0"/>
             </a:xfrm>
             <a:custGeom>
@@ -25315,13 +25367,13 @@
         </p:sp>
         <p:sp>
           <p:nvSpPr>
-            <p:cNvPr id="614" name="pl613"/>
-            <p:cNvSpPr/>
-            <p:nvPr/>
-          </p:nvSpPr>
-          <p:spPr>
-            <a:xfrm>
-              <a:off x="9061361" y="3009729"/>
+            <p:cNvPr id="616" name="pl615"/>
+            <p:cNvSpPr/>
+            <p:nvPr/>
+          </p:nvSpPr>
+          <p:spPr>
+            <a:xfrm>
+              <a:off x="9061361" y="3065453"/>
               <a:ext cx="43891" cy="0"/>
             </a:xfrm>
             <a:custGeom>
@@ -25355,13 +25407,13 @@
         </p:sp>
         <p:sp>
           <p:nvSpPr>
-            <p:cNvPr id="615" name="pl614"/>
-            <p:cNvSpPr/>
-            <p:nvPr/>
-          </p:nvSpPr>
-          <p:spPr>
-            <a:xfrm>
-              <a:off x="9061361" y="2740297"/>
+            <p:cNvPr id="617" name="pl616"/>
+            <p:cNvSpPr/>
+            <p:nvPr/>
+          </p:nvSpPr>
+          <p:spPr>
+            <a:xfrm>
+              <a:off x="9061361" y="2796021"/>
               <a:ext cx="43891" cy="0"/>
             </a:xfrm>
             <a:custGeom>
@@ -25395,13 +25447,13 @@
         </p:sp>
         <p:sp>
           <p:nvSpPr>
-            <p:cNvPr id="616" name="pl615"/>
-            <p:cNvSpPr/>
-            <p:nvPr/>
-          </p:nvSpPr>
-          <p:spPr>
-            <a:xfrm>
-              <a:off x="9061361" y="2470866"/>
+            <p:cNvPr id="618" name="pl617"/>
+            <p:cNvSpPr/>
+            <p:nvPr/>
+          </p:nvSpPr>
+          <p:spPr>
+            <a:xfrm>
+              <a:off x="9061361" y="2526590"/>
               <a:ext cx="43891" cy="0"/>
             </a:xfrm>
             <a:custGeom>
@@ -25435,13 +25487,13 @@
         </p:sp>
         <p:sp>
           <p:nvSpPr>
-            <p:cNvPr id="617" name="pl616"/>
-            <p:cNvSpPr/>
-            <p:nvPr/>
-          </p:nvSpPr>
-          <p:spPr>
-            <a:xfrm>
-              <a:off x="9061361" y="2201434"/>
+            <p:cNvPr id="619" name="pl618"/>
+            <p:cNvSpPr/>
+            <p:nvPr/>
+          </p:nvSpPr>
+          <p:spPr>
+            <a:xfrm>
+              <a:off x="9061361" y="2257158"/>
               <a:ext cx="43891" cy="0"/>
             </a:xfrm>
             <a:custGeom>
@@ -25475,13 +25527,13 @@
         </p:sp>
         <p:sp>
           <p:nvSpPr>
-            <p:cNvPr id="618" name="pl617"/>
-            <p:cNvSpPr/>
-            <p:nvPr/>
-          </p:nvSpPr>
-          <p:spPr>
-            <a:xfrm>
-              <a:off x="8885796" y="3279160"/>
+            <p:cNvPr id="620" name="pl619"/>
+            <p:cNvSpPr/>
+            <p:nvPr/>
+          </p:nvSpPr>
+          <p:spPr>
+            <a:xfrm>
+              <a:off x="8885796" y="3334884"/>
               <a:ext cx="43891" cy="0"/>
             </a:xfrm>
             <a:custGeom>
@@ -25515,13 +25567,13 @@
         </p:sp>
         <p:sp>
           <p:nvSpPr>
-            <p:cNvPr id="619" name="pl618"/>
-            <p:cNvSpPr/>
-            <p:nvPr/>
-          </p:nvSpPr>
-          <p:spPr>
-            <a:xfrm>
-              <a:off x="8885796" y="3009729"/>
+            <p:cNvPr id="621" name="pl620"/>
+            <p:cNvSpPr/>
+            <p:nvPr/>
+          </p:nvSpPr>
+          <p:spPr>
+            <a:xfrm>
+              <a:off x="8885796" y="3065453"/>
               <a:ext cx="43891" cy="0"/>
             </a:xfrm>
             <a:custGeom>
@@ -25555,13 +25607,13 @@
         </p:sp>
         <p:sp>
           <p:nvSpPr>
-            <p:cNvPr id="620" name="pl619"/>
-            <p:cNvSpPr/>
-            <p:nvPr/>
-          </p:nvSpPr>
-          <p:spPr>
-            <a:xfrm>
-              <a:off x="8885796" y="2740297"/>
+            <p:cNvPr id="622" name="pl621"/>
+            <p:cNvSpPr/>
+            <p:nvPr/>
+          </p:nvSpPr>
+          <p:spPr>
+            <a:xfrm>
+              <a:off x="8885796" y="2796021"/>
               <a:ext cx="43891" cy="0"/>
             </a:xfrm>
             <a:custGeom>
@@ -25595,13 +25647,13 @@
         </p:sp>
         <p:sp>
           <p:nvSpPr>
-            <p:cNvPr id="621" name="pl620"/>
-            <p:cNvSpPr/>
-            <p:nvPr/>
-          </p:nvSpPr>
-          <p:spPr>
-            <a:xfrm>
-              <a:off x="8885796" y="2470866"/>
+            <p:cNvPr id="623" name="pl622"/>
+            <p:cNvSpPr/>
+            <p:nvPr/>
+          </p:nvSpPr>
+          <p:spPr>
+            <a:xfrm>
+              <a:off x="8885796" y="2526590"/>
               <a:ext cx="43891" cy="0"/>
             </a:xfrm>
             <a:custGeom>
@@ -25635,13 +25687,13 @@
         </p:sp>
         <p:sp>
           <p:nvSpPr>
-            <p:cNvPr id="622" name="pl621"/>
-            <p:cNvSpPr/>
-            <p:nvPr/>
-          </p:nvSpPr>
-          <p:spPr>
-            <a:xfrm>
-              <a:off x="8885796" y="2201434"/>
+            <p:cNvPr id="624" name="pl623"/>
+            <p:cNvSpPr/>
+            <p:nvPr/>
+          </p:nvSpPr>
+          <p:spPr>
+            <a:xfrm>
+              <a:off x="8885796" y="2257158"/>
               <a:ext cx="43891" cy="0"/>
             </a:xfrm>
             <a:custGeom>
@@ -25675,13 +25727,13 @@
         </p:sp>
         <p:sp>
           <p:nvSpPr>
-            <p:cNvPr id="623" name="tx622"/>
-            <p:cNvSpPr/>
-            <p:nvPr/>
-          </p:nvSpPr>
-          <p:spPr>
-            <a:xfrm>
-              <a:off x="9174841" y="3254263"/>
+            <p:cNvPr id="625" name="tx624"/>
+            <p:cNvSpPr/>
+            <p:nvPr/>
+          </p:nvSpPr>
+          <p:spPr>
+            <a:xfrm>
+              <a:off x="9174841" y="3309987"/>
               <a:ext cx="69850" cy="48021"/>
             </a:xfrm>
             <a:prstGeom prst="rect">
@@ -25721,13 +25773,13 @@
         </p:sp>
         <p:sp>
           <p:nvSpPr>
-            <p:cNvPr id="624" name="tx623"/>
-            <p:cNvSpPr/>
-            <p:nvPr/>
-          </p:nvSpPr>
-          <p:spPr>
-            <a:xfrm>
-              <a:off x="9174841" y="2984831"/>
+            <p:cNvPr id="626" name="tx625"/>
+            <p:cNvSpPr/>
+            <p:nvPr/>
+          </p:nvSpPr>
+          <p:spPr>
+            <a:xfrm>
+              <a:off x="9174841" y="3040555"/>
               <a:ext cx="69850" cy="48021"/>
             </a:xfrm>
             <a:prstGeom prst="rect">
@@ -25767,13 +25819,13 @@
         </p:sp>
         <p:sp>
           <p:nvSpPr>
-            <p:cNvPr id="625" name="tx624"/>
-            <p:cNvSpPr/>
-            <p:nvPr/>
-          </p:nvSpPr>
-          <p:spPr>
-            <a:xfrm>
-              <a:off x="9174841" y="2715400"/>
+            <p:cNvPr id="627" name="tx626"/>
+            <p:cNvSpPr/>
+            <p:nvPr/>
+          </p:nvSpPr>
+          <p:spPr>
+            <a:xfrm>
+              <a:off x="9174841" y="2771124"/>
               <a:ext cx="69850" cy="48021"/>
             </a:xfrm>
             <a:prstGeom prst="rect">
@@ -25813,13 +25865,13 @@
         </p:sp>
         <p:sp>
           <p:nvSpPr>
-            <p:cNvPr id="626" name="tx625"/>
-            <p:cNvSpPr/>
-            <p:nvPr/>
-          </p:nvSpPr>
-          <p:spPr>
-            <a:xfrm>
-              <a:off x="9174841" y="2445968"/>
+            <p:cNvPr id="628" name="tx627"/>
+            <p:cNvSpPr/>
+            <p:nvPr/>
+          </p:nvSpPr>
+          <p:spPr>
+            <a:xfrm>
+              <a:off x="9174841" y="2501692"/>
               <a:ext cx="69850" cy="48021"/>
             </a:xfrm>
             <a:prstGeom prst="rect">
@@ -25859,13 +25911,13 @@
         </p:sp>
         <p:sp>
           <p:nvSpPr>
-            <p:cNvPr id="627" name="tx626"/>
-            <p:cNvSpPr/>
-            <p:nvPr/>
-          </p:nvSpPr>
-          <p:spPr>
-            <a:xfrm>
-              <a:off x="9174841" y="2176537"/>
+            <p:cNvPr id="629" name="tx628"/>
+            <p:cNvSpPr/>
+            <p:nvPr/>
+          </p:nvSpPr>
+          <p:spPr>
+            <a:xfrm>
+              <a:off x="9174841" y="2232261"/>
               <a:ext cx="104775" cy="48021"/>
             </a:xfrm>
             <a:prstGeom prst="rect">
@@ -25905,13 +25957,13 @@
         </p:sp>
         <p:sp>
           <p:nvSpPr>
-            <p:cNvPr id="628" name="rc627"/>
-            <p:cNvSpPr/>
-            <p:nvPr/>
-          </p:nvSpPr>
-          <p:spPr>
-            <a:xfrm>
-              <a:off x="8816207" y="3373675"/>
+            <p:cNvPr id="630" name="rc629"/>
+            <p:cNvSpPr/>
+            <p:nvPr/>
+          </p:nvSpPr>
+          <p:spPr>
+            <a:xfrm>
+              <a:off x="8816207" y="3429399"/>
               <a:ext cx="939935" cy="1417544"/>
             </a:xfrm>
             <a:prstGeom prst="rect">
@@ -25926,13 +25978,13 @@
         </p:sp>
         <p:sp>
           <p:nvSpPr>
-            <p:cNvPr id="629" name="tx628"/>
-            <p:cNvSpPr/>
-            <p:nvPr/>
-          </p:nvSpPr>
-          <p:spPr>
-            <a:xfrm>
-              <a:off x="8885796" y="3453124"/>
+            <p:cNvPr id="631" name="tx630"/>
+            <p:cNvSpPr/>
+            <p:nvPr/>
+          </p:nvSpPr>
+          <p:spPr>
+            <a:xfrm>
+              <a:off x="8885796" y="3508847"/>
               <a:ext cx="800757" cy="87932"/>
             </a:xfrm>
             <a:prstGeom prst="rect">
@@ -25972,13 +26024,13 @@
         </p:sp>
         <p:sp>
           <p:nvSpPr>
-            <p:cNvPr id="630" name="rc629"/>
-            <p:cNvSpPr/>
-            <p:nvPr/>
-          </p:nvSpPr>
-          <p:spPr>
-            <a:xfrm>
-              <a:off x="8885796" y="3624350"/>
+            <p:cNvPr id="632" name="rc631"/>
+            <p:cNvSpPr/>
+            <p:nvPr/>
+          </p:nvSpPr>
+          <p:spPr>
+            <a:xfrm>
+              <a:off x="8885796" y="3680074"/>
               <a:ext cx="219455" cy="219455"/>
             </a:xfrm>
             <a:prstGeom prst="rect">
@@ -26007,49 +26059,119 @@
         </p:sp>
         <p:sp>
           <p:nvSpPr>
-            <p:cNvPr id="631" name="rc630"/>
-            <p:cNvSpPr/>
-            <p:nvPr/>
-          </p:nvSpPr>
-          <p:spPr>
-            <a:xfrm>
-              <a:off x="8887596" y="3626150"/>
+            <p:cNvPr id="633" name="rc632"/>
+            <p:cNvSpPr/>
+            <p:nvPr/>
+          </p:nvSpPr>
+          <p:spPr>
+            <a:xfrm>
+              <a:off x="8887596" y="3681874"/>
+              <a:ext cx="215856" cy="215855"/>
+            </a:xfrm>
+            <a:prstGeom prst="rect">
+              <a:avLst/>
+            </a:prstGeom>
+            <a:solidFill>
+              <a:srgbClr val="AE5A41">
+                <a:alpha val="100000"/>
+              </a:srgbClr>
+            </a:solidFill>
+            <a:ln w="2710" cap="flat">
+              <a:solidFill>
+                <a:srgbClr val="FFFFFF">
+                  <a:alpha val="100000"/>
+                </a:srgbClr>
+              </a:solidFill>
+              <a:prstDash val="solid"/>
+              <a:miter/>
+            </a:ln>
+          </p:spPr>
+          <p:txBody>
+            <a:bodyPr/>
+            <a:lstStyle/>
+            <a:p/>
+          </p:txBody>
+        </p:sp>
+        <p:sp>
+          <p:nvSpPr>
+            <p:cNvPr id="634" name="rc633"/>
+            <p:cNvSpPr/>
+            <p:nvPr/>
+          </p:nvSpPr>
+          <p:spPr>
+            <a:xfrm>
+              <a:off x="8885796" y="3899530"/>
+              <a:ext cx="219455" cy="219455"/>
+            </a:xfrm>
+            <a:prstGeom prst="rect">
+              <a:avLst/>
+            </a:prstGeom>
+            <a:solidFill>
+              <a:srgbClr val="FFFFFF">
+                <a:alpha val="100000"/>
+              </a:srgbClr>
+            </a:solidFill>
+            <a:ln w="13550" cap="rnd">
+              <a:solidFill>
+                <a:srgbClr val="FFFFFF">
+                  <a:alpha val="100000"/>
+                </a:srgbClr>
+              </a:solidFill>
+              <a:prstDash val="solid"/>
+              <a:round/>
+            </a:ln>
+          </p:spPr>
+          <p:txBody>
+            <a:bodyPr/>
+            <a:lstStyle/>
+            <a:p/>
+          </p:txBody>
+        </p:sp>
+        <p:sp>
+          <p:nvSpPr>
+            <p:cNvPr id="635" name="rc634"/>
+            <p:cNvSpPr/>
+            <p:nvPr/>
+          </p:nvSpPr>
+          <p:spPr>
+            <a:xfrm>
+              <a:off x="8887596" y="3901330"/>
               <a:ext cx="215856" cy="215856"/>
             </a:xfrm>
             <a:prstGeom prst="rect">
               <a:avLst/>
             </a:prstGeom>
             <a:solidFill>
-              <a:srgbClr val="AE5A41">
-                <a:alpha val="100000"/>
-              </a:srgbClr>
-            </a:solidFill>
-            <a:ln w="2710" cap="flat">
-              <a:solidFill>
-                <a:srgbClr val="FFFFFF">
-                  <a:alpha val="100000"/>
-                </a:srgbClr>
-              </a:solidFill>
-              <a:prstDash val="solid"/>
-              <a:miter/>
-            </a:ln>
-          </p:spPr>
-          <p:txBody>
-            <a:bodyPr/>
-            <a:lstStyle/>
-            <a:p/>
-          </p:txBody>
-        </p:sp>
-        <p:sp>
-          <p:nvSpPr>
-            <p:cNvPr id="632" name="rc631"/>
-            <p:cNvSpPr/>
-            <p:nvPr/>
-          </p:nvSpPr>
-          <p:spPr>
-            <a:xfrm>
-              <a:off x="8885796" y="3843806"/>
-              <a:ext cx="219455" cy="219456"/>
+              <a:srgbClr val="559E83">
+                <a:alpha val="100000"/>
+              </a:srgbClr>
+            </a:solidFill>
+            <a:ln w="2710" cap="flat">
+              <a:solidFill>
+                <a:srgbClr val="FFFFFF">
+                  <a:alpha val="100000"/>
+                </a:srgbClr>
+              </a:solidFill>
+              <a:prstDash val="solid"/>
+              <a:miter/>
+            </a:ln>
+          </p:spPr>
+          <p:txBody>
+            <a:bodyPr/>
+            <a:lstStyle/>
+            <a:p/>
+          </p:txBody>
+        </p:sp>
+        <p:sp>
+          <p:nvSpPr>
+            <p:cNvPr id="636" name="rc635"/>
+            <p:cNvSpPr/>
+            <p:nvPr/>
+          </p:nvSpPr>
+          <p:spPr>
+            <a:xfrm>
+              <a:off x="8885796" y="4118986"/>
+              <a:ext cx="219455" cy="219455"/>
             </a:xfrm>
             <a:prstGeom prst="rect">
               <a:avLst/>
@@ -26077,48 +26199,48 @@
         </p:sp>
         <p:sp>
           <p:nvSpPr>
-            <p:cNvPr id="633" name="rc632"/>
-            <p:cNvSpPr/>
-            <p:nvPr/>
-          </p:nvSpPr>
-          <p:spPr>
-            <a:xfrm>
-              <a:off x="8887596" y="3845606"/>
+            <p:cNvPr id="637" name="rc636"/>
+            <p:cNvSpPr/>
+            <p:nvPr/>
+          </p:nvSpPr>
+          <p:spPr>
+            <a:xfrm>
+              <a:off x="8887596" y="4120786"/>
               <a:ext cx="215856" cy="215856"/>
             </a:xfrm>
             <a:prstGeom prst="rect">
               <a:avLst/>
             </a:prstGeom>
             <a:solidFill>
-              <a:srgbClr val="559E83">
-                <a:alpha val="100000"/>
-              </a:srgbClr>
-            </a:solidFill>
-            <a:ln w="2710" cap="flat">
-              <a:solidFill>
-                <a:srgbClr val="FFFFFF">
-                  <a:alpha val="100000"/>
-                </a:srgbClr>
-              </a:solidFill>
-              <a:prstDash val="solid"/>
-              <a:miter/>
-            </a:ln>
-          </p:spPr>
-          <p:txBody>
-            <a:bodyPr/>
-            <a:lstStyle/>
-            <a:p/>
-          </p:txBody>
-        </p:sp>
-        <p:sp>
-          <p:nvSpPr>
-            <p:cNvPr id="634" name="rc633"/>
-            <p:cNvSpPr/>
-            <p:nvPr/>
-          </p:nvSpPr>
-          <p:spPr>
-            <a:xfrm>
-              <a:off x="8885796" y="4063262"/>
+              <a:srgbClr val="B2D4AD">
+                <a:alpha val="100000"/>
+              </a:srgbClr>
+            </a:solidFill>
+            <a:ln w="2710" cap="flat">
+              <a:solidFill>
+                <a:srgbClr val="FFFFFF">
+                  <a:alpha val="100000"/>
+                </a:srgbClr>
+              </a:solidFill>
+              <a:prstDash val="solid"/>
+              <a:miter/>
+            </a:ln>
+          </p:spPr>
+          <p:txBody>
+            <a:bodyPr/>
+            <a:lstStyle/>
+            <a:p/>
+          </p:txBody>
+        </p:sp>
+        <p:sp>
+          <p:nvSpPr>
+            <p:cNvPr id="638" name="rc637"/>
+            <p:cNvSpPr/>
+            <p:nvPr/>
+          </p:nvSpPr>
+          <p:spPr>
+            <a:xfrm>
+              <a:off x="8885796" y="4338442"/>
               <a:ext cx="219455" cy="219455"/>
             </a:xfrm>
             <a:prstGeom prst="rect">
@@ -26147,48 +26269,48 @@
         </p:sp>
         <p:sp>
           <p:nvSpPr>
-            <p:cNvPr id="635" name="rc634"/>
-            <p:cNvSpPr/>
-            <p:nvPr/>
-          </p:nvSpPr>
-          <p:spPr>
-            <a:xfrm>
-              <a:off x="8887596" y="4065062"/>
+            <p:cNvPr id="639" name="rc638"/>
+            <p:cNvSpPr/>
+            <p:nvPr/>
+          </p:nvSpPr>
+          <p:spPr>
+            <a:xfrm>
+              <a:off x="8887596" y="4340242"/>
               <a:ext cx="215856" cy="215855"/>
             </a:xfrm>
             <a:prstGeom prst="rect">
               <a:avLst/>
             </a:prstGeom>
             <a:solidFill>
-              <a:srgbClr val="B2D4AD">
-                <a:alpha val="100000"/>
-              </a:srgbClr>
-            </a:solidFill>
-            <a:ln w="2710" cap="flat">
-              <a:solidFill>
-                <a:srgbClr val="FFFFFF">
-                  <a:alpha val="100000"/>
-                </a:srgbClr>
-              </a:solidFill>
-              <a:prstDash val="solid"/>
-              <a:miter/>
-            </a:ln>
-          </p:spPr>
-          <p:txBody>
-            <a:bodyPr/>
-            <a:lstStyle/>
-            <a:p/>
-          </p:txBody>
-        </p:sp>
-        <p:sp>
-          <p:nvSpPr>
-            <p:cNvPr id="636" name="rc635"/>
-            <p:cNvSpPr/>
-            <p:nvPr/>
-          </p:nvSpPr>
-          <p:spPr>
-            <a:xfrm>
-              <a:off x="8885796" y="4282718"/>
+              <a:srgbClr val="DBC795">
+                <a:alpha val="100000"/>
+              </a:srgbClr>
+            </a:solidFill>
+            <a:ln w="2710" cap="flat">
+              <a:solidFill>
+                <a:srgbClr val="FFFFFF">
+                  <a:alpha val="100000"/>
+                </a:srgbClr>
+              </a:solidFill>
+              <a:prstDash val="solid"/>
+              <a:miter/>
+            </a:ln>
+          </p:spPr>
+          <p:txBody>
+            <a:bodyPr/>
+            <a:lstStyle/>
+            <a:p/>
+          </p:txBody>
+        </p:sp>
+        <p:sp>
+          <p:nvSpPr>
+            <p:cNvPr id="640" name="rc639"/>
+            <p:cNvSpPr/>
+            <p:nvPr/>
+          </p:nvSpPr>
+          <p:spPr>
+            <a:xfrm>
+              <a:off x="8885796" y="4557898"/>
               <a:ext cx="219455" cy="219455"/>
             </a:xfrm>
             <a:prstGeom prst="rect">
@@ -26217,118 +26339,48 @@
         </p:sp>
         <p:sp>
           <p:nvSpPr>
-            <p:cNvPr id="637" name="rc636"/>
-            <p:cNvSpPr/>
-            <p:nvPr/>
-          </p:nvSpPr>
-          <p:spPr>
-            <a:xfrm>
-              <a:off x="8887596" y="4284518"/>
+            <p:cNvPr id="641" name="rc640"/>
+            <p:cNvSpPr/>
+            <p:nvPr/>
+          </p:nvSpPr>
+          <p:spPr>
+            <a:xfrm>
+              <a:off x="8887596" y="4559698"/>
               <a:ext cx="215856" cy="215855"/>
             </a:xfrm>
             <a:prstGeom prst="rect">
               <a:avLst/>
             </a:prstGeom>
             <a:solidFill>
-              <a:srgbClr val="DBC795">
-                <a:alpha val="100000"/>
-              </a:srgbClr>
-            </a:solidFill>
-            <a:ln w="2710" cap="flat">
-              <a:solidFill>
-                <a:srgbClr val="FFFFFF">
-                  <a:alpha val="100000"/>
-                </a:srgbClr>
-              </a:solidFill>
-              <a:prstDash val="solid"/>
-              <a:miter/>
-            </a:ln>
-          </p:spPr>
-          <p:txBody>
-            <a:bodyPr/>
-            <a:lstStyle/>
-            <a:p/>
-          </p:txBody>
-        </p:sp>
-        <p:sp>
-          <p:nvSpPr>
-            <p:cNvPr id="638" name="rc637"/>
-            <p:cNvSpPr/>
-            <p:nvPr/>
-          </p:nvSpPr>
-          <p:spPr>
-            <a:xfrm>
-              <a:off x="8885796" y="4502174"/>
-              <a:ext cx="219455" cy="219455"/>
-            </a:xfrm>
-            <a:prstGeom prst="rect">
-              <a:avLst/>
-            </a:prstGeom>
-            <a:solidFill>
               <a:srgbClr val="FFFFFF">
                 <a:alpha val="100000"/>
               </a:srgbClr>
             </a:solidFill>
-            <a:ln w="13550" cap="rnd">
-              <a:solidFill>
-                <a:srgbClr val="FFFFFF">
-                  <a:alpha val="100000"/>
-                </a:srgbClr>
-              </a:solidFill>
-              <a:prstDash val="solid"/>
-              <a:round/>
-            </a:ln>
-          </p:spPr>
-          <p:txBody>
-            <a:bodyPr/>
-            <a:lstStyle/>
-            <a:p/>
-          </p:txBody>
-        </p:sp>
-        <p:sp>
-          <p:nvSpPr>
-            <p:cNvPr id="639" name="rc638"/>
-            <p:cNvSpPr/>
-            <p:nvPr/>
-          </p:nvSpPr>
-          <p:spPr>
-            <a:xfrm>
-              <a:off x="8887596" y="4503974"/>
-              <a:ext cx="215856" cy="215855"/>
-            </a:xfrm>
-            <a:prstGeom prst="rect">
-              <a:avLst/>
-            </a:prstGeom>
-            <a:solidFill>
-              <a:srgbClr val="FFFFFF">
-                <a:alpha val="100000"/>
-              </a:srgbClr>
-            </a:solidFill>
-            <a:ln w="2710" cap="flat">
-              <a:solidFill>
-                <a:srgbClr val="FFFFFF">
-                  <a:alpha val="100000"/>
-                </a:srgbClr>
-              </a:solidFill>
-              <a:prstDash val="solid"/>
-              <a:miter/>
-            </a:ln>
-          </p:spPr>
-          <p:txBody>
-            <a:bodyPr/>
-            <a:lstStyle/>
-            <a:p/>
-          </p:txBody>
-        </p:sp>
-        <p:sp>
-          <p:nvSpPr>
-            <p:cNvPr id="640" name="tx639"/>
-            <p:cNvSpPr/>
-            <p:nvPr/>
-          </p:nvSpPr>
-          <p:spPr>
-            <a:xfrm>
-              <a:off x="9174841" y="3710954"/>
+            <a:ln w="2710" cap="flat">
+              <a:solidFill>
+                <a:srgbClr val="FFFFFF">
+                  <a:alpha val="100000"/>
+                </a:srgbClr>
+              </a:solidFill>
+              <a:prstDash val="solid"/>
+              <a:miter/>
+            </a:ln>
+          </p:spPr>
+          <p:txBody>
+            <a:bodyPr/>
+            <a:lstStyle/>
+            <a:p/>
+          </p:txBody>
+        </p:sp>
+        <p:sp>
+          <p:nvSpPr>
+            <p:cNvPr id="642" name="tx641"/>
+            <p:cNvSpPr/>
+            <p:nvPr/>
+          </p:nvSpPr>
+          <p:spPr>
+            <a:xfrm>
+              <a:off x="9174841" y="3766678"/>
               <a:ext cx="50443" cy="46248"/>
             </a:xfrm>
             <a:prstGeom prst="rect">
@@ -26368,13 +26420,13 @@
         </p:sp>
         <p:sp>
           <p:nvSpPr>
-            <p:cNvPr id="641" name="tx640"/>
-            <p:cNvSpPr/>
-            <p:nvPr/>
-          </p:nvSpPr>
-          <p:spPr>
-            <a:xfrm>
-              <a:off x="9174841" y="3930410"/>
+            <p:cNvPr id="643" name="tx642"/>
+            <p:cNvSpPr/>
+            <p:nvPr/>
+          </p:nvSpPr>
+          <p:spPr>
+            <a:xfrm>
+              <a:off x="9174841" y="3986134"/>
               <a:ext cx="62107" cy="46248"/>
             </a:xfrm>
             <a:prstGeom prst="rect">
@@ -26414,13 +26466,13 @@
         </p:sp>
         <p:sp>
           <p:nvSpPr>
-            <p:cNvPr id="642" name="tx641"/>
-            <p:cNvSpPr/>
-            <p:nvPr/>
-          </p:nvSpPr>
-          <p:spPr>
-            <a:xfrm>
-              <a:off x="9174841" y="4149866"/>
+            <p:cNvPr id="644" name="tx643"/>
+            <p:cNvSpPr/>
+            <p:nvPr/>
+          </p:nvSpPr>
+          <p:spPr>
+            <a:xfrm>
+              <a:off x="9174841" y="4205590"/>
               <a:ext cx="42667" cy="46248"/>
             </a:xfrm>
             <a:prstGeom prst="rect">
@@ -26460,13 +26512,13 @@
         </p:sp>
         <p:sp>
           <p:nvSpPr>
-            <p:cNvPr id="643" name="tx642"/>
-            <p:cNvSpPr/>
-            <p:nvPr/>
-          </p:nvSpPr>
-          <p:spPr>
-            <a:xfrm>
-              <a:off x="9174841" y="4369322"/>
+            <p:cNvPr id="645" name="tx644"/>
+            <p:cNvSpPr/>
+            <p:nvPr/>
+          </p:nvSpPr>
+          <p:spPr>
+            <a:xfrm>
+              <a:off x="9174841" y="4425046"/>
               <a:ext cx="38847" cy="46248"/>
             </a:xfrm>
             <a:prstGeom prst="rect">
@@ -26506,13 +26558,13 @@
         </p:sp>
         <p:sp>
           <p:nvSpPr>
-            <p:cNvPr id="644" name="tx643"/>
-            <p:cNvSpPr/>
-            <p:nvPr/>
-          </p:nvSpPr>
-          <p:spPr>
-            <a:xfrm>
-              <a:off x="9174841" y="4586970"/>
+            <p:cNvPr id="646" name="tx645"/>
+            <p:cNvSpPr/>
+            <p:nvPr/>
+          </p:nvSpPr>
+          <p:spPr>
+            <a:xfrm>
+              <a:off x="9174841" y="4642694"/>
               <a:ext cx="100886" cy="48055"/>
             </a:xfrm>
             <a:prstGeom prst="rect">
@@ -26552,34 +26604,315 @@
         </p:sp>
         <p:sp>
           <p:nvSpPr>
-            <p:cNvPr id="645" name="rc644"/>
-            <p:cNvSpPr/>
-            <p:nvPr/>
-          </p:nvSpPr>
-          <p:spPr>
-            <a:xfrm>
-              <a:off x="8816207" y="4798419"/>
-              <a:ext cx="1109041" cy="1856456"/>
-            </a:xfrm>
-            <a:prstGeom prst="rect">
-              <a:avLst/>
-            </a:prstGeom>
-          </p:spPr>
-          <p:txBody>
-            <a:bodyPr/>
-            <a:lstStyle/>
-            <a:p/>
-          </p:txBody>
-        </p:sp>
-        <p:sp>
-          <p:nvSpPr>
-            <p:cNvPr id="646" name="tx645"/>
-            <p:cNvSpPr/>
-            <p:nvPr/>
-          </p:nvSpPr>
-          <p:spPr>
-            <a:xfrm>
-              <a:off x="8885796" y="4850211"/>
+            <p:cNvPr id="647" name="rc646"/>
+            <p:cNvSpPr/>
+            <p:nvPr/>
+          </p:nvSpPr>
+          <p:spPr>
+            <a:xfrm>
+              <a:off x="8816207" y="4854143"/>
+              <a:ext cx="792855" cy="759176"/>
+            </a:xfrm>
+            <a:prstGeom prst="rect">
+              <a:avLst/>
+            </a:prstGeom>
+          </p:spPr>
+          <p:txBody>
+            <a:bodyPr/>
+            <a:lstStyle/>
+            <a:p/>
+          </p:txBody>
+        </p:sp>
+        <p:sp>
+          <p:nvSpPr>
+            <p:cNvPr id="648" name="tx647"/>
+            <p:cNvSpPr/>
+            <p:nvPr/>
+          </p:nvSpPr>
+          <p:spPr>
+            <a:xfrm>
+              <a:off x="8885796" y="4908353"/>
+              <a:ext cx="652549" cy="113171"/>
+            </a:xfrm>
+            <a:prstGeom prst="rect">
+              <a:avLst/>
+            </a:prstGeom>
+            <a:noFill/>
+          </p:spPr>
+          <p:txBody>
+            <a:bodyPr lIns="0" rIns="0" tIns="0" bIns="0" anchorCtr="1" anchor="ctr" wrap="none"/>
+            <a:lstStyle/>
+            <a:p>
+              <a:pPr algn="l" marL="0" marR="0" indent="0">
+                <a:lnSpc>
+                  <a:spcPts val="1000"/>
+                </a:lnSpc>
+                <a:spcBef>
+                  <a:spcPts val="0"/>
+                </a:spcBef>
+                <a:spcAft>
+                  <a:spcPts val="0"/>
+                </a:spcAft>
+              </a:pPr>
+              <a:r>
+                <a:rPr sz="1000">
+                  <a:solidFill>
+                    <a:srgbClr val="000000">
+                      <a:alpha val="100000"/>
+                    </a:srgbClr>
+                  </a:solidFill>
+                  <a:latin typeface="Times New Roman"/>
+                  <a:cs typeface="Times New Roman"/>
+                </a:rPr>
+                <a:t>Super Group</a:t>
+              </a:r>
+            </a:p>
+          </p:txBody>
+        </p:sp>
+        <p:sp>
+          <p:nvSpPr>
+            <p:cNvPr id="649" name="rc648"/>
+            <p:cNvSpPr/>
+            <p:nvPr/>
+          </p:nvSpPr>
+          <p:spPr>
+            <a:xfrm>
+              <a:off x="8885796" y="5104818"/>
+              <a:ext cx="219455" cy="219455"/>
+            </a:xfrm>
+            <a:prstGeom prst="rect">
+              <a:avLst/>
+            </a:prstGeom>
+            <a:solidFill>
+              <a:srgbClr val="FFFFFF">
+                <a:alpha val="100000"/>
+              </a:srgbClr>
+            </a:solidFill>
+            <a:ln w="13550" cap="rnd">
+              <a:solidFill>
+                <a:srgbClr val="FFFFFF">
+                  <a:alpha val="100000"/>
+                </a:srgbClr>
+              </a:solidFill>
+              <a:prstDash val="solid"/>
+              <a:round/>
+            </a:ln>
+          </p:spPr>
+          <p:txBody>
+            <a:bodyPr/>
+            <a:lstStyle/>
+            <a:p/>
+          </p:txBody>
+        </p:sp>
+        <p:sp>
+          <p:nvSpPr>
+            <p:cNvPr id="650" name="rc649"/>
+            <p:cNvSpPr/>
+            <p:nvPr/>
+          </p:nvSpPr>
+          <p:spPr>
+            <a:xfrm>
+              <a:off x="8894796" y="5113818"/>
+              <a:ext cx="201455" cy="201456"/>
+            </a:xfrm>
+            <a:prstGeom prst="rect">
+              <a:avLst/>
+            </a:prstGeom>
+            <a:solidFill>
+              <a:srgbClr val="00FFFF">
+                <a:alpha val="20000"/>
+              </a:srgbClr>
+            </a:solidFill>
+          </p:spPr>
+          <p:txBody>
+            <a:bodyPr/>
+            <a:lstStyle/>
+            <a:p/>
+          </p:txBody>
+        </p:sp>
+        <p:sp>
+          <p:nvSpPr>
+            <p:cNvPr id="651" name="rc650"/>
+            <p:cNvSpPr/>
+            <p:nvPr/>
+          </p:nvSpPr>
+          <p:spPr>
+            <a:xfrm>
+              <a:off x="8885796" y="5324274"/>
+              <a:ext cx="219455" cy="219455"/>
+            </a:xfrm>
+            <a:prstGeom prst="rect">
+              <a:avLst/>
+            </a:prstGeom>
+            <a:solidFill>
+              <a:srgbClr val="FFFFFF">
+                <a:alpha val="100000"/>
+              </a:srgbClr>
+            </a:solidFill>
+            <a:ln w="13550" cap="rnd">
+              <a:solidFill>
+                <a:srgbClr val="FFFFFF">
+                  <a:alpha val="100000"/>
+                </a:srgbClr>
+              </a:solidFill>
+              <a:prstDash val="solid"/>
+              <a:round/>
+            </a:ln>
+          </p:spPr>
+          <p:txBody>
+            <a:bodyPr/>
+            <a:lstStyle/>
+            <a:p/>
+          </p:txBody>
+        </p:sp>
+        <p:sp>
+          <p:nvSpPr>
+            <p:cNvPr id="652" name="rc651"/>
+            <p:cNvSpPr/>
+            <p:nvPr/>
+          </p:nvSpPr>
+          <p:spPr>
+            <a:xfrm>
+              <a:off x="8894796" y="5333274"/>
+              <a:ext cx="201455" cy="201456"/>
+            </a:xfrm>
+            <a:prstGeom prst="rect">
+              <a:avLst/>
+            </a:prstGeom>
+            <a:solidFill>
+              <a:srgbClr val="0000FF">
+                <a:alpha val="20000"/>
+              </a:srgbClr>
+            </a:solidFill>
+          </p:spPr>
+          <p:txBody>
+            <a:bodyPr/>
+            <a:lstStyle/>
+            <a:p/>
+          </p:txBody>
+        </p:sp>
+        <p:sp>
+          <p:nvSpPr>
+            <p:cNvPr id="653" name="tx652"/>
+            <p:cNvSpPr/>
+            <p:nvPr/>
+          </p:nvSpPr>
+          <p:spPr>
+            <a:xfrm>
+              <a:off x="9174841" y="5188216"/>
+              <a:ext cx="228888" cy="49454"/>
+            </a:xfrm>
+            <a:prstGeom prst="rect">
+              <a:avLst/>
+            </a:prstGeom>
+            <a:noFill/>
+          </p:spPr>
+          <p:txBody>
+            <a:bodyPr lIns="0" rIns="0" tIns="0" bIns="0" anchorCtr="1" anchor="ctr" wrap="none"/>
+            <a:lstStyle/>
+            <a:p>
+              <a:pPr algn="l" marL="0" marR="0" indent="0">
+                <a:lnSpc>
+                  <a:spcPts val="550"/>
+                </a:lnSpc>
+                <a:spcBef>
+                  <a:spcPts val="0"/>
+                </a:spcBef>
+                <a:spcAft>
+                  <a:spcPts val="0"/>
+                </a:spcAft>
+              </a:pPr>
+              <a:r>
+                <a:rPr sz="550">
+                  <a:solidFill>
+                    <a:srgbClr val="000000">
+                      <a:alpha val="100000"/>
+                    </a:srgbClr>
+                  </a:solidFill>
+                  <a:latin typeface="Times New Roman"/>
+                  <a:cs typeface="Times New Roman"/>
+                </a:rPr>
+                <a:t>Discoba</a:t>
+              </a:r>
+            </a:p>
+          </p:txBody>
+        </p:sp>
+        <p:sp>
+          <p:nvSpPr>
+            <p:cNvPr id="654" name="tx653"/>
+            <p:cNvSpPr/>
+            <p:nvPr/>
+          </p:nvSpPr>
+          <p:spPr>
+            <a:xfrm>
+              <a:off x="9174841" y="5407672"/>
+              <a:ext cx="364632" cy="49454"/>
+            </a:xfrm>
+            <a:prstGeom prst="rect">
+              <a:avLst/>
+            </a:prstGeom>
+            <a:noFill/>
+          </p:spPr>
+          <p:txBody>
+            <a:bodyPr lIns="0" rIns="0" tIns="0" bIns="0" anchorCtr="1" anchor="ctr" wrap="none"/>
+            <a:lstStyle/>
+            <a:p>
+              <a:pPr algn="l" marL="0" marR="0" indent="0">
+                <a:lnSpc>
+                  <a:spcPts val="550"/>
+                </a:lnSpc>
+                <a:spcBef>
+                  <a:spcPts val="0"/>
+                </a:spcBef>
+                <a:spcAft>
+                  <a:spcPts val="0"/>
+                </a:spcAft>
+              </a:pPr>
+              <a:r>
+                <a:rPr sz="550">
+                  <a:solidFill>
+                    <a:srgbClr val="000000">
+                      <a:alpha val="100000"/>
+                    </a:srgbClr>
+                  </a:solidFill>
+                  <a:latin typeface="Times New Roman"/>
+                  <a:cs typeface="Times New Roman"/>
+                </a:rPr>
+                <a:t>Metamonada</a:t>
+              </a:r>
+            </a:p>
+          </p:txBody>
+        </p:sp>
+        <p:sp>
+          <p:nvSpPr>
+            <p:cNvPr id="655" name="rc654"/>
+            <p:cNvSpPr/>
+            <p:nvPr/>
+          </p:nvSpPr>
+          <p:spPr>
+            <a:xfrm>
+              <a:off x="8816207" y="5620519"/>
+              <a:ext cx="1109041" cy="978632"/>
+            </a:xfrm>
+            <a:prstGeom prst="rect">
+              <a:avLst/>
+            </a:prstGeom>
+          </p:spPr>
+          <p:txBody>
+            <a:bodyPr/>
+            <a:lstStyle/>
+            <a:p/>
+          </p:txBody>
+        </p:sp>
+        <p:sp>
+          <p:nvSpPr>
+            <p:cNvPr id="656" name="tx655"/>
+            <p:cNvSpPr/>
+            <p:nvPr/>
+          </p:nvSpPr>
+          <p:spPr>
+            <a:xfrm>
+              <a:off x="8885796" y="5672311"/>
               <a:ext cx="969863" cy="115589"/>
             </a:xfrm>
             <a:prstGeom prst="rect">
@@ -26619,13 +26952,13 @@
         </p:sp>
         <p:sp>
           <p:nvSpPr>
-            <p:cNvPr id="647" name="rc646"/>
-            <p:cNvSpPr/>
-            <p:nvPr/>
-          </p:nvSpPr>
-          <p:spPr>
-            <a:xfrm>
-              <a:off x="8885796" y="5049094"/>
+            <p:cNvPr id="657" name="rc656"/>
+            <p:cNvSpPr/>
+            <p:nvPr/>
+          </p:nvSpPr>
+          <p:spPr>
+            <a:xfrm>
+              <a:off x="8885796" y="5871194"/>
               <a:ext cx="219455" cy="219455"/>
             </a:xfrm>
             <a:prstGeom prst="rect">
@@ -26654,13 +26987,48 @@
         </p:sp>
         <p:sp>
           <p:nvSpPr>
-            <p:cNvPr id="648" name="rc647"/>
-            <p:cNvSpPr/>
-            <p:nvPr/>
-          </p:nvSpPr>
-          <p:spPr>
-            <a:xfrm>
-              <a:off x="8885796" y="5268550"/>
+            <p:cNvPr id="658" name="rc657"/>
+            <p:cNvSpPr/>
+            <p:nvPr/>
+          </p:nvSpPr>
+          <p:spPr>
+            <a:xfrm>
+              <a:off x="8887596" y="5872994"/>
+              <a:ext cx="215856" cy="215855"/>
+            </a:xfrm>
+            <a:prstGeom prst="rect">
+              <a:avLst/>
+            </a:prstGeom>
+            <a:solidFill>
+              <a:srgbClr val="A87142">
+                <a:alpha val="100000"/>
+              </a:srgbClr>
+            </a:solidFill>
+            <a:ln w="2710" cap="flat">
+              <a:solidFill>
+                <a:srgbClr val="FFFFFF">
+                  <a:alpha val="100000"/>
+                </a:srgbClr>
+              </a:solidFill>
+              <a:prstDash val="solid"/>
+              <a:miter/>
+            </a:ln>
+          </p:spPr>
+          <p:txBody>
+            <a:bodyPr/>
+            <a:lstStyle/>
+            <a:p/>
+          </p:txBody>
+        </p:sp>
+        <p:sp>
+          <p:nvSpPr>
+            <p:cNvPr id="659" name="rc658"/>
+            <p:cNvSpPr/>
+            <p:nvPr/>
+          </p:nvSpPr>
+          <p:spPr>
+            <a:xfrm>
+              <a:off x="8885796" y="6090650"/>
               <a:ext cx="219455" cy="219455"/>
             </a:xfrm>
             <a:prstGeom prst="rect">
@@ -26689,48 +27057,48 @@
         </p:sp>
         <p:sp>
           <p:nvSpPr>
-            <p:cNvPr id="649" name="rc648"/>
-            <p:cNvSpPr/>
-            <p:nvPr/>
-          </p:nvSpPr>
-          <p:spPr>
-            <a:xfrm>
-              <a:off x="8887596" y="5270350"/>
+            <p:cNvPr id="660" name="rc659"/>
+            <p:cNvSpPr/>
+            <p:nvPr/>
+          </p:nvSpPr>
+          <p:spPr>
+            <a:xfrm>
+              <a:off x="8887596" y="6092450"/>
               <a:ext cx="215856" cy="215855"/>
             </a:xfrm>
             <a:prstGeom prst="rect">
               <a:avLst/>
             </a:prstGeom>
             <a:solidFill>
-              <a:srgbClr val="A87142">
-                <a:alpha val="100000"/>
-              </a:srgbClr>
-            </a:solidFill>
-            <a:ln w="2710" cap="flat">
-              <a:solidFill>
-                <a:srgbClr val="FFFFFF">
-                  <a:alpha val="100000"/>
-                </a:srgbClr>
-              </a:solidFill>
-              <a:prstDash val="solid"/>
-              <a:miter/>
-            </a:ln>
-          </p:spPr>
-          <p:txBody>
-            <a:bodyPr/>
-            <a:lstStyle/>
-            <a:p/>
-          </p:txBody>
-        </p:sp>
-        <p:sp>
-          <p:nvSpPr>
-            <p:cNvPr id="650" name="rc649"/>
-            <p:cNvSpPr/>
-            <p:nvPr/>
-          </p:nvSpPr>
-          <p:spPr>
-            <a:xfrm>
-              <a:off x="8885796" y="5488006"/>
+              <a:srgbClr val="63E3C5">
+                <a:alpha val="100000"/>
+              </a:srgbClr>
+            </a:solidFill>
+            <a:ln w="2710" cap="flat">
+              <a:solidFill>
+                <a:srgbClr val="FFFFFF">
+                  <a:alpha val="100000"/>
+                </a:srgbClr>
+              </a:solidFill>
+              <a:prstDash val="solid"/>
+              <a:miter/>
+            </a:ln>
+          </p:spPr>
+          <p:txBody>
+            <a:bodyPr/>
+            <a:lstStyle/>
+            <a:p/>
+          </p:txBody>
+        </p:sp>
+        <p:sp>
+          <p:nvSpPr>
+            <p:cNvPr id="661" name="rc660"/>
+            <p:cNvSpPr/>
+            <p:nvPr/>
+          </p:nvSpPr>
+          <p:spPr>
+            <a:xfrm>
+              <a:off x="8885796" y="6310106"/>
               <a:ext cx="219455" cy="219455"/>
             </a:xfrm>
             <a:prstGeom prst="rect">
@@ -26759,124 +27127,19 @@
         </p:sp>
         <p:sp>
           <p:nvSpPr>
-            <p:cNvPr id="651" name="rc650"/>
-            <p:cNvSpPr/>
-            <p:nvPr/>
-          </p:nvSpPr>
-          <p:spPr>
-            <a:xfrm>
-              <a:off x="8887596" y="5489806"/>
+            <p:cNvPr id="662" name="rc661"/>
+            <p:cNvSpPr/>
+            <p:nvPr/>
+          </p:nvSpPr>
+          <p:spPr>
+            <a:xfrm>
+              <a:off x="8887596" y="6311906"/>
               <a:ext cx="215856" cy="215855"/>
             </a:xfrm>
             <a:prstGeom prst="rect">
               <a:avLst/>
             </a:prstGeom>
             <a:solidFill>
-              <a:srgbClr val="63E3C5">
-                <a:alpha val="100000"/>
-              </a:srgbClr>
-            </a:solidFill>
-            <a:ln w="2710" cap="flat">
-              <a:solidFill>
-                <a:srgbClr val="FFFFFF">
-                  <a:alpha val="100000"/>
-                </a:srgbClr>
-              </a:solidFill>
-              <a:prstDash val="solid"/>
-              <a:miter/>
-            </a:ln>
-          </p:spPr>
-          <p:txBody>
-            <a:bodyPr/>
-            <a:lstStyle/>
-            <a:p/>
-          </p:txBody>
-        </p:sp>
-        <p:sp>
-          <p:nvSpPr>
-            <p:cNvPr id="652" name="rc651"/>
-            <p:cNvSpPr/>
-            <p:nvPr/>
-          </p:nvSpPr>
-          <p:spPr>
-            <a:xfrm>
-              <a:off x="8885796" y="5707462"/>
-              <a:ext cx="219455" cy="219455"/>
-            </a:xfrm>
-            <a:prstGeom prst="rect">
-              <a:avLst/>
-            </a:prstGeom>
-            <a:solidFill>
-              <a:srgbClr val="FFFFFF">
-                <a:alpha val="100000"/>
-              </a:srgbClr>
-            </a:solidFill>
-            <a:ln w="13550" cap="rnd">
-              <a:solidFill>
-                <a:srgbClr val="FFFFFF">
-                  <a:alpha val="100000"/>
-                </a:srgbClr>
-              </a:solidFill>
-              <a:prstDash val="solid"/>
-              <a:round/>
-            </a:ln>
-          </p:spPr>
-          <p:txBody>
-            <a:bodyPr/>
-            <a:lstStyle/>
-            <a:p/>
-          </p:txBody>
-        </p:sp>
-        <p:sp>
-          <p:nvSpPr>
-            <p:cNvPr id="653" name="rc652"/>
-            <p:cNvSpPr/>
-            <p:nvPr/>
-          </p:nvSpPr>
-          <p:spPr>
-            <a:xfrm>
-              <a:off x="8885796" y="5926918"/>
-              <a:ext cx="219455" cy="219455"/>
-            </a:xfrm>
-            <a:prstGeom prst="rect">
-              <a:avLst/>
-            </a:prstGeom>
-            <a:solidFill>
-              <a:srgbClr val="FFFFFF">
-                <a:alpha val="100000"/>
-              </a:srgbClr>
-            </a:solidFill>
-            <a:ln w="13550" cap="rnd">
-              <a:solidFill>
-                <a:srgbClr val="FFFFFF">
-                  <a:alpha val="100000"/>
-                </a:srgbClr>
-              </a:solidFill>
-              <a:prstDash val="solid"/>
-              <a:round/>
-            </a:ln>
-          </p:spPr>
-          <p:txBody>
-            <a:bodyPr/>
-            <a:lstStyle/>
-            <a:p/>
-          </p:txBody>
-        </p:sp>
-        <p:sp>
-          <p:nvSpPr>
-            <p:cNvPr id="654" name="rc653"/>
-            <p:cNvSpPr/>
-            <p:nvPr/>
-          </p:nvSpPr>
-          <p:spPr>
-            <a:xfrm>
-              <a:off x="8887596" y="5928718"/>
-              <a:ext cx="215856" cy="215855"/>
-            </a:xfrm>
-            <a:prstGeom prst="rect">
-              <a:avLst/>
-            </a:prstGeom>
-            <a:solidFill>
               <a:srgbClr val="FE4A49">
                 <a:alpha val="100000"/>
               </a:srgbClr>
@@ -26899,129 +27162,13 @@
         </p:sp>
         <p:sp>
           <p:nvSpPr>
-            <p:cNvPr id="655" name="rc654"/>
-            <p:cNvSpPr/>
-            <p:nvPr/>
-          </p:nvSpPr>
-          <p:spPr>
-            <a:xfrm>
-              <a:off x="8885796" y="6146374"/>
-              <a:ext cx="219455" cy="219455"/>
-            </a:xfrm>
-            <a:prstGeom prst="rect">
-              <a:avLst/>
-            </a:prstGeom>
-            <a:solidFill>
-              <a:srgbClr val="FFFFFF">
-                <a:alpha val="100000"/>
-              </a:srgbClr>
-            </a:solidFill>
-            <a:ln w="13550" cap="rnd">
-              <a:solidFill>
-                <a:srgbClr val="FFFFFF">
-                  <a:alpha val="100000"/>
-                </a:srgbClr>
-              </a:solidFill>
-              <a:prstDash val="solid"/>
-              <a:round/>
-            </a:ln>
-          </p:spPr>
-          <p:txBody>
-            <a:bodyPr/>
-            <a:lstStyle/>
-            <a:p/>
-          </p:txBody>
-        </p:sp>
-        <p:sp>
-          <p:nvSpPr>
-            <p:cNvPr id="656" name="rc655"/>
-            <p:cNvSpPr/>
-            <p:nvPr/>
-          </p:nvSpPr>
-          <p:spPr>
-            <a:xfrm>
-              <a:off x="8885796" y="6365830"/>
-              <a:ext cx="219455" cy="219456"/>
-            </a:xfrm>
-            <a:prstGeom prst="rect">
-              <a:avLst/>
-            </a:prstGeom>
-            <a:solidFill>
-              <a:srgbClr val="FFFFFF">
-                <a:alpha val="100000"/>
-              </a:srgbClr>
-            </a:solidFill>
-            <a:ln w="13550" cap="rnd">
-              <a:solidFill>
-                <a:srgbClr val="FFFFFF">
-                  <a:alpha val="100000"/>
-                </a:srgbClr>
-              </a:solidFill>
-              <a:prstDash val="solid"/>
-              <a:round/>
-            </a:ln>
-          </p:spPr>
-          <p:txBody>
-            <a:bodyPr/>
-            <a:lstStyle/>
-            <a:p/>
-          </p:txBody>
-        </p:sp>
-        <p:sp>
-          <p:nvSpPr>
-            <p:cNvPr id="657" name="tx656"/>
-            <p:cNvSpPr/>
-            <p:nvPr/>
-          </p:nvSpPr>
-          <p:spPr>
-            <a:xfrm>
-              <a:off x="9174841" y="5118508"/>
-              <a:ext cx="337551" cy="63437"/>
-            </a:xfrm>
-            <a:prstGeom prst="rect">
-              <a:avLst/>
-            </a:prstGeom>
-            <a:noFill/>
-          </p:spPr>
-          <p:txBody>
-            <a:bodyPr lIns="0" rIns="0" tIns="0" bIns="0" anchorCtr="1" anchor="ctr" wrap="none"/>
-            <a:lstStyle/>
-            <a:p>
-              <a:pPr algn="l" marL="0" marR="0" indent="0">
-                <a:lnSpc>
-                  <a:spcPts val="550"/>
-                </a:lnSpc>
-                <a:spcBef>
-                  <a:spcPts val="0"/>
-                </a:spcBef>
-                <a:spcAft>
-                  <a:spcPts val="0"/>
-                </a:spcAft>
-              </a:pPr>
-              <a:r>
-                <a:rPr sz="550">
-                  <a:solidFill>
-                    <a:srgbClr val="000000">
-                      <a:alpha val="100000"/>
-                    </a:srgbClr>
-                  </a:solidFill>
-                  <a:latin typeface="Times New Roman"/>
-                  <a:cs typeface="Times New Roman"/>
-                </a:rPr>
-                <a:t>Autotrophic</a:t>
-              </a:r>
-            </a:p>
-          </p:txBody>
-        </p:sp>
-        <p:sp>
-          <p:nvSpPr>
-            <p:cNvPr id="658" name="tx657"/>
-            <p:cNvSpPr/>
-            <p:nvPr/>
-          </p:nvSpPr>
-          <p:spPr>
-            <a:xfrm>
-              <a:off x="9174841" y="5337964"/>
+            <p:cNvPr id="663" name="tx662"/>
+            <p:cNvSpPr/>
+            <p:nvPr/>
+          </p:nvSpPr>
+          <p:spPr>
+            <a:xfrm>
+              <a:off x="9174841" y="5940608"/>
               <a:ext cx="337483" cy="63437"/>
             </a:xfrm>
             <a:prstGeom prst="rect">
@@ -27061,13 +27208,13 @@
         </p:sp>
         <p:sp>
           <p:nvSpPr>
-            <p:cNvPr id="659" name="tx658"/>
-            <p:cNvSpPr/>
-            <p:nvPr/>
-          </p:nvSpPr>
-          <p:spPr>
-            <a:xfrm>
-              <a:off x="9174841" y="5557420"/>
+            <p:cNvPr id="664" name="tx663"/>
+            <p:cNvSpPr/>
+            <p:nvPr/>
+          </p:nvSpPr>
+          <p:spPr>
+            <a:xfrm>
+              <a:off x="9174841" y="6160064"/>
               <a:ext cx="298806" cy="63437"/>
             </a:xfrm>
             <a:prstGeom prst="rect">
@@ -27107,59 +27254,13 @@
         </p:sp>
         <p:sp>
           <p:nvSpPr>
-            <p:cNvPr id="660" name="tx659"/>
-            <p:cNvSpPr/>
-            <p:nvPr/>
-          </p:nvSpPr>
-          <p:spPr>
-            <a:xfrm>
-              <a:off x="9174841" y="5790860"/>
-              <a:ext cx="428752" cy="49454"/>
-            </a:xfrm>
-            <a:prstGeom prst="rect">
-              <a:avLst/>
-            </a:prstGeom>
-            <a:noFill/>
-          </p:spPr>
-          <p:txBody>
-            <a:bodyPr lIns="0" rIns="0" tIns="0" bIns="0" anchorCtr="1" anchor="ctr" wrap="none"/>
-            <a:lstStyle/>
-            <a:p>
-              <a:pPr algn="l" marL="0" marR="0" indent="0">
-                <a:lnSpc>
-                  <a:spcPts val="550"/>
-                </a:lnSpc>
-                <a:spcBef>
-                  <a:spcPts val="0"/>
-                </a:spcBef>
-                <a:spcAft>
-                  <a:spcPts val="0"/>
-                </a:spcAft>
-              </a:pPr>
-              <a:r>
-                <a:rPr sz="550">
-                  <a:solidFill>
-                    <a:srgbClr val="000000">
-                      <a:alpha val="100000"/>
-                    </a:srgbClr>
-                  </a:solidFill>
-                  <a:latin typeface="Times New Roman"/>
-                  <a:cs typeface="Times New Roman"/>
-                </a:rPr>
-                <a:t>Plastid Parasite</a:t>
-              </a:r>
-            </a:p>
-          </p:txBody>
-        </p:sp>
-        <p:sp>
-          <p:nvSpPr>
-            <p:cNvPr id="661" name="tx660"/>
-            <p:cNvSpPr/>
-            <p:nvPr/>
-          </p:nvSpPr>
-          <p:spPr>
-            <a:xfrm>
-              <a:off x="9174841" y="6010316"/>
+            <p:cNvPr id="665" name="tx664"/>
+            <p:cNvSpPr/>
+            <p:nvPr/>
+          </p:nvSpPr>
+          <p:spPr>
+            <a:xfrm>
+              <a:off x="9174841" y="6393504"/>
               <a:ext cx="572306" cy="49454"/>
             </a:xfrm>
             <a:prstGeom prst="rect">
@@ -27199,99 +27300,7 @@
         </p:sp>
         <p:sp>
           <p:nvSpPr>
-            <p:cNvPr id="662" name="tx661"/>
-            <p:cNvSpPr/>
-            <p:nvPr/>
-          </p:nvSpPr>
-          <p:spPr>
-            <a:xfrm>
-              <a:off x="9174841" y="6215652"/>
-              <a:ext cx="591610" cy="63574"/>
-            </a:xfrm>
-            <a:prstGeom prst="rect">
-              <a:avLst/>
-            </a:prstGeom>
-            <a:noFill/>
-          </p:spPr>
-          <p:txBody>
-            <a:bodyPr lIns="0" rIns="0" tIns="0" bIns="0" anchorCtr="1" anchor="ctr" wrap="none"/>
-            <a:lstStyle/>
-            <a:p>
-              <a:pPr algn="l" marL="0" marR="0" indent="0">
-                <a:lnSpc>
-                  <a:spcPts val="550"/>
-                </a:lnSpc>
-                <a:spcBef>
-                  <a:spcPts val="0"/>
-                </a:spcBef>
-                <a:spcAft>
-                  <a:spcPts val="0"/>
-                </a:spcAft>
-              </a:pPr>
-              <a:r>
-                <a:rPr sz="550">
-                  <a:solidFill>
-                    <a:srgbClr val="000000">
-                      <a:alpha val="100000"/>
-                    </a:srgbClr>
-                  </a:solidFill>
-                  <a:latin typeface="Times New Roman"/>
-                  <a:cs typeface="Times New Roman"/>
-                </a:rPr>
-                <a:t>Streptophyta parasite</a:t>
-              </a:r>
-            </a:p>
-          </p:txBody>
-        </p:sp>
-        <p:sp>
-          <p:nvSpPr>
-            <p:cNvPr id="663" name="tx662"/>
-            <p:cNvSpPr/>
-            <p:nvPr/>
-          </p:nvSpPr>
-          <p:spPr>
-            <a:xfrm>
-              <a:off x="9174841" y="6435108"/>
-              <a:ext cx="422954" cy="63574"/>
-            </a:xfrm>
-            <a:prstGeom prst="rect">
-              <a:avLst/>
-            </a:prstGeom>
-            <a:noFill/>
-          </p:spPr>
-          <p:txBody>
-            <a:bodyPr lIns="0" rIns="0" tIns="0" bIns="0" anchorCtr="1" anchor="ctr" wrap="none"/>
-            <a:lstStyle/>
-            <a:p>
-              <a:pPr algn="l" marL="0" marR="0" indent="0">
-                <a:lnSpc>
-                  <a:spcPts val="550"/>
-                </a:lnSpc>
-                <a:spcBef>
-                  <a:spcPts val="0"/>
-                </a:spcBef>
-                <a:spcAft>
-                  <a:spcPts val="0"/>
-                </a:spcAft>
-              </a:pPr>
-              <a:r>
-                <a:rPr sz="550">
-                  <a:solidFill>
-                    <a:srgbClr val="000000">
-                      <a:alpha val="100000"/>
-                    </a:srgbClr>
-                  </a:solidFill>
-                  <a:latin typeface="Times New Roman"/>
-                  <a:cs typeface="Times New Roman"/>
-                </a:rPr>
-                <a:t>Endosymbiotic</a:t>
-              </a:r>
-            </a:p>
-          </p:txBody>
-        </p:sp>
-        <p:sp>
-          <p:nvSpPr>
-            <p:cNvPr id="664" name="tx663"/>
+            <p:cNvPr id="666" name="tx665"/>
             <p:cNvSpPr/>
             <p:nvPr/>
           </p:nvSpPr>
@@ -27337,7 +27346,7 @@
         </p:sp>
         <p:sp>
           <p:nvSpPr>
-            <p:cNvPr id="665" name="tx664"/>
+            <p:cNvPr id="667" name="tx666"/>
             <p:cNvSpPr/>
             <p:nvPr/>
           </p:nvSpPr>
